--- a/3/進捗報告_D4_3回目_2024_06_14_Graph Neural Network.pptx
+++ b/3/進捗報告_D4_3回目_2024_06_14_Graph Neural Network.pptx
@@ -5,7 +5,7 @@
     <p:sldMasterId id="2147483648" r:id="rId1"/>
   </p:sldMasterIdLst>
   <p:notesMasterIdLst>
-    <p:notesMasterId r:id="rId13"/>
+    <p:notesMasterId r:id="rId16"/>
   </p:notesMasterIdLst>
   <p:sldIdLst>
     <p:sldId id="262" r:id="rId2"/>
@@ -19,6 +19,9 @@
     <p:sldId id="265" r:id="rId10"/>
     <p:sldId id="266" r:id="rId11"/>
     <p:sldId id="267" r:id="rId12"/>
+    <p:sldId id="268" r:id="rId13"/>
+    <p:sldId id="269" r:id="rId14"/>
+    <p:sldId id="270" r:id="rId15"/>
   </p:sldIdLst>
   <p:sldSz cx="12192000" cy="6858000"/>
   <p:notesSz cx="6858000" cy="9144000"/>
@@ -128,7 +131,7 @@
 <file path=ppt/revisionInfo.xml><?xml version="1.0" encoding="utf-8"?>
 <p1510:revInfo xmlns:a="http://schemas.openxmlformats.org/drawingml/2006/main" xmlns:r="http://schemas.openxmlformats.org/officeDocument/2006/relationships" xmlns:p1510="http://schemas.microsoft.com/office/powerpoint/2015/10/main">
   <p1510:revLst>
-    <p1510:client id="{0201BB2F-5427-4A5B-A26D-32DB62AD5D2C}" v="1853" dt="2024-06-14T03:52:06.581"/>
+    <p1510:client id="{0201BB2F-5427-4A5B-A26D-32DB62AD5D2C}" v="2882" dt="2024-06-14T07:49:04.721"/>
   </p1510:revLst>
 </p1510:revInfo>
 </file>
@@ -138,7 +141,7 @@
   <pc:docChgLst>
     <pc:chgData name="g2121057" userId="037dc83c-fac4-4eea-acb3-34d3beafcde8" providerId="ADAL" clId="{0201BB2F-5427-4A5B-A26D-32DB62AD5D2C}"/>
     <pc:docChg chg="undo custSel addSld delSld modSld">
-      <pc:chgData name="g2121057" userId="037dc83c-fac4-4eea-acb3-34d3beafcde8" providerId="ADAL" clId="{0201BB2F-5427-4A5B-A26D-32DB62AD5D2C}" dt="2024-06-14T03:52:06.580" v="4147" actId="20577"/>
+      <pc:chgData name="g2121057" userId="037dc83c-fac4-4eea-acb3-34d3beafcde8" providerId="ADAL" clId="{0201BB2F-5427-4A5B-A26D-32DB62AD5D2C}" dt="2024-06-14T08:49:36.181" v="6421" actId="20577"/>
       <pc:docMkLst>
         <pc:docMk/>
       </pc:docMkLst>
@@ -556,7 +559,7 @@
         </pc:picChg>
       </pc:sldChg>
       <pc:sldChg chg="addSp delSp modSp new mod">
-        <pc:chgData name="g2121057" userId="037dc83c-fac4-4eea-acb3-34d3beafcde8" providerId="ADAL" clId="{0201BB2F-5427-4A5B-A26D-32DB62AD5D2C}" dt="2024-06-14T03:33:43.763" v="3974" actId="478"/>
+        <pc:chgData name="g2121057" userId="037dc83c-fac4-4eea-acb3-34d3beafcde8" providerId="ADAL" clId="{0201BB2F-5427-4A5B-A26D-32DB62AD5D2C}" dt="2024-06-14T06:43:03.735" v="5895" actId="14100"/>
         <pc:sldMkLst>
           <pc:docMk/>
           <pc:sldMk cId="1484332015" sldId="263"/>
@@ -618,7 +621,7 @@
           </ac:spMkLst>
         </pc:spChg>
         <pc:spChg chg="add mod">
-          <ac:chgData name="g2121057" userId="037dc83c-fac4-4eea-acb3-34d3beafcde8" providerId="ADAL" clId="{0201BB2F-5427-4A5B-A26D-32DB62AD5D2C}" dt="2024-06-14T03:31:14.882" v="3871" actId="1076"/>
+          <ac:chgData name="g2121057" userId="037dc83c-fac4-4eea-acb3-34d3beafcde8" providerId="ADAL" clId="{0201BB2F-5427-4A5B-A26D-32DB62AD5D2C}" dt="2024-06-14T06:43:03.735" v="5895" actId="14100"/>
           <ac:spMkLst>
             <pc:docMk/>
             <pc:sldMk cId="1484332015" sldId="263"/>
@@ -627,7 +630,7 @@
         </pc:spChg>
       </pc:sldChg>
       <pc:sldChg chg="addSp delSp modSp new mod">
-        <pc:chgData name="g2121057" userId="037dc83c-fac4-4eea-acb3-34d3beafcde8" providerId="ADAL" clId="{0201BB2F-5427-4A5B-A26D-32DB62AD5D2C}" dt="2024-06-14T03:25:54.040" v="3637" actId="1076"/>
+        <pc:chgData name="g2121057" userId="037dc83c-fac4-4eea-acb3-34d3beafcde8" providerId="ADAL" clId="{0201BB2F-5427-4A5B-A26D-32DB62AD5D2C}" dt="2024-06-14T07:21:27.141" v="6340" actId="14100"/>
         <pc:sldMkLst>
           <pc:docMk/>
           <pc:sldMk cId="4266098053" sldId="264"/>
@@ -649,7 +652,7 @@
           </ac:spMkLst>
         </pc:spChg>
         <pc:spChg chg="add mod">
-          <ac:chgData name="g2121057" userId="037dc83c-fac4-4eea-acb3-34d3beafcde8" providerId="ADAL" clId="{0201BB2F-5427-4A5B-A26D-32DB62AD5D2C}" dt="2024-06-14T03:24:02.557" v="3586" actId="1076"/>
+          <ac:chgData name="g2121057" userId="037dc83c-fac4-4eea-acb3-34d3beafcde8" providerId="ADAL" clId="{0201BB2F-5427-4A5B-A26D-32DB62AD5D2C}" dt="2024-06-14T07:21:27.141" v="6340" actId="14100"/>
           <ac:spMkLst>
             <pc:docMk/>
             <pc:sldMk cId="4266098053" sldId="264"/>
@@ -951,8 +954,8 @@
           </ac:picMkLst>
         </pc:picChg>
       </pc:sldChg>
-      <pc:sldChg chg="addSp modSp new add del mod">
-        <pc:chgData name="g2121057" userId="037dc83c-fac4-4eea-acb3-34d3beafcde8" providerId="ADAL" clId="{0201BB2F-5427-4A5B-A26D-32DB62AD5D2C}" dt="2024-06-14T03:52:06.580" v="4147" actId="20577"/>
+      <pc:sldChg chg="addSp modSp new add del mod modNotesTx">
+        <pc:chgData name="g2121057" userId="037dc83c-fac4-4eea-acb3-34d3beafcde8" providerId="ADAL" clId="{0201BB2F-5427-4A5B-A26D-32DB62AD5D2C}" dt="2024-06-14T05:46:29.877" v="5545" actId="20577"/>
         <pc:sldMkLst>
           <pc:docMk/>
           <pc:sldMk cId="1161420673" sldId="267"/>
@@ -979,6 +982,14 @@
             <pc:docMk/>
             <pc:sldMk cId="1161420673" sldId="267"/>
             <ac:spMk id="4" creationId="{B3F14ED3-90D7-F1E7-DF1F-E50F62D1C4A8}"/>
+          </ac:spMkLst>
+        </pc:spChg>
+        <pc:spChg chg="add mod">
+          <ac:chgData name="g2121057" userId="037dc83c-fac4-4eea-acb3-34d3beafcde8" providerId="ADAL" clId="{0201BB2F-5427-4A5B-A26D-32DB62AD5D2C}" dt="2024-06-14T05:02:45.645" v="4493" actId="1076"/>
+          <ac:spMkLst>
+            <pc:docMk/>
+            <pc:sldMk cId="1161420673" sldId="267"/>
+            <ac:spMk id="5" creationId="{3690DDDD-1CB0-DFE0-BF0C-4FB3EFF1690B}"/>
           </ac:spMkLst>
         </pc:spChg>
         <pc:spChg chg="add mod">
@@ -1021,6 +1032,187 @@
             <ac:cxnSpMk id="11" creationId="{D4784F67-9249-8E13-6284-102EDFFF8200}"/>
           </ac:cxnSpMkLst>
         </pc:cxnChg>
+      </pc:sldChg>
+      <pc:sldChg chg="addSp delSp modSp new mod">
+        <pc:chgData name="g2121057" userId="037dc83c-fac4-4eea-acb3-34d3beafcde8" providerId="ADAL" clId="{0201BB2F-5427-4A5B-A26D-32DB62AD5D2C}" dt="2024-06-14T07:48:51.990" v="6349" actId="16959"/>
+        <pc:sldMkLst>
+          <pc:docMk/>
+          <pc:sldMk cId="318084686" sldId="268"/>
+        </pc:sldMkLst>
+        <pc:spChg chg="mod">
+          <ac:chgData name="g2121057" userId="037dc83c-fac4-4eea-acb3-34d3beafcde8" providerId="ADAL" clId="{0201BB2F-5427-4A5B-A26D-32DB62AD5D2C}" dt="2024-06-14T05:04:31.952" v="4730" actId="1076"/>
+          <ac:spMkLst>
+            <pc:docMk/>
+            <pc:sldMk cId="318084686" sldId="268"/>
+            <ac:spMk id="2" creationId="{FEFE4D0C-CA84-6B5E-E625-DD80DEEE4F74}"/>
+          </ac:spMkLst>
+        </pc:spChg>
+        <pc:spChg chg="mod">
+          <ac:chgData name="g2121057" userId="037dc83c-fac4-4eea-acb3-34d3beafcde8" providerId="ADAL" clId="{0201BB2F-5427-4A5B-A26D-32DB62AD5D2C}" dt="2024-06-14T05:14:06.495" v="4995" actId="20577"/>
+          <ac:spMkLst>
+            <pc:docMk/>
+            <pc:sldMk cId="318084686" sldId="268"/>
+            <ac:spMk id="3" creationId="{2F63F722-073D-2EEE-2398-BF0B6ABC9C33}"/>
+          </ac:spMkLst>
+        </pc:spChg>
+        <pc:spChg chg="add mod">
+          <ac:chgData name="g2121057" userId="037dc83c-fac4-4eea-acb3-34d3beafcde8" providerId="ADAL" clId="{0201BB2F-5427-4A5B-A26D-32DB62AD5D2C}" dt="2024-06-14T05:17:36.624" v="4997" actId="1076"/>
+          <ac:spMkLst>
+            <pc:docMk/>
+            <pc:sldMk cId="318084686" sldId="268"/>
+            <ac:spMk id="4" creationId="{5A55574D-A7F4-B8DF-C8EB-25BD155609C2}"/>
+          </ac:spMkLst>
+        </pc:spChg>
+        <pc:spChg chg="add del mod">
+          <ac:chgData name="g2121057" userId="037dc83c-fac4-4eea-acb3-34d3beafcde8" providerId="ADAL" clId="{0201BB2F-5427-4A5B-A26D-32DB62AD5D2C}" dt="2024-06-14T05:11:22.748" v="4962" actId="478"/>
+          <ac:spMkLst>
+            <pc:docMk/>
+            <pc:sldMk cId="318084686" sldId="268"/>
+            <ac:spMk id="5" creationId="{CB8046F2-9E07-AFC0-CB81-AD72EC469522}"/>
+          </ac:spMkLst>
+        </pc:spChg>
+        <pc:spChg chg="add mod">
+          <ac:chgData name="g2121057" userId="037dc83c-fac4-4eea-acb3-34d3beafcde8" providerId="ADAL" clId="{0201BB2F-5427-4A5B-A26D-32DB62AD5D2C}" dt="2024-06-14T05:17:45.405" v="4999" actId="1076"/>
+          <ac:spMkLst>
+            <pc:docMk/>
+            <pc:sldMk cId="318084686" sldId="268"/>
+            <ac:spMk id="6" creationId="{539A7E97-659B-082E-B949-CE3590222254}"/>
+          </ac:spMkLst>
+        </pc:spChg>
+        <pc:spChg chg="add mod">
+          <ac:chgData name="g2121057" userId="037dc83c-fac4-4eea-acb3-34d3beafcde8" providerId="ADAL" clId="{0201BB2F-5427-4A5B-A26D-32DB62AD5D2C}" dt="2024-06-14T05:53:21.334" v="5743" actId="20577"/>
+          <ac:spMkLst>
+            <pc:docMk/>
+            <pc:sldMk cId="318084686" sldId="268"/>
+            <ac:spMk id="7" creationId="{995538D2-4246-7C36-B9F0-309DBB02FBB8}"/>
+          </ac:spMkLst>
+        </pc:spChg>
+        <pc:spChg chg="add mod">
+          <ac:chgData name="g2121057" userId="037dc83c-fac4-4eea-acb3-34d3beafcde8" providerId="ADAL" clId="{0201BB2F-5427-4A5B-A26D-32DB62AD5D2C}" dt="2024-06-14T07:48:51.990" v="6349" actId="16959"/>
+          <ac:spMkLst>
+            <pc:docMk/>
+            <pc:sldMk cId="318084686" sldId="268"/>
+            <ac:spMk id="8" creationId="{82743C78-CCC5-AF67-7FA3-FB19FC4CE315}"/>
+          </ac:spMkLst>
+        </pc:spChg>
+        <pc:spChg chg="add mod">
+          <ac:chgData name="g2121057" userId="037dc83c-fac4-4eea-acb3-34d3beafcde8" providerId="ADAL" clId="{0201BB2F-5427-4A5B-A26D-32DB62AD5D2C}" dt="2024-06-14T05:42:08.849" v="5475" actId="1076"/>
+          <ac:spMkLst>
+            <pc:docMk/>
+            <pc:sldMk cId="318084686" sldId="268"/>
+            <ac:spMk id="9" creationId="{8D7F5315-A83E-99AA-CA42-7E603EB8FDAB}"/>
+          </ac:spMkLst>
+        </pc:spChg>
+        <pc:spChg chg="add mod">
+          <ac:chgData name="g2121057" userId="037dc83c-fac4-4eea-acb3-34d3beafcde8" providerId="ADAL" clId="{0201BB2F-5427-4A5B-A26D-32DB62AD5D2C}" dt="2024-06-14T05:42:33.199" v="5479" actId="1076"/>
+          <ac:spMkLst>
+            <pc:docMk/>
+            <pc:sldMk cId="318084686" sldId="268"/>
+            <ac:spMk id="11" creationId="{91F6000A-2981-630B-26D5-FD240ACA7A1A}"/>
+          </ac:spMkLst>
+        </pc:spChg>
+      </pc:sldChg>
+      <pc:sldChg chg="addSp modSp new mod">
+        <pc:chgData name="g2121057" userId="037dc83c-fac4-4eea-acb3-34d3beafcde8" providerId="ADAL" clId="{0201BB2F-5427-4A5B-A26D-32DB62AD5D2C}" dt="2024-06-14T07:49:04.721" v="6353" actId="16959"/>
+        <pc:sldMkLst>
+          <pc:docMk/>
+          <pc:sldMk cId="1303089994" sldId="269"/>
+        </pc:sldMkLst>
+        <pc:spChg chg="mod">
+          <ac:chgData name="g2121057" userId="037dc83c-fac4-4eea-acb3-34d3beafcde8" providerId="ADAL" clId="{0201BB2F-5427-4A5B-A26D-32DB62AD5D2C}" dt="2024-06-14T05:50:07.704" v="5702" actId="1076"/>
+          <ac:spMkLst>
+            <pc:docMk/>
+            <pc:sldMk cId="1303089994" sldId="269"/>
+            <ac:spMk id="2" creationId="{61E4F36E-E42F-2FB0-9B2E-39679ECFAB36}"/>
+          </ac:spMkLst>
+        </pc:spChg>
+        <pc:spChg chg="mod">
+          <ac:chgData name="g2121057" userId="037dc83c-fac4-4eea-acb3-34d3beafcde8" providerId="ADAL" clId="{0201BB2F-5427-4A5B-A26D-32DB62AD5D2C}" dt="2024-06-14T05:50:11.102" v="5703" actId="1076"/>
+          <ac:spMkLst>
+            <pc:docMk/>
+            <pc:sldMk cId="1303089994" sldId="269"/>
+            <ac:spMk id="3" creationId="{CCAFEF24-A1F6-676E-91DF-F9133B5657ED}"/>
+          </ac:spMkLst>
+        </pc:spChg>
+        <pc:spChg chg="add mod">
+          <ac:chgData name="g2121057" userId="037dc83c-fac4-4eea-acb3-34d3beafcde8" providerId="ADAL" clId="{0201BB2F-5427-4A5B-A26D-32DB62AD5D2C}" dt="2024-06-14T05:50:43.309" v="5726" actId="14100"/>
+          <ac:spMkLst>
+            <pc:docMk/>
+            <pc:sldMk cId="1303089994" sldId="269"/>
+            <ac:spMk id="4" creationId="{F3CBD3B8-5125-B3AC-F6E6-CA6F29360A32}"/>
+          </ac:spMkLst>
+        </pc:spChg>
+        <pc:spChg chg="add mod">
+          <ac:chgData name="g2121057" userId="037dc83c-fac4-4eea-acb3-34d3beafcde8" providerId="ADAL" clId="{0201BB2F-5427-4A5B-A26D-32DB62AD5D2C}" dt="2024-06-14T07:49:00.117" v="6351" actId="16959"/>
+          <ac:spMkLst>
+            <pc:docMk/>
+            <pc:sldMk cId="1303089994" sldId="269"/>
+            <ac:spMk id="5" creationId="{B4395670-10A7-089F-FC15-9D58AB619416}"/>
+          </ac:spMkLst>
+        </pc:spChg>
+        <pc:spChg chg="add mod">
+          <ac:chgData name="g2121057" userId="037dc83c-fac4-4eea-acb3-34d3beafcde8" providerId="ADAL" clId="{0201BB2F-5427-4A5B-A26D-32DB62AD5D2C}" dt="2024-06-14T06:28:50.458" v="5844" actId="20577"/>
+          <ac:spMkLst>
+            <pc:docMk/>
+            <pc:sldMk cId="1303089994" sldId="269"/>
+            <ac:spMk id="6" creationId="{9573FD36-56BE-DB68-13D8-57FFC53B48C5}"/>
+          </ac:spMkLst>
+        </pc:spChg>
+        <pc:spChg chg="add mod">
+          <ac:chgData name="g2121057" userId="037dc83c-fac4-4eea-acb3-34d3beafcde8" providerId="ADAL" clId="{0201BB2F-5427-4A5B-A26D-32DB62AD5D2C}" dt="2024-06-14T07:49:04.721" v="6353" actId="16959"/>
+          <ac:spMkLst>
+            <pc:docMk/>
+            <pc:sldMk cId="1303089994" sldId="269"/>
+            <ac:spMk id="7" creationId="{C8268806-65FC-7B62-C909-4D1D46AFE250}"/>
+          </ac:spMkLst>
+        </pc:spChg>
+        <pc:spChg chg="add mod">
+          <ac:chgData name="g2121057" userId="037dc83c-fac4-4eea-acb3-34d3beafcde8" providerId="ADAL" clId="{0201BB2F-5427-4A5B-A26D-32DB62AD5D2C}" dt="2024-06-14T06:46:11.685" v="5907" actId="1076"/>
+          <ac:spMkLst>
+            <pc:docMk/>
+            <pc:sldMk cId="1303089994" sldId="269"/>
+            <ac:spMk id="8" creationId="{D3364467-6949-8ABF-FE19-F9E43BC1AC91}"/>
+          </ac:spMkLst>
+        </pc:spChg>
+        <pc:spChg chg="add mod">
+          <ac:chgData name="g2121057" userId="037dc83c-fac4-4eea-acb3-34d3beafcde8" providerId="ADAL" clId="{0201BB2F-5427-4A5B-A26D-32DB62AD5D2C}" dt="2024-06-14T07:07:01.533" v="6210" actId="403"/>
+          <ac:spMkLst>
+            <pc:docMk/>
+            <pc:sldMk cId="1303089994" sldId="269"/>
+            <ac:spMk id="9" creationId="{834C419F-5596-A5B1-95CC-609495D4AB9A}"/>
+          </ac:spMkLst>
+        </pc:spChg>
+      </pc:sldChg>
+      <pc:sldChg chg="addSp modSp new mod">
+        <pc:chgData name="g2121057" userId="037dc83c-fac4-4eea-acb3-34d3beafcde8" providerId="ADAL" clId="{0201BB2F-5427-4A5B-A26D-32DB62AD5D2C}" dt="2024-06-14T08:49:36.181" v="6421" actId="20577"/>
+        <pc:sldMkLst>
+          <pc:docMk/>
+          <pc:sldMk cId="1333862686" sldId="270"/>
+        </pc:sldMkLst>
+        <pc:spChg chg="mod">
+          <ac:chgData name="g2121057" userId="037dc83c-fac4-4eea-acb3-34d3beafcde8" providerId="ADAL" clId="{0201BB2F-5427-4A5B-A26D-32DB62AD5D2C}" dt="2024-06-14T07:10:24.082" v="6226" actId="20577"/>
+          <ac:spMkLst>
+            <pc:docMk/>
+            <pc:sldMk cId="1333862686" sldId="270"/>
+            <ac:spMk id="2" creationId="{C53E67FD-8836-FC60-8459-1159B77DCC57}"/>
+          </ac:spMkLst>
+        </pc:spChg>
+        <pc:spChg chg="mod">
+          <ac:chgData name="g2121057" userId="037dc83c-fac4-4eea-acb3-34d3beafcde8" providerId="ADAL" clId="{0201BB2F-5427-4A5B-A26D-32DB62AD5D2C}" dt="2024-06-14T08:49:36.181" v="6421" actId="20577"/>
+          <ac:spMkLst>
+            <pc:docMk/>
+            <pc:sldMk cId="1333862686" sldId="270"/>
+            <ac:spMk id="3" creationId="{73346468-C474-2745-413E-071C56445496}"/>
+          </ac:spMkLst>
+        </pc:spChg>
+        <pc:picChg chg="add mod">
+          <ac:chgData name="g2121057" userId="037dc83c-fac4-4eea-acb3-34d3beafcde8" providerId="ADAL" clId="{0201BB2F-5427-4A5B-A26D-32DB62AD5D2C}" dt="2024-06-14T07:11:01.512" v="6299" actId="1076"/>
+          <ac:picMkLst>
+            <pc:docMk/>
+            <pc:sldMk cId="1333862686" sldId="270"/>
+            <ac:picMk id="5" creationId="{1A6BEAE3-B85C-107B-1AB4-D473D808109F}"/>
+          </ac:picMkLst>
+        </pc:picChg>
       </pc:sldChg>
     </pc:docChg>
   </pc:docChgLst>
@@ -1606,6 +1798,226 @@
     <p:extLst>
       <p:ext uri="{BB962C8B-B14F-4D97-AF65-F5344CB8AC3E}">
         <p14:creationId xmlns:p14="http://schemas.microsoft.com/office/powerpoint/2010/main" val="32146458"/>
+      </p:ext>
+    </p:extLst>
+  </p:cSld>
+  <p:clrMapOvr>
+    <a:masterClrMapping/>
+  </p:clrMapOvr>
+</p:notes>
+</file>
+
+<file path=ppt/notesSlides/notesSlide3.xml><?xml version="1.0" encoding="utf-8"?>
+<p:notes xmlns:a="http://schemas.openxmlformats.org/drawingml/2006/main" xmlns:r="http://schemas.openxmlformats.org/officeDocument/2006/relationships" xmlns:p="http://schemas.openxmlformats.org/presentationml/2006/main">
+  <p:cSld>
+    <p:spTree>
+      <p:nvGrpSpPr>
+        <p:cNvPr id="1" name=""/>
+        <p:cNvGrpSpPr/>
+        <p:nvPr/>
+      </p:nvGrpSpPr>
+      <p:grpSpPr>
+        <a:xfrm>
+          <a:off x="0" y="0"/>
+          <a:ext cx="0" cy="0"/>
+          <a:chOff x="0" y="0"/>
+          <a:chExt cx="0" cy="0"/>
+        </a:xfrm>
+      </p:grpSpPr>
+      <p:sp>
+        <p:nvSpPr>
+          <p:cNvPr id="2" name="スライド イメージ プレースホルダー 1"/>
+          <p:cNvSpPr>
+            <a:spLocks noGrp="1" noRot="1" noChangeAspect="1"/>
+          </p:cNvSpPr>
+          <p:nvPr>
+            <p:ph type="sldImg"/>
+          </p:nvPr>
+        </p:nvSpPr>
+        <p:spPr/>
+      </p:sp>
+      <p:sp>
+        <p:nvSpPr>
+          <p:cNvPr id="3" name="ノート プレースホルダー 2"/>
+          <p:cNvSpPr>
+            <a:spLocks noGrp="1"/>
+          </p:cNvSpPr>
+          <p:nvPr>
+            <p:ph type="body" idx="1"/>
+          </p:nvPr>
+        </p:nvSpPr>
+        <p:spPr/>
+        <p:txBody>
+          <a:bodyPr/>
+          <a:lstStyle/>
+          <a:p>
+            <a:r>
+              <a:rPr kumimoji="1" lang="ja-JP" altLang="en-US" dirty="0"/>
+              <a:t>しかし一般に</a:t>
+            </a:r>
+            <a:r>
+              <a:rPr kumimoji="1" lang="en-US" altLang="ja-JP" dirty="0" err="1"/>
+              <a:t>gθ</a:t>
+            </a:r>
+            <a:r>
+              <a:rPr kumimoji="1" lang="ja-JP" altLang="en-US" dirty="0"/>
+              <a:t>の部分は対角成分をもつ対角行列とする。これでは実際には望ましい性質を表せないので</a:t>
+            </a:r>
+            <a:r>
+              <a:rPr kumimoji="1" lang="en-US" altLang="ja-JP" dirty="0"/>
+              <a:t>θ</a:t>
+            </a:r>
+            <a:r>
+              <a:rPr kumimoji="1" lang="ja-JP" altLang="en-US" dirty="0"/>
+              <a:t>はグラフラプラシアン行列の固有値に基づいてあらわす。フィルターを固有値の</a:t>
+            </a:r>
+            <a:r>
+              <a:rPr kumimoji="1" lang="en-US" altLang="ja-JP" dirty="0"/>
+              <a:t>N</a:t>
+            </a:r>
+            <a:r>
+              <a:rPr kumimoji="1" lang="ja-JP" altLang="en-US" dirty="0"/>
+              <a:t>次多項式で定義する。</a:t>
+            </a:r>
+            <a:r>
+              <a:rPr kumimoji="1" lang="en-US" altLang="ja-JP" dirty="0"/>
+              <a:t>θ</a:t>
+            </a:r>
+            <a:r>
+              <a:rPr kumimoji="1" lang="ja-JP" altLang="en-US" dirty="0"/>
+              <a:t>は他校牛木の係数を表しており、</a:t>
+            </a:r>
+            <a:r>
+              <a:rPr kumimoji="1" lang="en-US" altLang="ja-JP" dirty="0"/>
+              <a:t>K</a:t>
+            </a:r>
+            <a:r>
+              <a:rPr kumimoji="1" lang="ja-JP" altLang="en-US" dirty="0"/>
+              <a:t>は多項式の次数をあらわしまうｓ。</a:t>
+            </a:r>
+            <a:r>
+              <a:rPr kumimoji="1" lang="en-US" altLang="ja-JP" dirty="0"/>
+              <a:t>ɤ</a:t>
+            </a:r>
+            <a:r>
+              <a:rPr kumimoji="1" lang="ja-JP" altLang="en-US" dirty="0"/>
+              <a:t>は固有値の対角行列に、次数の係数をかけるものになる。</a:t>
+            </a:r>
+            <a:endParaRPr kumimoji="1" lang="en-US" altLang="ja-JP" dirty="0"/>
+          </a:p>
+        </p:txBody>
+      </p:sp>
+      <p:sp>
+        <p:nvSpPr>
+          <p:cNvPr id="4" name="スライド番号プレースホルダー 3"/>
+          <p:cNvSpPr>
+            <a:spLocks noGrp="1"/>
+          </p:cNvSpPr>
+          <p:nvPr>
+            <p:ph type="sldNum" sz="quarter" idx="5"/>
+          </p:nvPr>
+        </p:nvSpPr>
+        <p:spPr/>
+        <p:txBody>
+          <a:bodyPr/>
+          <a:lstStyle/>
+          <a:p>
+            <a:fld id="{73E1FDCF-4BBD-4BA8-B28A-57786FFD8912}" type="slidenum">
+              <a:rPr kumimoji="1" lang="ja-JP" altLang="en-US" smtClean="0"/>
+              <a:t>11</a:t>
+            </a:fld>
+            <a:endParaRPr kumimoji="1" lang="ja-JP" altLang="en-US"/>
+          </a:p>
+        </p:txBody>
+      </p:sp>
+    </p:spTree>
+    <p:extLst>
+      <p:ext uri="{BB962C8B-B14F-4D97-AF65-F5344CB8AC3E}">
+        <p14:creationId xmlns:p14="http://schemas.microsoft.com/office/powerpoint/2010/main" val="4288484045"/>
+      </p:ext>
+    </p:extLst>
+  </p:cSld>
+  <p:clrMapOvr>
+    <a:masterClrMapping/>
+  </p:clrMapOvr>
+</p:notes>
+</file>
+
+<file path=ppt/notesSlides/notesSlide4.xml><?xml version="1.0" encoding="utf-8"?>
+<p:notes xmlns:a="http://schemas.openxmlformats.org/drawingml/2006/main" xmlns:r="http://schemas.openxmlformats.org/officeDocument/2006/relationships" xmlns:p="http://schemas.openxmlformats.org/presentationml/2006/main">
+  <p:cSld>
+    <p:spTree>
+      <p:nvGrpSpPr>
+        <p:cNvPr id="1" name=""/>
+        <p:cNvGrpSpPr/>
+        <p:nvPr/>
+      </p:nvGrpSpPr>
+      <p:grpSpPr>
+        <a:xfrm>
+          <a:off x="0" y="0"/>
+          <a:ext cx="0" cy="0"/>
+          <a:chOff x="0" y="0"/>
+          <a:chExt cx="0" cy="0"/>
+        </a:xfrm>
+      </p:grpSpPr>
+      <p:sp>
+        <p:nvSpPr>
+          <p:cNvPr id="2" name="スライド イメージ プレースホルダー 1"/>
+          <p:cNvSpPr>
+            <a:spLocks noGrp="1" noRot="1" noChangeAspect="1"/>
+          </p:cNvSpPr>
+          <p:nvPr>
+            <p:ph type="sldImg"/>
+          </p:nvPr>
+        </p:nvSpPr>
+        <p:spPr/>
+      </p:sp>
+      <p:sp>
+        <p:nvSpPr>
+          <p:cNvPr id="3" name="ノート プレースホルダー 2"/>
+          <p:cNvSpPr>
+            <a:spLocks noGrp="1"/>
+          </p:cNvSpPr>
+          <p:nvPr>
+            <p:ph type="body" idx="1"/>
+          </p:nvPr>
+        </p:nvSpPr>
+        <p:spPr/>
+        <p:txBody>
+          <a:bodyPr/>
+          <a:lstStyle/>
+          <a:p>
+            <a:endParaRPr kumimoji="1" lang="ja-JP" altLang="en-US" dirty="0"/>
+          </a:p>
+        </p:txBody>
+      </p:sp>
+      <p:sp>
+        <p:nvSpPr>
+          <p:cNvPr id="4" name="スライド番号プレースホルダー 3"/>
+          <p:cNvSpPr>
+            <a:spLocks noGrp="1"/>
+          </p:cNvSpPr>
+          <p:nvPr>
+            <p:ph type="sldNum" sz="quarter" idx="5"/>
+          </p:nvPr>
+        </p:nvSpPr>
+        <p:spPr/>
+        <p:txBody>
+          <a:bodyPr/>
+          <a:lstStyle/>
+          <a:p>
+            <a:fld id="{73E1FDCF-4BBD-4BA8-B28A-57786FFD8912}" type="slidenum">
+              <a:rPr kumimoji="1" lang="ja-JP" altLang="en-US" smtClean="0"/>
+              <a:t>12</a:t>
+            </a:fld>
+            <a:endParaRPr kumimoji="1" lang="ja-JP" altLang="en-US"/>
+          </a:p>
+        </p:txBody>
+      </p:sp>
+    </p:spTree>
+    <p:extLst>
+      <p:ext uri="{BB962C8B-B14F-4D97-AF65-F5344CB8AC3E}">
+        <p14:creationId xmlns:p14="http://schemas.microsoft.com/office/powerpoint/2010/main" val="2474301886"/>
       </p:ext>
     </p:extLst>
   </p:cSld>
@@ -5595,8 +6007,8 @@
           </a:p>
         </p:txBody>
       </p:sp>
-      <mc:AlternateContent xmlns:mc="http://schemas.openxmlformats.org/markup-compatibility/2006">
-        <mc:Choice xmlns:a14="http://schemas.microsoft.com/office/drawing/2010/main" Requires="a14">
+      <mc:AlternateContent xmlns:mc="http://schemas.openxmlformats.org/markup-compatibility/2006" xmlns:a14="http://schemas.microsoft.com/office/drawing/2010/main">
+        <mc:Choice Requires="a14">
           <p:sp>
             <p:nvSpPr>
               <p:cNvPr id="3" name="コンテンツ プレースホルダー 2">
@@ -5852,25 +6264,25 @@
                   <m:oMath xmlns:m="http://schemas.openxmlformats.org/officeDocument/2006/math">
                     <m:r>
                       <a:rPr lang="ja-JP" altLang="en-US" sz="3200" i="0">
-                        <a:latin typeface="+mn-ea"/>
+                        <a:latin typeface="Cambria Math" panose="02040503050406030204" pitchFamily="18" charset="0"/>
                       </a:rPr>
                       <m:t>正規化グラフラプラシアン行列</m:t>
                     </m:r>
                     <m:r>
                       <a:rPr lang="ja-JP" altLang="en-US" sz="3200" i="0" smtClean="0">
-                        <a:latin typeface="+mn-ea"/>
+                        <a:latin typeface="Cambria Math" panose="02040503050406030204" pitchFamily="18" charset="0"/>
                       </a:rPr>
                       <m:t>の</m:t>
                     </m:r>
                     <m:r>
                       <a:rPr lang="ja-JP" altLang="en-US" sz="3200" i="0">
-                        <a:latin typeface="+mn-ea"/>
+                        <a:latin typeface="Cambria Math" panose="02040503050406030204" pitchFamily="18" charset="0"/>
                       </a:rPr>
                       <m:t>固有ベクトル</m:t>
                     </m:r>
                     <m:r>
                       <a:rPr kumimoji="1" lang="en-US" altLang="ja-JP" sz="3200" b="0" i="0" smtClean="0">
-                        <a:latin typeface="+mn-ea"/>
+                        <a:latin typeface="Cambria Math" panose="02040503050406030204" pitchFamily="18" charset="0"/>
                       </a:rPr>
                       <m:t> </m:t>
                     </m:r>
@@ -5901,7 +6313,7 @@
             </p:txBody>
           </p:sp>
         </mc:Choice>
-        <mc:Fallback>
+        <mc:Fallback xmlns="">
           <p:sp>
             <p:nvSpPr>
               <p:cNvPr id="3" name="コンテンツ プレースホルダー 2">
@@ -6039,8 +6451,8 @@
           </a:p>
         </p:txBody>
       </p:sp>
-      <mc:AlternateContent xmlns:mc="http://schemas.openxmlformats.org/markup-compatibility/2006">
-        <mc:Choice xmlns:a14="http://schemas.microsoft.com/office/drawing/2010/main" Requires="a14">
+      <mc:AlternateContent xmlns:mc="http://schemas.openxmlformats.org/markup-compatibility/2006" xmlns:a14="http://schemas.microsoft.com/office/drawing/2010/main">
+        <mc:Choice Requires="a14">
           <p:sp>
             <p:nvSpPr>
               <p:cNvPr id="3" name="コンテンツ プレースホルダー 2">
@@ -7041,7 +7453,7 @@
             </p:txBody>
           </p:sp>
         </mc:Choice>
-        <mc:Fallback>
+        <mc:Fallback xmlns="">
           <p:sp>
             <p:nvSpPr>
               <p:cNvPr id="3" name="コンテンツ プレースホルダー 2">
@@ -7064,7 +7476,7 @@
                 <a:ext cx="12293600" cy="5102680"/>
               </a:xfrm>
               <a:blipFill>
-                <a:blip r:embed="rId2"/>
+                <a:blip r:embed="rId3"/>
                 <a:stretch>
                   <a:fillRect l="-1339" t="-2867" r="-793"/>
                 </a:stretch>
@@ -7327,10 +7739,5028 @@
           </a:p>
         </p:txBody>
       </p:sp>
+      <mc:AlternateContent xmlns:mc="http://schemas.openxmlformats.org/markup-compatibility/2006" xmlns:a14="http://schemas.microsoft.com/office/drawing/2010/main">
+        <mc:Choice Requires="a14">
+          <p:sp>
+            <p:nvSpPr>
+              <p:cNvPr id="5" name="テキスト ボックス 4">
+                <a:extLst>
+                  <a:ext uri="{FF2B5EF4-FFF2-40B4-BE49-F238E27FC236}">
+                    <a16:creationId xmlns:a16="http://schemas.microsoft.com/office/drawing/2014/main" id="{3690DDDD-1CB0-DFE0-BF0C-4FB3EFF1690B}"/>
+                  </a:ext>
+                </a:extLst>
+              </p:cNvPr>
+              <p:cNvSpPr txBox="1"/>
+              <p:nvPr/>
+            </p:nvSpPr>
+            <p:spPr>
+              <a:xfrm>
+                <a:off x="8633225" y="94421"/>
+                <a:ext cx="3242683" cy="1385187"/>
+              </a:xfrm>
+              <a:prstGeom prst="rect">
+                <a:avLst/>
+              </a:prstGeom>
+              <a:noFill/>
+            </p:spPr>
+            <p:txBody>
+              <a:bodyPr wrap="none" lIns="0" tIns="0" rIns="0" bIns="0" rtlCol="0">
+                <a:spAutoFit/>
+              </a:bodyPr>
+              <a:lstStyle/>
+              <a:p>
+                <a:pPr/>
+                <a14:m>
+                  <m:oMathPara xmlns:m="http://schemas.openxmlformats.org/officeDocument/2006/math">
+                    <m:oMathParaPr>
+                      <m:jc m:val="centerGroup"/>
+                    </m:oMathParaPr>
+                    <m:oMath xmlns:m="http://schemas.openxmlformats.org/officeDocument/2006/math">
+                      <m:sSub>
+                        <m:sSubPr>
+                          <m:ctrlPr>
+                            <a:rPr kumimoji="1" lang="en-US" altLang="ja-JP" sz="3200" b="0" i="1" smtClean="0">
+                              <a:latin typeface="Cambria Math" panose="02040503050406030204" pitchFamily="18" charset="0"/>
+                            </a:rPr>
+                          </m:ctrlPr>
+                        </m:sSubPr>
+                        <m:e>
+                          <m:r>
+                            <a:rPr kumimoji="1" lang="en-US" altLang="ja-JP" sz="3200" b="0" i="1" smtClean="0">
+                              <a:latin typeface="Cambria Math" panose="02040503050406030204" pitchFamily="18" charset="0"/>
+                            </a:rPr>
+                            <m:t>𝑔</m:t>
+                          </m:r>
+                        </m:e>
+                        <m:sub>
+                          <m:r>
+                            <a:rPr kumimoji="1" lang="en-US" altLang="ja-JP" sz="3200" b="0" i="1" smtClean="0">
+                              <a:latin typeface="Cambria Math" panose="02040503050406030204" pitchFamily="18" charset="0"/>
+                            </a:rPr>
+                            <m:t>𝜃</m:t>
+                          </m:r>
+                        </m:sub>
+                      </m:sSub>
+                      <m:d>
+                        <m:dPr>
+                          <m:ctrlPr>
+                            <a:rPr kumimoji="1" lang="en-US" altLang="ja-JP" sz="3200" b="0" i="1" smtClean="0">
+                              <a:latin typeface="Cambria Math" panose="02040503050406030204" pitchFamily="18" charset="0"/>
+                            </a:rPr>
+                          </m:ctrlPr>
+                        </m:dPr>
+                        <m:e>
+                          <m:r>
+                            <m:rPr>
+                              <m:sty m:val="p"/>
+                            </m:rPr>
+                            <a:rPr kumimoji="1" lang="el-GR" altLang="ja-JP" sz="3200" b="0" i="1" smtClean="0">
+                              <a:latin typeface="Cambria Math" panose="02040503050406030204" pitchFamily="18" charset="0"/>
+                              <a:ea typeface="Cambria Math" panose="02040503050406030204" pitchFamily="18" charset="0"/>
+                            </a:rPr>
+                            <m:t>Λ</m:t>
+                          </m:r>
+                        </m:e>
+                      </m:d>
+                      <m:r>
+                        <a:rPr kumimoji="1" lang="en-US" altLang="ja-JP" sz="3200" b="0" i="1" smtClean="0">
+                          <a:latin typeface="Cambria Math" panose="02040503050406030204" pitchFamily="18" charset="0"/>
+                          <a:ea typeface="Cambria Math" panose="02040503050406030204" pitchFamily="18" charset="0"/>
+                        </a:rPr>
+                        <m:t>=</m:t>
+                      </m:r>
+                      <m:nary>
+                        <m:naryPr>
+                          <m:chr m:val="∑"/>
+                          <m:ctrlPr>
+                            <a:rPr kumimoji="1" lang="en-US" altLang="ja-JP" sz="3200" b="0" i="1" smtClean="0">
+                              <a:latin typeface="Cambria Math" panose="02040503050406030204" pitchFamily="18" charset="0"/>
+                              <a:ea typeface="Cambria Math" panose="02040503050406030204" pitchFamily="18" charset="0"/>
+                            </a:rPr>
+                          </m:ctrlPr>
+                        </m:naryPr>
+                        <m:sub>
+                          <m:r>
+                            <m:rPr>
+                              <m:brk m:alnAt="23"/>
+                            </m:rPr>
+                            <a:rPr kumimoji="1" lang="en-US" altLang="ja-JP" sz="3200" b="0" i="1" smtClean="0">
+                              <a:latin typeface="Cambria Math" panose="02040503050406030204" pitchFamily="18" charset="0"/>
+                              <a:ea typeface="Cambria Math" panose="02040503050406030204" pitchFamily="18" charset="0"/>
+                            </a:rPr>
+                            <m:t>𝑘</m:t>
+                          </m:r>
+                          <m:r>
+                            <a:rPr kumimoji="1" lang="en-US" altLang="ja-JP" sz="3200" b="0" i="1" smtClean="0">
+                              <a:latin typeface="Cambria Math" panose="02040503050406030204" pitchFamily="18" charset="0"/>
+                              <a:ea typeface="Cambria Math" panose="02040503050406030204" pitchFamily="18" charset="0"/>
+                            </a:rPr>
+                            <m:t>=0</m:t>
+                          </m:r>
+                        </m:sub>
+                        <m:sup>
+                          <m:r>
+                            <a:rPr kumimoji="1" lang="en-US" altLang="ja-JP" sz="3200" b="0" i="1" smtClean="0">
+                              <a:latin typeface="Cambria Math" panose="02040503050406030204" pitchFamily="18" charset="0"/>
+                              <a:ea typeface="Cambria Math" panose="02040503050406030204" pitchFamily="18" charset="0"/>
+                            </a:rPr>
+                            <m:t>𝐾</m:t>
+                          </m:r>
+                          <m:r>
+                            <a:rPr kumimoji="1" lang="en-US" altLang="ja-JP" sz="3200" b="0" i="1" smtClean="0">
+                              <a:latin typeface="Cambria Math" panose="02040503050406030204" pitchFamily="18" charset="0"/>
+                              <a:ea typeface="Cambria Math" panose="02040503050406030204" pitchFamily="18" charset="0"/>
+                            </a:rPr>
+                            <m:t>−1</m:t>
+                          </m:r>
+                        </m:sup>
+                        <m:e>
+                          <m:sSub>
+                            <m:sSubPr>
+                              <m:ctrlPr>
+                                <a:rPr kumimoji="1" lang="en-US" altLang="ja-JP" sz="3200" b="0" i="1" smtClean="0">
+                                  <a:latin typeface="Cambria Math" panose="02040503050406030204" pitchFamily="18" charset="0"/>
+                                  <a:ea typeface="Cambria Math" panose="02040503050406030204" pitchFamily="18" charset="0"/>
+                                </a:rPr>
+                              </m:ctrlPr>
+                            </m:sSubPr>
+                            <m:e>
+                              <m:r>
+                                <a:rPr kumimoji="1" lang="en-US" altLang="ja-JP" sz="3200" b="0" i="1" smtClean="0">
+                                  <a:latin typeface="Cambria Math" panose="02040503050406030204" pitchFamily="18" charset="0"/>
+                                  <a:ea typeface="Cambria Math" panose="02040503050406030204" pitchFamily="18" charset="0"/>
+                                </a:rPr>
+                                <m:t>𝜃</m:t>
+                              </m:r>
+                            </m:e>
+                            <m:sub>
+                              <m:r>
+                                <a:rPr kumimoji="1" lang="en-US" altLang="ja-JP" sz="3200" b="0" i="1" smtClean="0">
+                                  <a:latin typeface="Cambria Math" panose="02040503050406030204" pitchFamily="18" charset="0"/>
+                                  <a:ea typeface="Cambria Math" panose="02040503050406030204" pitchFamily="18" charset="0"/>
+                                </a:rPr>
+                                <m:t>𝑘</m:t>
+                              </m:r>
+                            </m:sub>
+                          </m:sSub>
+                          <m:sSup>
+                            <m:sSupPr>
+                              <m:ctrlPr>
+                                <a:rPr kumimoji="1" lang="en-US" altLang="ja-JP" sz="3200" b="0" i="1" smtClean="0">
+                                  <a:latin typeface="Cambria Math" panose="02040503050406030204" pitchFamily="18" charset="0"/>
+                                  <a:ea typeface="Cambria Math" panose="02040503050406030204" pitchFamily="18" charset="0"/>
+                                </a:rPr>
+                              </m:ctrlPr>
+                            </m:sSupPr>
+                            <m:e>
+                              <m:r>
+                                <m:rPr>
+                                  <m:sty m:val="p"/>
+                                </m:rPr>
+                                <a:rPr kumimoji="1" lang="el-GR" altLang="ja-JP" sz="3200" b="0" i="1" smtClean="0">
+                                  <a:latin typeface="Cambria Math" panose="02040503050406030204" pitchFamily="18" charset="0"/>
+                                  <a:ea typeface="Cambria Math" panose="02040503050406030204" pitchFamily="18" charset="0"/>
+                                </a:rPr>
+                                <m:t>Λ</m:t>
+                              </m:r>
+                            </m:e>
+                            <m:sup>
+                              <m:r>
+                                <a:rPr kumimoji="1" lang="en-US" altLang="ja-JP" sz="3200" b="0" i="1" smtClean="0">
+                                  <a:latin typeface="Cambria Math" panose="02040503050406030204" pitchFamily="18" charset="0"/>
+                                  <a:ea typeface="Cambria Math" panose="02040503050406030204" pitchFamily="18" charset="0"/>
+                                </a:rPr>
+                                <m:t>𝑘</m:t>
+                              </m:r>
+                            </m:sup>
+                          </m:sSup>
+                        </m:e>
+                      </m:nary>
+                    </m:oMath>
+                  </m:oMathPara>
+                </a14:m>
+                <a:endParaRPr kumimoji="1" lang="ja-JP" altLang="en-US" sz="3200" dirty="0"/>
+              </a:p>
+            </p:txBody>
+          </p:sp>
+        </mc:Choice>
+        <mc:Fallback xmlns="">
+          <p:sp>
+            <p:nvSpPr>
+              <p:cNvPr id="5" name="テキスト ボックス 4">
+                <a:extLst>
+                  <a:ext uri="{FF2B5EF4-FFF2-40B4-BE49-F238E27FC236}">
+                    <a16:creationId xmlns:a16="http://schemas.microsoft.com/office/drawing/2014/main" id="{3690DDDD-1CB0-DFE0-BF0C-4FB3EFF1690B}"/>
+                  </a:ext>
+                </a:extLst>
+              </p:cNvPr>
+              <p:cNvSpPr txBox="1">
+                <a:spLocks noRot="1" noChangeAspect="1" noMove="1" noResize="1" noEditPoints="1" noAdjustHandles="1" noChangeArrowheads="1" noChangeShapeType="1" noTextEdit="1"/>
+              </p:cNvSpPr>
+              <p:nvPr/>
+            </p:nvSpPr>
+            <p:spPr>
+              <a:xfrm>
+                <a:off x="8633225" y="94421"/>
+                <a:ext cx="3242683" cy="1385187"/>
+              </a:xfrm>
+              <a:prstGeom prst="rect">
+                <a:avLst/>
+              </a:prstGeom>
+              <a:blipFill>
+                <a:blip r:embed="rId4"/>
+                <a:stretch>
+                  <a:fillRect/>
+                </a:stretch>
+              </a:blipFill>
+            </p:spPr>
+            <p:txBody>
+              <a:bodyPr/>
+              <a:lstStyle/>
+              <a:p>
+                <a:r>
+                  <a:rPr lang="ja-JP" altLang="en-US">
+                    <a:noFill/>
+                  </a:rPr>
+                  <a:t> </a:t>
+                </a:r>
+              </a:p>
+            </p:txBody>
+          </p:sp>
+        </mc:Fallback>
+      </mc:AlternateContent>
     </p:spTree>
     <p:extLst>
       <p:ext uri="{BB962C8B-B14F-4D97-AF65-F5344CB8AC3E}">
         <p14:creationId xmlns:p14="http://schemas.microsoft.com/office/powerpoint/2010/main" val="1161420673"/>
+      </p:ext>
+    </p:extLst>
+  </p:cSld>
+  <p:clrMapOvr>
+    <a:masterClrMapping/>
+  </p:clrMapOvr>
+</p:sld>
+</file>
+
+<file path=ppt/slides/slide12.xml><?xml version="1.0" encoding="utf-8"?>
+<p:sld xmlns:a="http://schemas.openxmlformats.org/drawingml/2006/main" xmlns:r="http://schemas.openxmlformats.org/officeDocument/2006/relationships" xmlns:p="http://schemas.openxmlformats.org/presentationml/2006/main">
+  <p:cSld>
+    <p:spTree>
+      <p:nvGrpSpPr>
+        <p:cNvPr id="1" name=""/>
+        <p:cNvGrpSpPr/>
+        <p:nvPr/>
+      </p:nvGrpSpPr>
+      <p:grpSpPr>
+        <a:xfrm>
+          <a:off x="0" y="0"/>
+          <a:ext cx="0" cy="0"/>
+          <a:chOff x="0" y="0"/>
+          <a:chExt cx="0" cy="0"/>
+        </a:xfrm>
+      </p:grpSpPr>
+      <p:sp>
+        <p:nvSpPr>
+          <p:cNvPr id="2" name="タイトル 1">
+            <a:extLst>
+              <a:ext uri="{FF2B5EF4-FFF2-40B4-BE49-F238E27FC236}">
+                <a16:creationId xmlns:a16="http://schemas.microsoft.com/office/drawing/2014/main" id="{FEFE4D0C-CA84-6B5E-E625-DD80DEEE4F74}"/>
+              </a:ext>
+            </a:extLst>
+          </p:cNvPr>
+          <p:cNvSpPr>
+            <a:spLocks noGrp="1"/>
+          </p:cNvSpPr>
+          <p:nvPr>
+            <p:ph type="title"/>
+          </p:nvPr>
+        </p:nvSpPr>
+        <p:spPr>
+          <a:xfrm>
+            <a:off x="0" y="-104931"/>
+            <a:ext cx="10515600" cy="1325563"/>
+          </a:xfrm>
+        </p:spPr>
+        <p:txBody>
+          <a:bodyPr/>
+          <a:lstStyle/>
+          <a:p>
+            <a:r>
+              <a:rPr kumimoji="1" lang="en-US" altLang="ja-JP" dirty="0" err="1"/>
+              <a:t>ChebNet</a:t>
+            </a:r>
+            <a:endParaRPr kumimoji="1" lang="ja-JP" altLang="en-US" dirty="0"/>
+          </a:p>
+        </p:txBody>
+      </p:sp>
+      <mc:AlternateContent xmlns:mc="http://schemas.openxmlformats.org/markup-compatibility/2006" xmlns:a14="http://schemas.microsoft.com/office/drawing/2010/main">
+        <mc:Choice Requires="a14">
+          <p:sp>
+            <p:nvSpPr>
+              <p:cNvPr id="3" name="コンテンツ プレースホルダー 2">
+                <a:extLst>
+                  <a:ext uri="{FF2B5EF4-FFF2-40B4-BE49-F238E27FC236}">
+                    <a16:creationId xmlns:a16="http://schemas.microsoft.com/office/drawing/2014/main" id="{2F63F722-073D-2EEE-2398-BF0B6ABC9C33}"/>
+                  </a:ext>
+                </a:extLst>
+              </p:cNvPr>
+              <p:cNvSpPr>
+                <a:spLocks noGrp="1"/>
+              </p:cNvSpPr>
+              <p:nvPr>
+                <p:ph idx="1"/>
+              </p:nvPr>
+            </p:nvSpPr>
+            <p:spPr>
+              <a:xfrm>
+                <a:off x="178631" y="761323"/>
+                <a:ext cx="11768529" cy="4351338"/>
+              </a:xfrm>
+            </p:spPr>
+            <p:txBody>
+              <a:bodyPr>
+                <a:normAutofit/>
+              </a:bodyPr>
+              <a:lstStyle/>
+              <a:p>
+                <a:r>
+                  <a:rPr kumimoji="1" lang="ja-JP" altLang="en-US" sz="3600" dirty="0"/>
+                  <a:t>固有値の計算　行列</a:t>
+                </a:r>
+                <a:r>
+                  <a:rPr kumimoji="1" lang="en-US" altLang="ja-JP" sz="3600" dirty="0"/>
+                  <a:t>Q</a:t>
+                </a:r>
+                <a:r>
+                  <a:rPr kumimoji="1" lang="ja-JP" altLang="en-US" sz="3600" dirty="0"/>
+                  <a:t>に対して</a:t>
+                </a:r>
+                <a14:m>
+                  <m:oMath xmlns:m="http://schemas.openxmlformats.org/officeDocument/2006/math">
+                    <m:r>
+                      <a:rPr kumimoji="1" lang="en-US" altLang="ja-JP" sz="3600" b="0" i="1" smtClean="0">
+                        <a:latin typeface="Cambria Math" panose="02040503050406030204" pitchFamily="18" charset="0"/>
+                      </a:rPr>
+                      <m:t>𝑂</m:t>
+                    </m:r>
+                    <m:d>
+                      <m:dPr>
+                        <m:ctrlPr>
+                          <a:rPr kumimoji="1" lang="en-US" altLang="ja-JP" sz="3600" b="0" i="1" smtClean="0">
+                            <a:latin typeface="Cambria Math" panose="02040503050406030204" pitchFamily="18" charset="0"/>
+                          </a:rPr>
+                        </m:ctrlPr>
+                      </m:dPr>
+                      <m:e>
+                        <m:sSup>
+                          <m:sSupPr>
+                            <m:ctrlPr>
+                              <a:rPr kumimoji="1" lang="en-US" altLang="ja-JP" sz="3600" b="0" i="1" smtClean="0">
+                                <a:latin typeface="Cambria Math" panose="02040503050406030204" pitchFamily="18" charset="0"/>
+                              </a:rPr>
+                            </m:ctrlPr>
+                          </m:sSupPr>
+                          <m:e>
+                            <m:r>
+                              <a:rPr kumimoji="1" lang="en-US" altLang="ja-JP" sz="3600" b="0" i="1" smtClean="0">
+                                <a:latin typeface="Cambria Math" panose="02040503050406030204" pitchFamily="18" charset="0"/>
+                              </a:rPr>
+                              <m:t>𝑁</m:t>
+                            </m:r>
+                          </m:e>
+                          <m:sup>
+                            <m:r>
+                              <a:rPr kumimoji="1" lang="en-US" altLang="ja-JP" sz="3600" b="0" i="1" smtClean="0">
+                                <a:latin typeface="Cambria Math" panose="02040503050406030204" pitchFamily="18" charset="0"/>
+                              </a:rPr>
+                              <m:t>2</m:t>
+                            </m:r>
+                          </m:sup>
+                        </m:sSup>
+                      </m:e>
+                    </m:d>
+                  </m:oMath>
+                </a14:m>
+                <a:r>
+                  <a:rPr kumimoji="1" lang="ja-JP" altLang="en-US" sz="3600" dirty="0"/>
+                  <a:t>と</a:t>
+                </a:r>
+                <a:r>
+                  <a:rPr kumimoji="1" lang="ja-JP" altLang="en-US" sz="3600" dirty="0">
+                    <a:solidFill>
+                      <a:srgbClr val="FF0000"/>
+                    </a:solidFill>
+                  </a:rPr>
+                  <a:t>高い</a:t>
+                </a:r>
+                <a:endParaRPr kumimoji="1" lang="en-US" altLang="ja-JP" sz="3600" dirty="0">
+                  <a:solidFill>
+                    <a:srgbClr val="FF0000"/>
+                  </a:solidFill>
+                </a:endParaRPr>
+              </a:p>
+              <a:p>
+                <a:r>
+                  <a:rPr lang="ja-JP" altLang="en-US" sz="3600" dirty="0"/>
+                  <a:t>固有値の計算の多項式　</a:t>
+                </a:r>
+                <a:r>
+                  <a:rPr lang="ja-JP" altLang="en-US" sz="3600" dirty="0">
+                    <a:solidFill>
+                      <a:srgbClr val="FF0000"/>
+                    </a:solidFill>
+                  </a:rPr>
+                  <a:t>チェビシェフ多項式の近似</a:t>
+                </a:r>
+                <a:endParaRPr lang="en-US" altLang="ja-JP" sz="3600" dirty="0">
+                  <a:solidFill>
+                    <a:srgbClr val="FF0000"/>
+                  </a:solidFill>
+                </a:endParaRPr>
+              </a:p>
+              <a:p>
+                <a:pPr marL="0" indent="0">
+                  <a:buNone/>
+                </a:pPr>
+                <a:r>
+                  <a:rPr kumimoji="1" lang="en-US" altLang="ja-JP" sz="3600" dirty="0"/>
+                  <a:t>K</a:t>
+                </a:r>
+                <a:r>
+                  <a:rPr kumimoji="1" lang="ja-JP" altLang="en-US" sz="3600" dirty="0"/>
+                  <a:t>次までのチェビシェフ多項式の近似</a:t>
+                </a:r>
+                <a:endParaRPr kumimoji="1" lang="en-US" altLang="ja-JP" sz="3600" dirty="0"/>
+              </a:p>
+              <a:p>
+                <a:pPr marL="0" indent="0">
+                  <a:buNone/>
+                </a:pPr>
+                <a14:m>
+                  <m:oMathPara xmlns:m="http://schemas.openxmlformats.org/officeDocument/2006/math">
+                    <m:oMathParaPr>
+                      <m:jc m:val="right"/>
+                    </m:oMathParaPr>
+                    <m:oMath xmlns:m="http://schemas.openxmlformats.org/officeDocument/2006/math">
+                      <m:sSub>
+                        <m:sSubPr>
+                          <m:ctrlPr>
+                            <a:rPr lang="en-US" altLang="ja-JP" sz="3600" i="1">
+                              <a:latin typeface="Cambria Math" panose="02040503050406030204" pitchFamily="18" charset="0"/>
+                            </a:rPr>
+                          </m:ctrlPr>
+                        </m:sSubPr>
+                        <m:e>
+                          <m:r>
+                            <a:rPr lang="en-US" altLang="ja-JP" sz="3600" i="1">
+                              <a:latin typeface="Cambria Math" panose="02040503050406030204" pitchFamily="18" charset="0"/>
+                            </a:rPr>
+                            <m:t>𝑔</m:t>
+                          </m:r>
+                        </m:e>
+                        <m:sub>
+                          <m:r>
+                            <a:rPr lang="en-US" altLang="ja-JP" sz="3600" i="1">
+                              <a:latin typeface="Cambria Math" panose="02040503050406030204" pitchFamily="18" charset="0"/>
+                            </a:rPr>
+                            <m:t>𝜃</m:t>
+                          </m:r>
+                        </m:sub>
+                      </m:sSub>
+                      <m:d>
+                        <m:dPr>
+                          <m:ctrlPr>
+                            <a:rPr lang="en-US" altLang="ja-JP" sz="3600" i="1">
+                              <a:latin typeface="Cambria Math" panose="02040503050406030204" pitchFamily="18" charset="0"/>
+                            </a:rPr>
+                          </m:ctrlPr>
+                        </m:dPr>
+                        <m:e>
+                          <m:r>
+                            <m:rPr>
+                              <m:sty m:val="p"/>
+                            </m:rPr>
+                            <a:rPr lang="el-GR" altLang="ja-JP" sz="3600" i="1">
+                              <a:latin typeface="Cambria Math" panose="02040503050406030204" pitchFamily="18" charset="0"/>
+                              <a:ea typeface="Cambria Math" panose="02040503050406030204" pitchFamily="18" charset="0"/>
+                            </a:rPr>
+                            <m:t>Λ</m:t>
+                          </m:r>
+                        </m:e>
+                      </m:d>
+                      <m:r>
+                        <a:rPr lang="en-US" altLang="ja-JP" sz="3600" i="1" smtClean="0">
+                          <a:latin typeface="Cambria Math" panose="02040503050406030204" pitchFamily="18" charset="0"/>
+                          <a:ea typeface="Cambria Math" panose="02040503050406030204" pitchFamily="18" charset="0"/>
+                        </a:rPr>
+                        <m:t>≈</m:t>
+                      </m:r>
+                      <m:nary>
+                        <m:naryPr>
+                          <m:chr m:val="∑"/>
+                          <m:ctrlPr>
+                            <a:rPr lang="en-US" altLang="ja-JP" sz="3600" i="1">
+                              <a:latin typeface="Cambria Math" panose="02040503050406030204" pitchFamily="18" charset="0"/>
+                              <a:ea typeface="Cambria Math" panose="02040503050406030204" pitchFamily="18" charset="0"/>
+                            </a:rPr>
+                          </m:ctrlPr>
+                        </m:naryPr>
+                        <m:sub>
+                          <m:r>
+                            <m:rPr>
+                              <m:brk m:alnAt="23"/>
+                            </m:rPr>
+                            <a:rPr lang="en-US" altLang="ja-JP" sz="3600" i="1">
+                              <a:latin typeface="Cambria Math" panose="02040503050406030204" pitchFamily="18" charset="0"/>
+                              <a:ea typeface="Cambria Math" panose="02040503050406030204" pitchFamily="18" charset="0"/>
+                            </a:rPr>
+                            <m:t>𝑘</m:t>
+                          </m:r>
+                          <m:r>
+                            <a:rPr lang="en-US" altLang="ja-JP" sz="3600" i="1">
+                              <a:latin typeface="Cambria Math" panose="02040503050406030204" pitchFamily="18" charset="0"/>
+                              <a:ea typeface="Cambria Math" panose="02040503050406030204" pitchFamily="18" charset="0"/>
+                            </a:rPr>
+                            <m:t>=0</m:t>
+                          </m:r>
+                        </m:sub>
+                        <m:sup>
+                          <m:r>
+                            <a:rPr lang="en-US" altLang="ja-JP" sz="3600" i="1">
+                              <a:latin typeface="Cambria Math" panose="02040503050406030204" pitchFamily="18" charset="0"/>
+                              <a:ea typeface="Cambria Math" panose="02040503050406030204" pitchFamily="18" charset="0"/>
+                            </a:rPr>
+                            <m:t>𝐾</m:t>
+                          </m:r>
+                          <m:r>
+                            <a:rPr lang="en-US" altLang="ja-JP" sz="3600" i="1">
+                              <a:latin typeface="Cambria Math" panose="02040503050406030204" pitchFamily="18" charset="0"/>
+                              <a:ea typeface="Cambria Math" panose="02040503050406030204" pitchFamily="18" charset="0"/>
+                            </a:rPr>
+                            <m:t>−1</m:t>
+                          </m:r>
+                        </m:sup>
+                        <m:e>
+                          <m:sSub>
+                            <m:sSubPr>
+                              <m:ctrlPr>
+                                <a:rPr lang="en-US" altLang="ja-JP" sz="3600" i="1">
+                                  <a:latin typeface="Cambria Math" panose="02040503050406030204" pitchFamily="18" charset="0"/>
+                                  <a:ea typeface="Cambria Math" panose="02040503050406030204" pitchFamily="18" charset="0"/>
+                                </a:rPr>
+                              </m:ctrlPr>
+                            </m:sSubPr>
+                            <m:e>
+                              <m:r>
+                                <a:rPr lang="en-US" altLang="ja-JP" sz="3600" i="1">
+                                  <a:latin typeface="Cambria Math" panose="02040503050406030204" pitchFamily="18" charset="0"/>
+                                  <a:ea typeface="Cambria Math" panose="02040503050406030204" pitchFamily="18" charset="0"/>
+                                </a:rPr>
+                                <m:t>𝜃</m:t>
+                              </m:r>
+                            </m:e>
+                            <m:sub>
+                              <m:r>
+                                <a:rPr lang="en-US" altLang="ja-JP" sz="3600" i="1">
+                                  <a:latin typeface="Cambria Math" panose="02040503050406030204" pitchFamily="18" charset="0"/>
+                                  <a:ea typeface="Cambria Math" panose="02040503050406030204" pitchFamily="18" charset="0"/>
+                                </a:rPr>
+                                <m:t>𝑘</m:t>
+                              </m:r>
+                            </m:sub>
+                          </m:sSub>
+                          <m:sSub>
+                            <m:sSubPr>
+                              <m:ctrlPr>
+                                <a:rPr lang="en-US" altLang="ja-JP" sz="3600" b="0" i="1" smtClean="0">
+                                  <a:latin typeface="Cambria Math" panose="02040503050406030204" pitchFamily="18" charset="0"/>
+                                  <a:ea typeface="Cambria Math" panose="02040503050406030204" pitchFamily="18" charset="0"/>
+                                </a:rPr>
+                              </m:ctrlPr>
+                            </m:sSubPr>
+                            <m:e>
+                              <m:r>
+                                <a:rPr lang="en-US" altLang="ja-JP" sz="3600" b="0" i="1" smtClean="0">
+                                  <a:latin typeface="Cambria Math" panose="02040503050406030204" pitchFamily="18" charset="0"/>
+                                  <a:ea typeface="Cambria Math" panose="02040503050406030204" pitchFamily="18" charset="0"/>
+                                </a:rPr>
+                                <m:t>𝑇</m:t>
+                              </m:r>
+                            </m:e>
+                            <m:sub>
+                              <m:r>
+                                <a:rPr lang="en-US" altLang="ja-JP" sz="3600" b="0" i="1" smtClean="0">
+                                  <a:latin typeface="Cambria Math" panose="02040503050406030204" pitchFamily="18" charset="0"/>
+                                  <a:ea typeface="Cambria Math" panose="02040503050406030204" pitchFamily="18" charset="0"/>
+                                </a:rPr>
+                                <m:t>𝑘</m:t>
+                              </m:r>
+                            </m:sub>
+                          </m:sSub>
+                          <m:r>
+                            <a:rPr lang="en-US" altLang="ja-JP" sz="3600" b="0" i="1" smtClean="0">
+                              <a:latin typeface="Cambria Math" panose="02040503050406030204" pitchFamily="18" charset="0"/>
+                              <a:ea typeface="Cambria Math" panose="02040503050406030204" pitchFamily="18" charset="0"/>
+                            </a:rPr>
+                            <m:t>(</m:t>
+                          </m:r>
+                          <m:acc>
+                            <m:accPr>
+                              <m:chr m:val="̌"/>
+                              <m:ctrlPr>
+                                <a:rPr lang="en-US" altLang="ja-JP" sz="3600" b="0" i="1" smtClean="0">
+                                  <a:latin typeface="Cambria Math" panose="02040503050406030204" pitchFamily="18" charset="0"/>
+                                  <a:ea typeface="Cambria Math" panose="02040503050406030204" pitchFamily="18" charset="0"/>
+                                </a:rPr>
+                              </m:ctrlPr>
+                            </m:accPr>
+                            <m:e>
+                              <m:r>
+                                <m:rPr>
+                                  <m:sty m:val="p"/>
+                                </m:rPr>
+                                <a:rPr lang="el-GR" altLang="ja-JP" sz="3600" b="0" i="1" smtClean="0">
+                                  <a:latin typeface="Cambria Math" panose="02040503050406030204" pitchFamily="18" charset="0"/>
+                                  <a:ea typeface="Cambria Math" panose="02040503050406030204" pitchFamily="18" charset="0"/>
+                                </a:rPr>
+                                <m:t>Λ</m:t>
+                              </m:r>
+                            </m:e>
+                          </m:acc>
+                          <m:r>
+                            <a:rPr lang="en-US" altLang="ja-JP" sz="3600" b="0" i="1" smtClean="0">
+                              <a:latin typeface="Cambria Math" panose="02040503050406030204" pitchFamily="18" charset="0"/>
+                              <a:ea typeface="Cambria Math" panose="02040503050406030204" pitchFamily="18" charset="0"/>
+                            </a:rPr>
+                            <m:t>)</m:t>
+                          </m:r>
+                        </m:e>
+                      </m:nary>
+                    </m:oMath>
+                  </m:oMathPara>
+                </a14:m>
+                <a:endParaRPr lang="ja-JP" altLang="en-US" sz="3600" dirty="0"/>
+              </a:p>
+              <a:p>
+                <a:pPr marL="0" indent="0">
+                  <a:buNone/>
+                </a:pPr>
+                <a:endParaRPr kumimoji="1" lang="ja-JP" altLang="en-US" sz="3600" dirty="0"/>
+              </a:p>
+            </p:txBody>
+          </p:sp>
+        </mc:Choice>
+        <mc:Fallback xmlns="">
+          <p:sp>
+            <p:nvSpPr>
+              <p:cNvPr id="3" name="コンテンツ プレースホルダー 2">
+                <a:extLst>
+                  <a:ext uri="{FF2B5EF4-FFF2-40B4-BE49-F238E27FC236}">
+                    <a16:creationId xmlns:a16="http://schemas.microsoft.com/office/drawing/2014/main" id="{2F63F722-073D-2EEE-2398-BF0B6ABC9C33}"/>
+                  </a:ext>
+                </a:extLst>
+              </p:cNvPr>
+              <p:cNvSpPr>
+                <a:spLocks noGrp="1" noRot="1" noChangeAspect="1" noMove="1" noResize="1" noEditPoints="1" noAdjustHandles="1" noChangeArrowheads="1" noChangeShapeType="1" noTextEdit="1"/>
+              </p:cNvSpPr>
+              <p:nvPr>
+                <p:ph idx="1"/>
+              </p:nvPr>
+            </p:nvSpPr>
+            <p:spPr>
+              <a:xfrm>
+                <a:off x="178631" y="761323"/>
+                <a:ext cx="11768529" cy="4351338"/>
+              </a:xfrm>
+              <a:blipFill>
+                <a:blip r:embed="rId3"/>
+                <a:stretch>
+                  <a:fillRect l="-1554" t="-3361"/>
+                </a:stretch>
+              </a:blipFill>
+            </p:spPr>
+            <p:txBody>
+              <a:bodyPr/>
+              <a:lstStyle/>
+              <a:p>
+                <a:r>
+                  <a:rPr lang="ja-JP" altLang="en-US">
+                    <a:noFill/>
+                  </a:rPr>
+                  <a:t> </a:t>
+                </a:r>
+              </a:p>
+            </p:txBody>
+          </p:sp>
+        </mc:Fallback>
+      </mc:AlternateContent>
+      <mc:AlternateContent xmlns:mc="http://schemas.openxmlformats.org/markup-compatibility/2006" xmlns:a14="http://schemas.microsoft.com/office/drawing/2010/main">
+        <mc:Choice Requires="a14">
+          <p:sp>
+            <p:nvSpPr>
+              <p:cNvPr id="4" name="テキスト ボックス 3">
+                <a:extLst>
+                  <a:ext uri="{FF2B5EF4-FFF2-40B4-BE49-F238E27FC236}">
+                    <a16:creationId xmlns:a16="http://schemas.microsoft.com/office/drawing/2014/main" id="{5A55574D-A7F4-B8DF-C8EB-25BD155609C2}"/>
+                  </a:ext>
+                </a:extLst>
+              </p:cNvPr>
+              <p:cNvSpPr txBox="1"/>
+              <p:nvPr/>
+            </p:nvSpPr>
+            <p:spPr>
+              <a:xfrm>
+                <a:off x="838340" y="2474053"/>
+                <a:ext cx="3242683" cy="1385187"/>
+              </a:xfrm>
+              <a:prstGeom prst="rect">
+                <a:avLst/>
+              </a:prstGeom>
+              <a:noFill/>
+            </p:spPr>
+            <p:txBody>
+              <a:bodyPr wrap="none" lIns="0" tIns="0" rIns="0" bIns="0" rtlCol="0">
+                <a:spAutoFit/>
+              </a:bodyPr>
+              <a:lstStyle/>
+              <a:p>
+                <a:pPr/>
+                <a14:m>
+                  <m:oMathPara xmlns:m="http://schemas.openxmlformats.org/officeDocument/2006/math">
+                    <m:oMathParaPr>
+                      <m:jc m:val="centerGroup"/>
+                    </m:oMathParaPr>
+                    <m:oMath xmlns:m="http://schemas.openxmlformats.org/officeDocument/2006/math">
+                      <m:sSub>
+                        <m:sSubPr>
+                          <m:ctrlPr>
+                            <a:rPr kumimoji="1" lang="en-US" altLang="ja-JP" sz="3200" b="0" i="1" smtClean="0">
+                              <a:latin typeface="Cambria Math" panose="02040503050406030204" pitchFamily="18" charset="0"/>
+                            </a:rPr>
+                          </m:ctrlPr>
+                        </m:sSubPr>
+                        <m:e>
+                          <m:r>
+                            <a:rPr kumimoji="1" lang="en-US" altLang="ja-JP" sz="3200" b="0" i="1" smtClean="0">
+                              <a:latin typeface="Cambria Math" panose="02040503050406030204" pitchFamily="18" charset="0"/>
+                            </a:rPr>
+                            <m:t>𝑔</m:t>
+                          </m:r>
+                        </m:e>
+                        <m:sub>
+                          <m:r>
+                            <a:rPr kumimoji="1" lang="en-US" altLang="ja-JP" sz="3200" b="0" i="1" smtClean="0">
+                              <a:latin typeface="Cambria Math" panose="02040503050406030204" pitchFamily="18" charset="0"/>
+                            </a:rPr>
+                            <m:t>𝜃</m:t>
+                          </m:r>
+                        </m:sub>
+                      </m:sSub>
+                      <m:d>
+                        <m:dPr>
+                          <m:ctrlPr>
+                            <a:rPr kumimoji="1" lang="en-US" altLang="ja-JP" sz="3200" b="0" i="1" smtClean="0">
+                              <a:latin typeface="Cambria Math" panose="02040503050406030204" pitchFamily="18" charset="0"/>
+                            </a:rPr>
+                          </m:ctrlPr>
+                        </m:dPr>
+                        <m:e>
+                          <m:r>
+                            <m:rPr>
+                              <m:sty m:val="p"/>
+                            </m:rPr>
+                            <a:rPr kumimoji="1" lang="el-GR" altLang="ja-JP" sz="3200" b="0" i="1" smtClean="0">
+                              <a:latin typeface="Cambria Math" panose="02040503050406030204" pitchFamily="18" charset="0"/>
+                              <a:ea typeface="Cambria Math" panose="02040503050406030204" pitchFamily="18" charset="0"/>
+                            </a:rPr>
+                            <m:t>Λ</m:t>
+                          </m:r>
+                        </m:e>
+                      </m:d>
+                      <m:r>
+                        <a:rPr kumimoji="1" lang="en-US" altLang="ja-JP" sz="3200" b="0" i="1" smtClean="0">
+                          <a:latin typeface="Cambria Math" panose="02040503050406030204" pitchFamily="18" charset="0"/>
+                          <a:ea typeface="Cambria Math" panose="02040503050406030204" pitchFamily="18" charset="0"/>
+                        </a:rPr>
+                        <m:t>=</m:t>
+                      </m:r>
+                      <m:nary>
+                        <m:naryPr>
+                          <m:chr m:val="∑"/>
+                          <m:ctrlPr>
+                            <a:rPr kumimoji="1" lang="en-US" altLang="ja-JP" sz="3200" b="0" i="1" smtClean="0">
+                              <a:latin typeface="Cambria Math" panose="02040503050406030204" pitchFamily="18" charset="0"/>
+                              <a:ea typeface="Cambria Math" panose="02040503050406030204" pitchFamily="18" charset="0"/>
+                            </a:rPr>
+                          </m:ctrlPr>
+                        </m:naryPr>
+                        <m:sub>
+                          <m:r>
+                            <m:rPr>
+                              <m:brk m:alnAt="23"/>
+                            </m:rPr>
+                            <a:rPr kumimoji="1" lang="en-US" altLang="ja-JP" sz="3200" b="0" i="1" smtClean="0">
+                              <a:latin typeface="Cambria Math" panose="02040503050406030204" pitchFamily="18" charset="0"/>
+                              <a:ea typeface="Cambria Math" panose="02040503050406030204" pitchFamily="18" charset="0"/>
+                            </a:rPr>
+                            <m:t>𝑘</m:t>
+                          </m:r>
+                          <m:r>
+                            <a:rPr kumimoji="1" lang="en-US" altLang="ja-JP" sz="3200" b="0" i="1" smtClean="0">
+                              <a:latin typeface="Cambria Math" panose="02040503050406030204" pitchFamily="18" charset="0"/>
+                              <a:ea typeface="Cambria Math" panose="02040503050406030204" pitchFamily="18" charset="0"/>
+                            </a:rPr>
+                            <m:t>=0</m:t>
+                          </m:r>
+                        </m:sub>
+                        <m:sup>
+                          <m:r>
+                            <a:rPr kumimoji="1" lang="en-US" altLang="ja-JP" sz="3200" b="0" i="1" smtClean="0">
+                              <a:latin typeface="Cambria Math" panose="02040503050406030204" pitchFamily="18" charset="0"/>
+                              <a:ea typeface="Cambria Math" panose="02040503050406030204" pitchFamily="18" charset="0"/>
+                            </a:rPr>
+                            <m:t>𝐾</m:t>
+                          </m:r>
+                          <m:r>
+                            <a:rPr kumimoji="1" lang="en-US" altLang="ja-JP" sz="3200" b="0" i="1" smtClean="0">
+                              <a:latin typeface="Cambria Math" panose="02040503050406030204" pitchFamily="18" charset="0"/>
+                              <a:ea typeface="Cambria Math" panose="02040503050406030204" pitchFamily="18" charset="0"/>
+                            </a:rPr>
+                            <m:t>−1</m:t>
+                          </m:r>
+                        </m:sup>
+                        <m:e>
+                          <m:sSub>
+                            <m:sSubPr>
+                              <m:ctrlPr>
+                                <a:rPr kumimoji="1" lang="en-US" altLang="ja-JP" sz="3200" b="0" i="1" smtClean="0">
+                                  <a:latin typeface="Cambria Math" panose="02040503050406030204" pitchFamily="18" charset="0"/>
+                                  <a:ea typeface="Cambria Math" panose="02040503050406030204" pitchFamily="18" charset="0"/>
+                                </a:rPr>
+                              </m:ctrlPr>
+                            </m:sSubPr>
+                            <m:e>
+                              <m:r>
+                                <a:rPr kumimoji="1" lang="en-US" altLang="ja-JP" sz="3200" b="0" i="1" smtClean="0">
+                                  <a:latin typeface="Cambria Math" panose="02040503050406030204" pitchFamily="18" charset="0"/>
+                                  <a:ea typeface="Cambria Math" panose="02040503050406030204" pitchFamily="18" charset="0"/>
+                                </a:rPr>
+                                <m:t>𝜃</m:t>
+                              </m:r>
+                            </m:e>
+                            <m:sub>
+                              <m:r>
+                                <a:rPr kumimoji="1" lang="en-US" altLang="ja-JP" sz="3200" b="0" i="1" smtClean="0">
+                                  <a:latin typeface="Cambria Math" panose="02040503050406030204" pitchFamily="18" charset="0"/>
+                                  <a:ea typeface="Cambria Math" panose="02040503050406030204" pitchFamily="18" charset="0"/>
+                                </a:rPr>
+                                <m:t>𝑘</m:t>
+                              </m:r>
+                            </m:sub>
+                          </m:sSub>
+                          <m:sSup>
+                            <m:sSupPr>
+                              <m:ctrlPr>
+                                <a:rPr kumimoji="1" lang="en-US" altLang="ja-JP" sz="3200" b="0" i="1" smtClean="0">
+                                  <a:latin typeface="Cambria Math" panose="02040503050406030204" pitchFamily="18" charset="0"/>
+                                  <a:ea typeface="Cambria Math" panose="02040503050406030204" pitchFamily="18" charset="0"/>
+                                </a:rPr>
+                              </m:ctrlPr>
+                            </m:sSupPr>
+                            <m:e>
+                              <m:r>
+                                <m:rPr>
+                                  <m:sty m:val="p"/>
+                                </m:rPr>
+                                <a:rPr kumimoji="1" lang="el-GR" altLang="ja-JP" sz="3200" b="0" i="1" smtClean="0">
+                                  <a:latin typeface="Cambria Math" panose="02040503050406030204" pitchFamily="18" charset="0"/>
+                                  <a:ea typeface="Cambria Math" panose="02040503050406030204" pitchFamily="18" charset="0"/>
+                                </a:rPr>
+                                <m:t>Λ</m:t>
+                              </m:r>
+                            </m:e>
+                            <m:sup>
+                              <m:r>
+                                <a:rPr kumimoji="1" lang="en-US" altLang="ja-JP" sz="3200" b="0" i="1" smtClean="0">
+                                  <a:latin typeface="Cambria Math" panose="02040503050406030204" pitchFamily="18" charset="0"/>
+                                  <a:ea typeface="Cambria Math" panose="02040503050406030204" pitchFamily="18" charset="0"/>
+                                </a:rPr>
+                                <m:t>𝑘</m:t>
+                              </m:r>
+                            </m:sup>
+                          </m:sSup>
+                        </m:e>
+                      </m:nary>
+                    </m:oMath>
+                  </m:oMathPara>
+                </a14:m>
+                <a:endParaRPr kumimoji="1" lang="ja-JP" altLang="en-US" sz="3200" dirty="0"/>
+              </a:p>
+            </p:txBody>
+          </p:sp>
+        </mc:Choice>
+        <mc:Fallback xmlns="">
+          <p:sp>
+            <p:nvSpPr>
+              <p:cNvPr id="4" name="テキスト ボックス 3">
+                <a:extLst>
+                  <a:ext uri="{FF2B5EF4-FFF2-40B4-BE49-F238E27FC236}">
+                    <a16:creationId xmlns:a16="http://schemas.microsoft.com/office/drawing/2014/main" id="{5A55574D-A7F4-B8DF-C8EB-25BD155609C2}"/>
+                  </a:ext>
+                </a:extLst>
+              </p:cNvPr>
+              <p:cNvSpPr txBox="1">
+                <a:spLocks noRot="1" noChangeAspect="1" noMove="1" noResize="1" noEditPoints="1" noAdjustHandles="1" noChangeArrowheads="1" noChangeShapeType="1" noTextEdit="1"/>
+              </p:cNvSpPr>
+              <p:nvPr/>
+            </p:nvSpPr>
+            <p:spPr>
+              <a:xfrm>
+                <a:off x="838340" y="2474053"/>
+                <a:ext cx="3242683" cy="1385187"/>
+              </a:xfrm>
+              <a:prstGeom prst="rect">
+                <a:avLst/>
+              </a:prstGeom>
+              <a:blipFill>
+                <a:blip r:embed="rId4"/>
+                <a:stretch>
+                  <a:fillRect/>
+                </a:stretch>
+              </a:blipFill>
+            </p:spPr>
+            <p:txBody>
+              <a:bodyPr/>
+              <a:lstStyle/>
+              <a:p>
+                <a:r>
+                  <a:rPr lang="ja-JP" altLang="en-US">
+                    <a:noFill/>
+                  </a:rPr>
+                  <a:t> </a:t>
+                </a:r>
+              </a:p>
+            </p:txBody>
+          </p:sp>
+        </mc:Fallback>
+      </mc:AlternateContent>
+      <p:sp>
+        <p:nvSpPr>
+          <p:cNvPr id="6" name="矢印: 右 5">
+            <a:extLst>
+              <a:ext uri="{FF2B5EF4-FFF2-40B4-BE49-F238E27FC236}">
+                <a16:creationId xmlns:a16="http://schemas.microsoft.com/office/drawing/2014/main" id="{539A7E97-659B-082E-B949-CE3590222254}"/>
+              </a:ext>
+            </a:extLst>
+          </p:cNvPr>
+          <p:cNvSpPr/>
+          <p:nvPr/>
+        </p:nvSpPr>
+        <p:spPr>
+          <a:xfrm>
+            <a:off x="4968613" y="2936992"/>
+            <a:ext cx="2188564" cy="659567"/>
+          </a:xfrm>
+          <a:prstGeom prst="rightArrow">
+            <a:avLst/>
+          </a:prstGeom>
+        </p:spPr>
+        <p:style>
+          <a:lnRef idx="2">
+            <a:schemeClr val="accent1">
+              <a:shade val="15000"/>
+            </a:schemeClr>
+          </a:lnRef>
+          <a:fillRef idx="1">
+            <a:schemeClr val="accent1"/>
+          </a:fillRef>
+          <a:effectRef idx="0">
+            <a:schemeClr val="accent1"/>
+          </a:effectRef>
+          <a:fontRef idx="minor">
+            <a:schemeClr val="lt1"/>
+          </a:fontRef>
+        </p:style>
+        <p:txBody>
+          <a:bodyPr rtlCol="0" anchor="ctr"/>
+          <a:lstStyle/>
+          <a:p>
+            <a:pPr algn="ctr"/>
+            <a:endParaRPr kumimoji="1" lang="ja-JP" altLang="en-US"/>
+          </a:p>
+        </p:txBody>
+      </p:sp>
+      <mc:AlternateContent xmlns:mc="http://schemas.openxmlformats.org/markup-compatibility/2006" xmlns:a14="http://schemas.microsoft.com/office/drawing/2010/main">
+        <mc:Choice Requires="a14">
+          <p:sp>
+            <p:nvSpPr>
+              <p:cNvPr id="7" name="テキスト ボックス 6">
+                <a:extLst>
+                  <a:ext uri="{FF2B5EF4-FFF2-40B4-BE49-F238E27FC236}">
+                    <a16:creationId xmlns:a16="http://schemas.microsoft.com/office/drawing/2014/main" id="{995538D2-4246-7C36-B9F0-309DBB02FBB8}"/>
+                  </a:ext>
+                </a:extLst>
+              </p:cNvPr>
+              <p:cNvSpPr txBox="1"/>
+              <p:nvPr/>
+            </p:nvSpPr>
+            <p:spPr>
+              <a:xfrm>
+                <a:off x="264624" y="3979162"/>
+                <a:ext cx="4482060" cy="3170099"/>
+              </a:xfrm>
+              <a:prstGeom prst="rect">
+                <a:avLst/>
+              </a:prstGeom>
+              <a:noFill/>
+              <a:ln>
+                <a:solidFill>
+                  <a:schemeClr val="tx1"/>
+                </a:solidFill>
+              </a:ln>
+            </p:spPr>
+            <p:txBody>
+              <a:bodyPr wrap="square" rtlCol="0">
+                <a:spAutoFit/>
+              </a:bodyPr>
+              <a:lstStyle/>
+              <a:p>
+                <a:pPr/>
+                <a14:m>
+                  <m:oMathPara xmlns:m="http://schemas.openxmlformats.org/officeDocument/2006/math">
+                    <m:oMathParaPr>
+                      <m:jc m:val="centerGroup"/>
+                    </m:oMathParaPr>
+                    <m:oMath xmlns:m="http://schemas.openxmlformats.org/officeDocument/2006/math">
+                      <m:r>
+                        <a:rPr kumimoji="1" lang="en-US" altLang="ja-JP" sz="2800" b="0" i="1" smtClean="0">
+                          <a:latin typeface="Cambria Math" panose="02040503050406030204" pitchFamily="18" charset="0"/>
+                        </a:rPr>
+                        <m:t>𝑐𝑜𝑠</m:t>
+                      </m:r>
+                      <m:r>
+                        <a:rPr kumimoji="1" lang="en-US" altLang="ja-JP" sz="2800" b="0" i="1" smtClean="0">
+                          <a:latin typeface="Cambria Math" panose="02040503050406030204" pitchFamily="18" charset="0"/>
+                        </a:rPr>
+                        <m:t>2</m:t>
+                      </m:r>
+                      <m:r>
+                        <a:rPr kumimoji="1" lang="en-US" altLang="ja-JP" sz="2800" b="0" i="1" smtClean="0">
+                          <a:latin typeface="Cambria Math" panose="02040503050406030204" pitchFamily="18" charset="0"/>
+                        </a:rPr>
+                        <m:t>𝜃</m:t>
+                      </m:r>
+                      <m:r>
+                        <a:rPr kumimoji="1" lang="en-US" altLang="ja-JP" sz="2800" b="0" i="1" smtClean="0">
+                          <a:latin typeface="Cambria Math" panose="02040503050406030204" pitchFamily="18" charset="0"/>
+                        </a:rPr>
+                        <m:t>=2</m:t>
+                      </m:r>
+                      <m:func>
+                        <m:funcPr>
+                          <m:ctrlPr>
+                            <a:rPr kumimoji="1" lang="en-US" altLang="ja-JP" sz="2800" b="0" i="1" smtClean="0">
+                              <a:latin typeface="Cambria Math" panose="02040503050406030204" pitchFamily="18" charset="0"/>
+                            </a:rPr>
+                          </m:ctrlPr>
+                        </m:funcPr>
+                        <m:fName>
+                          <m:sSup>
+                            <m:sSupPr>
+                              <m:ctrlPr>
+                                <a:rPr kumimoji="1" lang="en-US" altLang="ja-JP" sz="2800" b="0" i="1" smtClean="0">
+                                  <a:latin typeface="Cambria Math" panose="02040503050406030204" pitchFamily="18" charset="0"/>
+                                </a:rPr>
+                              </m:ctrlPr>
+                            </m:sSupPr>
+                            <m:e>
+                              <m:r>
+                                <m:rPr>
+                                  <m:sty m:val="p"/>
+                                </m:rPr>
+                                <a:rPr kumimoji="1" lang="en-US" altLang="ja-JP" sz="2800" b="0" i="0" smtClean="0">
+                                  <a:latin typeface="Cambria Math" panose="02040503050406030204" pitchFamily="18" charset="0"/>
+                                </a:rPr>
+                                <m:t>cos</m:t>
+                              </m:r>
+                            </m:e>
+                            <m:sup>
+                              <m:r>
+                                <a:rPr kumimoji="1" lang="en-US" altLang="ja-JP" sz="2800" b="0" i="1" smtClean="0">
+                                  <a:latin typeface="Cambria Math" panose="02040503050406030204" pitchFamily="18" charset="0"/>
+                                </a:rPr>
+                                <m:t>2</m:t>
+                              </m:r>
+                            </m:sup>
+                          </m:sSup>
+                        </m:fName>
+                        <m:e>
+                          <m:r>
+                            <a:rPr kumimoji="1" lang="en-US" altLang="ja-JP" sz="2800" b="0" i="1" smtClean="0">
+                              <a:latin typeface="Cambria Math" panose="02040503050406030204" pitchFamily="18" charset="0"/>
+                            </a:rPr>
+                            <m:t>𝜃</m:t>
+                          </m:r>
+                          <m:r>
+                            <a:rPr kumimoji="1" lang="en-US" altLang="ja-JP" sz="2800" b="0" i="1" smtClean="0">
+                              <a:latin typeface="Cambria Math" panose="02040503050406030204" pitchFamily="18" charset="0"/>
+                            </a:rPr>
+                            <m:t>−1 </m:t>
+                          </m:r>
+                        </m:e>
+                      </m:func>
+                    </m:oMath>
+                  </m:oMathPara>
+                </a14:m>
+                <a:endParaRPr kumimoji="1" lang="en-US" altLang="ja-JP" sz="2800" b="0" dirty="0"/>
+              </a:p>
+              <a:p>
+                <a:pPr/>
+                <a14:m>
+                  <m:oMathPara xmlns:m="http://schemas.openxmlformats.org/officeDocument/2006/math">
+                    <m:oMathParaPr>
+                      <m:jc m:val="centerGroup"/>
+                    </m:oMathParaPr>
+                    <m:oMath xmlns:m="http://schemas.openxmlformats.org/officeDocument/2006/math">
+                      <m:sSub>
+                        <m:sSubPr>
+                          <m:ctrlPr>
+                            <a:rPr lang="en-US" altLang="ja-JP" sz="2800" i="1">
+                              <a:latin typeface="Cambria Math" panose="02040503050406030204" pitchFamily="18" charset="0"/>
+                            </a:rPr>
+                          </m:ctrlPr>
+                        </m:sSubPr>
+                        <m:e>
+                          <m:r>
+                            <a:rPr lang="en-US" altLang="ja-JP" sz="2800" i="1">
+                              <a:latin typeface="Cambria Math" panose="02040503050406030204" pitchFamily="18" charset="0"/>
+                            </a:rPr>
+                            <m:t>𝑇</m:t>
+                          </m:r>
+                        </m:e>
+                        <m:sub>
+                          <m:r>
+                            <a:rPr lang="en-US" altLang="ja-JP" sz="2800" i="1">
+                              <a:latin typeface="Cambria Math" panose="02040503050406030204" pitchFamily="18" charset="0"/>
+                            </a:rPr>
+                            <m:t>2</m:t>
+                          </m:r>
+                        </m:sub>
+                      </m:sSub>
+                      <m:d>
+                        <m:dPr>
+                          <m:ctrlPr>
+                            <a:rPr lang="en-US" altLang="ja-JP" sz="2800" i="1">
+                              <a:latin typeface="Cambria Math" panose="02040503050406030204" pitchFamily="18" charset="0"/>
+                            </a:rPr>
+                          </m:ctrlPr>
+                        </m:dPr>
+                        <m:e>
+                          <m:r>
+                            <a:rPr lang="en-US" altLang="ja-JP" sz="2800" i="1">
+                              <a:latin typeface="Cambria Math" panose="02040503050406030204" pitchFamily="18" charset="0"/>
+                            </a:rPr>
+                            <m:t>𝑥</m:t>
+                          </m:r>
+                        </m:e>
+                      </m:d>
+                      <m:r>
+                        <a:rPr lang="en-US" altLang="ja-JP" sz="2800" i="1">
+                          <a:latin typeface="Cambria Math" panose="02040503050406030204" pitchFamily="18" charset="0"/>
+                        </a:rPr>
+                        <m:t>=2</m:t>
+                      </m:r>
+                      <m:sSup>
+                        <m:sSupPr>
+                          <m:ctrlPr>
+                            <a:rPr lang="en-US" altLang="ja-JP" sz="2800" i="1">
+                              <a:latin typeface="Cambria Math" panose="02040503050406030204" pitchFamily="18" charset="0"/>
+                            </a:rPr>
+                          </m:ctrlPr>
+                        </m:sSupPr>
+                        <m:e>
+                          <m:r>
+                            <a:rPr lang="en-US" altLang="ja-JP" sz="2800" i="1">
+                              <a:latin typeface="Cambria Math" panose="02040503050406030204" pitchFamily="18" charset="0"/>
+                            </a:rPr>
+                            <m:t>𝑥</m:t>
+                          </m:r>
+                        </m:e>
+                        <m:sup>
+                          <m:r>
+                            <a:rPr lang="en-US" altLang="ja-JP" sz="2800" i="1">
+                              <a:latin typeface="Cambria Math" panose="02040503050406030204" pitchFamily="18" charset="0"/>
+                            </a:rPr>
+                            <m:t>2</m:t>
+                          </m:r>
+                        </m:sup>
+                      </m:sSup>
+                      <m:r>
+                        <a:rPr lang="en-US" altLang="ja-JP" sz="2800" i="1">
+                          <a:latin typeface="Cambria Math" panose="02040503050406030204" pitchFamily="18" charset="0"/>
+                        </a:rPr>
+                        <m:t>−1</m:t>
+                      </m:r>
+                    </m:oMath>
+                  </m:oMathPara>
+                </a14:m>
+                <a:endParaRPr kumimoji="1" lang="en-US" altLang="ja-JP" sz="2800" b="0" dirty="0"/>
+              </a:p>
+              <a:p>
+                <a:pPr/>
+                <a14:m>
+                  <m:oMathPara xmlns:m="http://schemas.openxmlformats.org/officeDocument/2006/math">
+                    <m:oMathParaPr>
+                      <m:jc m:val="centerGroup"/>
+                    </m:oMathParaPr>
+                    <m:oMath xmlns:m="http://schemas.openxmlformats.org/officeDocument/2006/math">
+                      <m:r>
+                        <a:rPr kumimoji="1" lang="en-US" altLang="ja-JP" sz="2800" b="0" i="1" smtClean="0">
+                          <a:latin typeface="Cambria Math" panose="02040503050406030204" pitchFamily="18" charset="0"/>
+                        </a:rPr>
+                        <m:t>𝑐𝑜𝑠</m:t>
+                      </m:r>
+                      <m:r>
+                        <a:rPr kumimoji="1" lang="en-US" altLang="ja-JP" sz="2800" b="0" i="1" smtClean="0">
+                          <a:latin typeface="Cambria Math" panose="02040503050406030204" pitchFamily="18" charset="0"/>
+                        </a:rPr>
+                        <m:t>3</m:t>
+                      </m:r>
+                      <m:r>
+                        <a:rPr kumimoji="1" lang="en-US" altLang="ja-JP" sz="2800" b="0" i="1" smtClean="0">
+                          <a:latin typeface="Cambria Math" panose="02040503050406030204" pitchFamily="18" charset="0"/>
+                        </a:rPr>
+                        <m:t>𝜃</m:t>
+                      </m:r>
+                      <m:r>
+                        <a:rPr kumimoji="1" lang="en-US" altLang="ja-JP" sz="2800" b="0" i="1" smtClean="0">
+                          <a:latin typeface="Cambria Math" panose="02040503050406030204" pitchFamily="18" charset="0"/>
+                        </a:rPr>
+                        <m:t>=4</m:t>
+                      </m:r>
+                      <m:func>
+                        <m:funcPr>
+                          <m:ctrlPr>
+                            <a:rPr kumimoji="1" lang="en-US" altLang="ja-JP" sz="2800" b="0" i="1" smtClean="0">
+                              <a:latin typeface="Cambria Math" panose="02040503050406030204" pitchFamily="18" charset="0"/>
+                            </a:rPr>
+                          </m:ctrlPr>
+                        </m:funcPr>
+                        <m:fName>
+                          <m:sSup>
+                            <m:sSupPr>
+                              <m:ctrlPr>
+                                <a:rPr kumimoji="1" lang="en-US" altLang="ja-JP" sz="2800" b="0" i="1" smtClean="0">
+                                  <a:latin typeface="Cambria Math" panose="02040503050406030204" pitchFamily="18" charset="0"/>
+                                </a:rPr>
+                              </m:ctrlPr>
+                            </m:sSupPr>
+                            <m:e>
+                              <m:r>
+                                <m:rPr>
+                                  <m:sty m:val="p"/>
+                                </m:rPr>
+                                <a:rPr kumimoji="1" lang="en-US" altLang="ja-JP" sz="2800" b="0" i="0" smtClean="0">
+                                  <a:latin typeface="Cambria Math" panose="02040503050406030204" pitchFamily="18" charset="0"/>
+                                </a:rPr>
+                                <m:t>cos</m:t>
+                              </m:r>
+                            </m:e>
+                            <m:sup>
+                              <m:r>
+                                <a:rPr kumimoji="1" lang="en-US" altLang="ja-JP" sz="2800" b="0" i="1" smtClean="0">
+                                  <a:latin typeface="Cambria Math" panose="02040503050406030204" pitchFamily="18" charset="0"/>
+                                </a:rPr>
+                                <m:t>3</m:t>
+                              </m:r>
+                            </m:sup>
+                          </m:sSup>
+                        </m:fName>
+                        <m:e>
+                          <m:r>
+                            <a:rPr kumimoji="1" lang="en-US" altLang="ja-JP" sz="2800" b="0" i="1" smtClean="0">
+                              <a:latin typeface="Cambria Math" panose="02040503050406030204" pitchFamily="18" charset="0"/>
+                            </a:rPr>
+                            <m:t>𝜃</m:t>
+                          </m:r>
+                          <m:r>
+                            <a:rPr kumimoji="1" lang="en-US" altLang="ja-JP" sz="2800" b="0" i="1" smtClean="0">
+                              <a:latin typeface="Cambria Math" panose="02040503050406030204" pitchFamily="18" charset="0"/>
+                            </a:rPr>
+                            <m:t>−3</m:t>
+                          </m:r>
+                          <m:r>
+                            <a:rPr kumimoji="1" lang="en-US" altLang="ja-JP" sz="2800" b="0" i="1" smtClean="0">
+                              <a:latin typeface="Cambria Math" panose="02040503050406030204" pitchFamily="18" charset="0"/>
+                            </a:rPr>
+                            <m:t>𝑐𝑜𝑠</m:t>
+                          </m:r>
+                          <m:r>
+                            <a:rPr kumimoji="1" lang="en-US" altLang="ja-JP" sz="2800" b="0" i="1" smtClean="0">
+                              <a:latin typeface="Cambria Math" panose="02040503050406030204" pitchFamily="18" charset="0"/>
+                            </a:rPr>
+                            <m:t>𝜃</m:t>
+                          </m:r>
+                          <m:r>
+                            <a:rPr kumimoji="1" lang="en-US" altLang="ja-JP" sz="2800" b="0" i="1" smtClean="0">
+                              <a:latin typeface="Cambria Math" panose="02040503050406030204" pitchFamily="18" charset="0"/>
+                            </a:rPr>
+                            <m:t>    </m:t>
+                          </m:r>
+                        </m:e>
+                      </m:func>
+                    </m:oMath>
+                  </m:oMathPara>
+                </a14:m>
+                <a:endParaRPr kumimoji="1" lang="en-US" altLang="ja-JP" sz="2800" b="0" dirty="0"/>
+              </a:p>
+              <a:p>
+                <a:pPr/>
+                <a14:m>
+                  <m:oMathPara xmlns:m="http://schemas.openxmlformats.org/officeDocument/2006/math">
+                    <m:oMathParaPr>
+                      <m:jc m:val="centerGroup"/>
+                    </m:oMathParaPr>
+                    <m:oMath xmlns:m="http://schemas.openxmlformats.org/officeDocument/2006/math">
+                      <m:sSub>
+                        <m:sSubPr>
+                          <m:ctrlPr>
+                            <a:rPr lang="en-US" altLang="ja-JP" sz="2800" i="1">
+                              <a:latin typeface="Cambria Math" panose="02040503050406030204" pitchFamily="18" charset="0"/>
+                            </a:rPr>
+                          </m:ctrlPr>
+                        </m:sSubPr>
+                        <m:e>
+                          <m:r>
+                            <a:rPr lang="en-US" altLang="ja-JP" sz="2800" i="1">
+                              <a:latin typeface="Cambria Math" panose="02040503050406030204" pitchFamily="18" charset="0"/>
+                            </a:rPr>
+                            <m:t>𝑇</m:t>
+                          </m:r>
+                        </m:e>
+                        <m:sub>
+                          <m:r>
+                            <a:rPr lang="en-US" altLang="ja-JP" sz="2800" i="1">
+                              <a:latin typeface="Cambria Math" panose="02040503050406030204" pitchFamily="18" charset="0"/>
+                            </a:rPr>
+                            <m:t>3</m:t>
+                          </m:r>
+                        </m:sub>
+                      </m:sSub>
+                      <m:d>
+                        <m:dPr>
+                          <m:ctrlPr>
+                            <a:rPr lang="en-US" altLang="ja-JP" sz="2800" i="1">
+                              <a:latin typeface="Cambria Math" panose="02040503050406030204" pitchFamily="18" charset="0"/>
+                            </a:rPr>
+                          </m:ctrlPr>
+                        </m:dPr>
+                        <m:e>
+                          <m:r>
+                            <a:rPr lang="en-US" altLang="ja-JP" sz="2800" i="1">
+                              <a:latin typeface="Cambria Math" panose="02040503050406030204" pitchFamily="18" charset="0"/>
+                            </a:rPr>
+                            <m:t>𝑥</m:t>
+                          </m:r>
+                        </m:e>
+                      </m:d>
+                      <m:r>
+                        <a:rPr lang="en-US" altLang="ja-JP" sz="2800" i="1">
+                          <a:latin typeface="Cambria Math" panose="02040503050406030204" pitchFamily="18" charset="0"/>
+                        </a:rPr>
+                        <m:t>=4</m:t>
+                      </m:r>
+                      <m:sSup>
+                        <m:sSupPr>
+                          <m:ctrlPr>
+                            <a:rPr lang="en-US" altLang="ja-JP" sz="2800" i="1">
+                              <a:latin typeface="Cambria Math" panose="02040503050406030204" pitchFamily="18" charset="0"/>
+                            </a:rPr>
+                          </m:ctrlPr>
+                        </m:sSupPr>
+                        <m:e>
+                          <m:r>
+                            <a:rPr lang="en-US" altLang="ja-JP" sz="2800" i="1">
+                              <a:latin typeface="Cambria Math" panose="02040503050406030204" pitchFamily="18" charset="0"/>
+                            </a:rPr>
+                            <m:t>𝑥</m:t>
+                          </m:r>
+                        </m:e>
+                        <m:sup>
+                          <m:r>
+                            <a:rPr lang="en-US" altLang="ja-JP" sz="2800" i="1">
+                              <a:latin typeface="Cambria Math" panose="02040503050406030204" pitchFamily="18" charset="0"/>
+                            </a:rPr>
+                            <m:t>3</m:t>
+                          </m:r>
+                        </m:sup>
+                      </m:sSup>
+                      <m:r>
+                        <a:rPr lang="en-US" altLang="ja-JP" sz="2800" i="1">
+                          <a:latin typeface="Cambria Math" panose="02040503050406030204" pitchFamily="18" charset="0"/>
+                        </a:rPr>
+                        <m:t>−3</m:t>
+                      </m:r>
+                      <m:r>
+                        <a:rPr lang="en-US" altLang="ja-JP" sz="2800" i="1">
+                          <a:latin typeface="Cambria Math" panose="02040503050406030204" pitchFamily="18" charset="0"/>
+                        </a:rPr>
+                        <m:t>𝑥</m:t>
+                      </m:r>
+                    </m:oMath>
+                  </m:oMathPara>
+                </a14:m>
+                <a:endParaRPr kumimoji="1" lang="en-US" altLang="ja-JP" sz="2800" b="0" dirty="0"/>
+              </a:p>
+              <a:p>
+                <a:pPr/>
+                <a14:m>
+                  <m:oMathPara xmlns:m="http://schemas.openxmlformats.org/officeDocument/2006/math">
+                    <m:oMathParaPr>
+                      <m:jc m:val="centerGroup"/>
+                    </m:oMathParaPr>
+                    <m:oMath xmlns:m="http://schemas.openxmlformats.org/officeDocument/2006/math">
+                      <m:sSub>
+                        <m:sSubPr>
+                          <m:ctrlPr>
+                            <a:rPr kumimoji="1" lang="en-US" altLang="ja-JP" sz="2800" b="0" i="1" smtClean="0">
+                              <a:latin typeface="Cambria Math" panose="02040503050406030204" pitchFamily="18" charset="0"/>
+                            </a:rPr>
+                          </m:ctrlPr>
+                        </m:sSubPr>
+                        <m:e>
+                          <m:r>
+                            <a:rPr kumimoji="1" lang="en-US" altLang="ja-JP" sz="2800" b="0" i="1" smtClean="0">
+                              <a:latin typeface="Cambria Math" panose="02040503050406030204" pitchFamily="18" charset="0"/>
+                            </a:rPr>
+                            <m:t>𝑇</m:t>
+                          </m:r>
+                        </m:e>
+                        <m:sub>
+                          <m:r>
+                            <a:rPr kumimoji="1" lang="en-US" altLang="ja-JP" sz="2800" b="0" i="1" smtClean="0">
+                              <a:latin typeface="Cambria Math" panose="02040503050406030204" pitchFamily="18" charset="0"/>
+                            </a:rPr>
+                            <m:t>0</m:t>
+                          </m:r>
+                        </m:sub>
+                      </m:sSub>
+                      <m:r>
+                        <a:rPr kumimoji="1" lang="en-US" altLang="ja-JP" sz="2800" b="0" i="1" smtClean="0">
+                          <a:latin typeface="Cambria Math" panose="02040503050406030204" pitchFamily="18" charset="0"/>
+                        </a:rPr>
+                        <m:t>=1,</m:t>
+                      </m:r>
+                      <m:sSub>
+                        <m:sSubPr>
+                          <m:ctrlPr>
+                            <a:rPr kumimoji="1" lang="en-US" altLang="ja-JP" sz="2800" b="0" i="1" smtClean="0">
+                              <a:latin typeface="Cambria Math" panose="02040503050406030204" pitchFamily="18" charset="0"/>
+                            </a:rPr>
+                          </m:ctrlPr>
+                        </m:sSubPr>
+                        <m:e>
+                          <m:r>
+                            <a:rPr kumimoji="1" lang="en-US" altLang="ja-JP" sz="2800" b="0" i="1" smtClean="0">
+                              <a:latin typeface="Cambria Math" panose="02040503050406030204" pitchFamily="18" charset="0"/>
+                            </a:rPr>
+                            <m:t>𝑇</m:t>
+                          </m:r>
+                        </m:e>
+                        <m:sub>
+                          <m:r>
+                            <a:rPr kumimoji="1" lang="en-US" altLang="ja-JP" sz="2800" b="0" i="1" smtClean="0">
+                              <a:latin typeface="Cambria Math" panose="02040503050406030204" pitchFamily="18" charset="0"/>
+                            </a:rPr>
+                            <m:t>1</m:t>
+                          </m:r>
+                        </m:sub>
+                      </m:sSub>
+                      <m:r>
+                        <a:rPr kumimoji="1" lang="en-US" altLang="ja-JP" sz="2800" b="0" i="1" smtClean="0">
+                          <a:latin typeface="Cambria Math" panose="02040503050406030204" pitchFamily="18" charset="0"/>
+                        </a:rPr>
+                        <m:t>=</m:t>
+                      </m:r>
+                      <m:r>
+                        <a:rPr kumimoji="1" lang="en-US" altLang="ja-JP" sz="2800" b="0" i="1" smtClean="0">
+                          <a:latin typeface="Cambria Math" panose="02040503050406030204" pitchFamily="18" charset="0"/>
+                        </a:rPr>
+                        <m:t>𝑥</m:t>
+                      </m:r>
+                    </m:oMath>
+                  </m:oMathPara>
+                </a14:m>
+                <a:endParaRPr kumimoji="1" lang="en-US" altLang="ja-JP" sz="2800" b="0" dirty="0"/>
+              </a:p>
+              <a:p>
+                <a:pPr/>
+                <a14:m>
+                  <m:oMathPara xmlns:m="http://schemas.openxmlformats.org/officeDocument/2006/math">
+                    <m:oMathParaPr>
+                      <m:jc m:val="centerGroup"/>
+                    </m:oMathParaPr>
+                    <m:oMath xmlns:m="http://schemas.openxmlformats.org/officeDocument/2006/math">
+                      <m:sSub>
+                        <m:sSubPr>
+                          <m:ctrlPr>
+                            <a:rPr kumimoji="1" lang="en-US" altLang="ja-JP" sz="2800" b="0" i="1" smtClean="0">
+                              <a:latin typeface="Cambria Math" panose="02040503050406030204" pitchFamily="18" charset="0"/>
+                            </a:rPr>
+                          </m:ctrlPr>
+                        </m:sSubPr>
+                        <m:e>
+                          <m:r>
+                            <a:rPr kumimoji="1" lang="en-US" altLang="ja-JP" sz="2800" b="0" i="1" smtClean="0">
+                              <a:latin typeface="Cambria Math" panose="02040503050406030204" pitchFamily="18" charset="0"/>
+                            </a:rPr>
+                            <m:t>𝑇</m:t>
+                          </m:r>
+                        </m:e>
+                        <m:sub>
+                          <m:r>
+                            <a:rPr kumimoji="1" lang="en-US" altLang="ja-JP" sz="2800" b="0" i="1" smtClean="0">
+                              <a:latin typeface="Cambria Math" panose="02040503050406030204" pitchFamily="18" charset="0"/>
+                            </a:rPr>
+                            <m:t>𝑘</m:t>
+                          </m:r>
+                          <m:r>
+                            <a:rPr kumimoji="1" lang="en-US" altLang="ja-JP" sz="2800" b="0" i="1" smtClean="0">
+                              <a:latin typeface="Cambria Math" panose="02040503050406030204" pitchFamily="18" charset="0"/>
+                            </a:rPr>
+                            <m:t>+2</m:t>
+                          </m:r>
+                        </m:sub>
+                      </m:sSub>
+                      <m:r>
+                        <a:rPr kumimoji="1" lang="en-US" altLang="ja-JP" sz="2800" b="0" i="1" smtClean="0">
+                          <a:latin typeface="Cambria Math" panose="02040503050406030204" pitchFamily="18" charset="0"/>
+                        </a:rPr>
+                        <m:t>=2</m:t>
+                      </m:r>
+                      <m:r>
+                        <a:rPr kumimoji="1" lang="en-US" altLang="ja-JP" sz="2800" b="0" i="1" smtClean="0">
+                          <a:latin typeface="Cambria Math" panose="02040503050406030204" pitchFamily="18" charset="0"/>
+                        </a:rPr>
+                        <m:t>𝑥</m:t>
+                      </m:r>
+                      <m:sSub>
+                        <m:sSubPr>
+                          <m:ctrlPr>
+                            <a:rPr kumimoji="1" lang="en-US" altLang="ja-JP" sz="2800" b="0" i="1" smtClean="0">
+                              <a:latin typeface="Cambria Math" panose="02040503050406030204" pitchFamily="18" charset="0"/>
+                            </a:rPr>
+                          </m:ctrlPr>
+                        </m:sSubPr>
+                        <m:e>
+                          <m:r>
+                            <a:rPr kumimoji="1" lang="en-US" altLang="ja-JP" sz="2800" b="0" i="1" smtClean="0">
+                              <a:latin typeface="Cambria Math" panose="02040503050406030204" pitchFamily="18" charset="0"/>
+                            </a:rPr>
+                            <m:t>𝑇</m:t>
+                          </m:r>
+                        </m:e>
+                        <m:sub>
+                          <m:r>
+                            <a:rPr kumimoji="1" lang="en-US" altLang="ja-JP" sz="2800" b="0" i="1" smtClean="0">
+                              <a:latin typeface="Cambria Math" panose="02040503050406030204" pitchFamily="18" charset="0"/>
+                            </a:rPr>
+                            <m:t>𝑘</m:t>
+                          </m:r>
+                          <m:r>
+                            <a:rPr kumimoji="1" lang="en-US" altLang="ja-JP" sz="2800" b="0" i="1" smtClean="0">
+                              <a:latin typeface="Cambria Math" panose="02040503050406030204" pitchFamily="18" charset="0"/>
+                            </a:rPr>
+                            <m:t>+1</m:t>
+                          </m:r>
+                        </m:sub>
+                      </m:sSub>
+                      <m:d>
+                        <m:dPr>
+                          <m:ctrlPr>
+                            <a:rPr kumimoji="1" lang="en-US" altLang="ja-JP" sz="2800" b="0" i="1" smtClean="0">
+                              <a:latin typeface="Cambria Math" panose="02040503050406030204" pitchFamily="18" charset="0"/>
+                            </a:rPr>
+                          </m:ctrlPr>
+                        </m:dPr>
+                        <m:e>
+                          <m:r>
+                            <a:rPr kumimoji="1" lang="en-US" altLang="ja-JP" sz="2800" b="0" i="1" smtClean="0">
+                              <a:latin typeface="Cambria Math" panose="02040503050406030204" pitchFamily="18" charset="0"/>
+                            </a:rPr>
+                            <m:t>𝑥</m:t>
+                          </m:r>
+                        </m:e>
+                      </m:d>
+                      <m:r>
+                        <a:rPr kumimoji="1" lang="en-US" altLang="ja-JP" sz="2800" b="0" i="1" smtClean="0">
+                          <a:latin typeface="Cambria Math" panose="02040503050406030204" pitchFamily="18" charset="0"/>
+                        </a:rPr>
+                        <m:t>−</m:t>
+                      </m:r>
+                      <m:sSub>
+                        <m:sSubPr>
+                          <m:ctrlPr>
+                            <a:rPr kumimoji="1" lang="en-US" altLang="ja-JP" sz="2800" b="0" i="1" smtClean="0">
+                              <a:latin typeface="Cambria Math" panose="02040503050406030204" pitchFamily="18" charset="0"/>
+                            </a:rPr>
+                          </m:ctrlPr>
+                        </m:sSubPr>
+                        <m:e>
+                          <m:r>
+                            <a:rPr kumimoji="1" lang="en-US" altLang="ja-JP" sz="2800" b="0" i="1" smtClean="0">
+                              <a:latin typeface="Cambria Math" panose="02040503050406030204" pitchFamily="18" charset="0"/>
+                            </a:rPr>
+                            <m:t>𝑇</m:t>
+                          </m:r>
+                        </m:e>
+                        <m:sub>
+                          <m:r>
+                            <a:rPr kumimoji="1" lang="en-US" altLang="ja-JP" sz="2800" b="0" i="1" smtClean="0">
+                              <a:latin typeface="Cambria Math" panose="02040503050406030204" pitchFamily="18" charset="0"/>
+                            </a:rPr>
+                            <m:t>𝑘</m:t>
+                          </m:r>
+                        </m:sub>
+                      </m:sSub>
+                      <m:r>
+                        <a:rPr kumimoji="1" lang="en-US" altLang="ja-JP" sz="2800" b="0" i="1" smtClean="0">
+                          <a:latin typeface="Cambria Math" panose="02040503050406030204" pitchFamily="18" charset="0"/>
+                        </a:rPr>
+                        <m:t>(</m:t>
+                      </m:r>
+                      <m:r>
+                        <a:rPr kumimoji="1" lang="en-US" altLang="ja-JP" sz="2800" b="0" i="1" smtClean="0">
+                          <a:latin typeface="Cambria Math" panose="02040503050406030204" pitchFamily="18" charset="0"/>
+                        </a:rPr>
+                        <m:t>𝑥</m:t>
+                      </m:r>
+                      <m:r>
+                        <a:rPr kumimoji="1" lang="en-US" altLang="ja-JP" sz="2800" b="0" i="1" smtClean="0">
+                          <a:latin typeface="Cambria Math" panose="02040503050406030204" pitchFamily="18" charset="0"/>
+                        </a:rPr>
+                        <m:t>)</m:t>
+                      </m:r>
+                    </m:oMath>
+                  </m:oMathPara>
+                </a14:m>
+                <a:endParaRPr kumimoji="1" lang="en-US" altLang="ja-JP" sz="2800" b="0" dirty="0"/>
+              </a:p>
+              <a:p>
+                <a:endParaRPr kumimoji="1" lang="en-US" altLang="ja-JP" sz="1600" dirty="0"/>
+              </a:p>
+              <a:p>
+                <a:endParaRPr kumimoji="1" lang="ja-JP" altLang="en-US" sz="1600" dirty="0"/>
+              </a:p>
+            </p:txBody>
+          </p:sp>
+        </mc:Choice>
+        <mc:Fallback xmlns="">
+          <p:sp>
+            <p:nvSpPr>
+              <p:cNvPr id="7" name="テキスト ボックス 6">
+                <a:extLst>
+                  <a:ext uri="{FF2B5EF4-FFF2-40B4-BE49-F238E27FC236}">
+                    <a16:creationId xmlns:a16="http://schemas.microsoft.com/office/drawing/2014/main" id="{995538D2-4246-7C36-B9F0-309DBB02FBB8}"/>
+                  </a:ext>
+                </a:extLst>
+              </p:cNvPr>
+              <p:cNvSpPr txBox="1">
+                <a:spLocks noRot="1" noChangeAspect="1" noMove="1" noResize="1" noEditPoints="1" noAdjustHandles="1" noChangeArrowheads="1" noChangeShapeType="1" noTextEdit="1"/>
+              </p:cNvSpPr>
+              <p:nvPr/>
+            </p:nvSpPr>
+            <p:spPr>
+              <a:xfrm>
+                <a:off x="264624" y="3979162"/>
+                <a:ext cx="4482060" cy="3170099"/>
+              </a:xfrm>
+              <a:prstGeom prst="rect">
+                <a:avLst/>
+              </a:prstGeom>
+              <a:blipFill>
+                <a:blip r:embed="rId5"/>
+                <a:stretch>
+                  <a:fillRect/>
+                </a:stretch>
+              </a:blipFill>
+              <a:ln>
+                <a:solidFill>
+                  <a:schemeClr val="tx1"/>
+                </a:solidFill>
+              </a:ln>
+            </p:spPr>
+            <p:txBody>
+              <a:bodyPr/>
+              <a:lstStyle/>
+              <a:p>
+                <a:r>
+                  <a:rPr lang="ja-JP" altLang="en-US">
+                    <a:noFill/>
+                  </a:rPr>
+                  <a:t> </a:t>
+                </a:r>
+              </a:p>
+            </p:txBody>
+          </p:sp>
+        </mc:Fallback>
+      </mc:AlternateContent>
+      <mc:AlternateContent xmlns:mc="http://schemas.openxmlformats.org/markup-compatibility/2006">
+        <mc:Choice xmlns:a14="http://schemas.microsoft.com/office/drawing/2010/main" Requires="a14">
+          <p:sp>
+            <p:nvSpPr>
+              <p:cNvPr id="8" name="テキスト ボックス 7">
+                <a:extLst>
+                  <a:ext uri="{FF2B5EF4-FFF2-40B4-BE49-F238E27FC236}">
+                    <a16:creationId xmlns:a16="http://schemas.microsoft.com/office/drawing/2014/main" id="{82743C78-CCC5-AF67-7FA3-FB19FC4CE315}"/>
+                  </a:ext>
+                </a:extLst>
+              </p:cNvPr>
+              <p:cNvSpPr txBox="1"/>
+              <p:nvPr/>
+            </p:nvSpPr>
+            <p:spPr>
+              <a:xfrm>
+                <a:off x="4794575" y="3656663"/>
+                <a:ext cx="3442096" cy="1134349"/>
+              </a:xfrm>
+              <a:prstGeom prst="rect">
+                <a:avLst/>
+              </a:prstGeom>
+              <a:noFill/>
+            </p:spPr>
+            <p:txBody>
+              <a:bodyPr wrap="none" lIns="0" tIns="0" rIns="0" bIns="0" rtlCol="0">
+                <a:spAutoFit/>
+              </a:bodyPr>
+              <a:lstStyle/>
+              <a:p>
+                <a:pPr/>
+                <a14:m>
+                  <m:oMathPara xmlns:m="http://schemas.openxmlformats.org/officeDocument/2006/math">
+                    <m:oMathParaPr>
+                      <m:jc m:val="centerGroup"/>
+                    </m:oMathParaPr>
+                    <m:oMath xmlns:m="http://schemas.openxmlformats.org/officeDocument/2006/math">
+                      <m:acc>
+                        <m:accPr>
+                          <m:chr m:val="̌"/>
+                          <m:ctrlPr>
+                            <a:rPr kumimoji="1" lang="ja-JP" altLang="en-US" sz="3600" i="1" smtClean="0">
+                              <a:latin typeface="Cambria Math" panose="02040503050406030204" pitchFamily="18" charset="0"/>
+                            </a:rPr>
+                          </m:ctrlPr>
+                        </m:accPr>
+                        <m:e>
+                          <m:r>
+                            <m:rPr>
+                              <m:sty m:val="p"/>
+                            </m:rPr>
+                            <a:rPr kumimoji="1" lang="el-GR" altLang="ja-JP" sz="3600" i="1" smtClean="0">
+                              <a:latin typeface="Cambria Math" panose="02040503050406030204" pitchFamily="18" charset="0"/>
+                              <a:ea typeface="Cambria Math" panose="02040503050406030204" pitchFamily="18" charset="0"/>
+                            </a:rPr>
+                            <m:t>Λ</m:t>
+                          </m:r>
+                        </m:e>
+                      </m:acc>
+                      <m:r>
+                        <a:rPr kumimoji="1" lang="en-US" altLang="ja-JP" sz="3600" b="0" i="1" smtClean="0">
+                          <a:latin typeface="Cambria Math" panose="02040503050406030204" pitchFamily="18" charset="0"/>
+                        </a:rPr>
+                        <m:t>=</m:t>
+                      </m:r>
+                      <m:f>
+                        <m:fPr>
+                          <m:ctrlPr>
+                            <a:rPr kumimoji="1" lang="en-US" altLang="ja-JP" sz="3600" b="0" i="1" smtClean="0">
+                              <a:latin typeface="Cambria Math" panose="02040503050406030204" pitchFamily="18" charset="0"/>
+                              <a:ea typeface="Cambria Math" panose="02040503050406030204" pitchFamily="18" charset="0"/>
+                            </a:rPr>
+                          </m:ctrlPr>
+                        </m:fPr>
+                        <m:num>
+                          <m:r>
+                            <a:rPr kumimoji="1" lang="en-US" altLang="ja-JP" sz="3600" b="0" i="1" smtClean="0">
+                              <a:latin typeface="Cambria Math" panose="02040503050406030204" pitchFamily="18" charset="0"/>
+                            </a:rPr>
+                            <m:t>2</m:t>
+                          </m:r>
+                        </m:num>
+                        <m:den>
+                          <m:sSub>
+                            <m:sSubPr>
+                              <m:ctrlPr>
+                                <a:rPr kumimoji="1" lang="en-US" altLang="ja-JP" sz="3600" b="0" i="1" smtClean="0">
+                                  <a:latin typeface="Cambria Math" panose="02040503050406030204" pitchFamily="18" charset="0"/>
+                                  <a:ea typeface="Cambria Math" panose="02040503050406030204" pitchFamily="18" charset="0"/>
+                                </a:rPr>
+                              </m:ctrlPr>
+                            </m:sSubPr>
+                            <m:e>
+                              <m:r>
+                                <a:rPr kumimoji="1" lang="en-US" altLang="ja-JP" sz="3600" b="0" i="1" smtClean="0">
+                                  <a:latin typeface="Cambria Math" panose="02040503050406030204" pitchFamily="18" charset="0"/>
+                                  <a:ea typeface="Cambria Math" panose="02040503050406030204" pitchFamily="18" charset="0"/>
+                                </a:rPr>
+                                <m:t>𝜆</m:t>
+                              </m:r>
+                            </m:e>
+                            <m:sub>
+                              <m:func>
+                                <m:funcPr>
+                                  <m:ctrlPr>
+                                    <a:rPr kumimoji="1" lang="en-US" altLang="ja-JP" sz="3600" b="0" i="1" smtClean="0">
+                                      <a:latin typeface="Cambria Math" panose="02040503050406030204" pitchFamily="18" charset="0"/>
+                                      <a:ea typeface="Cambria Math" panose="02040503050406030204" pitchFamily="18" charset="0"/>
+                                    </a:rPr>
+                                  </m:ctrlPr>
+                                </m:funcPr>
+                                <m:fName>
+                                  <m:r>
+                                    <m:rPr>
+                                      <m:sty m:val="p"/>
+                                    </m:rPr>
+                                    <a:rPr kumimoji="1" lang="en-US" altLang="ja-JP" sz="3600" b="0" i="0" smtClean="0">
+                                      <a:latin typeface="Cambria Math" panose="02040503050406030204" pitchFamily="18" charset="0"/>
+                                      <a:ea typeface="Cambria Math" panose="02040503050406030204" pitchFamily="18" charset="0"/>
+                                    </a:rPr>
+                                    <m:t>max</m:t>
+                                  </m:r>
+                                </m:fName>
+                                <m:e/>
+                              </m:func>
+                            </m:sub>
+                          </m:sSub>
+                        </m:den>
+                      </m:f>
+                      <m:r>
+                        <a:rPr kumimoji="1" lang="en-US" altLang="ja-JP" sz="3600" b="0" i="1" smtClean="0">
+                          <a:latin typeface="Cambria Math" panose="02040503050406030204" pitchFamily="18" charset="0"/>
+                          <a:ea typeface="Cambria Math" panose="02040503050406030204" pitchFamily="18" charset="0"/>
+                        </a:rPr>
+                        <m:t>ℒ</m:t>
+                      </m:r>
+                      <m:r>
+                        <a:rPr kumimoji="1" lang="en-US" altLang="ja-JP" sz="3600" b="0" i="1" smtClean="0">
+                          <a:latin typeface="Cambria Math" panose="02040503050406030204" pitchFamily="18" charset="0"/>
+                          <a:ea typeface="Cambria Math" panose="02040503050406030204" pitchFamily="18" charset="0"/>
+                        </a:rPr>
+                        <m:t>−</m:t>
+                      </m:r>
+                      <m:r>
+                        <a:rPr kumimoji="1" lang="en-US" altLang="ja-JP" sz="3600" b="0" i="1" smtClean="0">
+                          <a:latin typeface="Cambria Math" panose="02040503050406030204" pitchFamily="18" charset="0"/>
+                          <a:ea typeface="Cambria Math" panose="02040503050406030204" pitchFamily="18" charset="0"/>
+                        </a:rPr>
+                        <m:t>𝐼</m:t>
+                      </m:r>
+                    </m:oMath>
+                  </m:oMathPara>
+                </a14:m>
+                <a:endParaRPr kumimoji="1" lang="ja-JP" altLang="en-US" dirty="0"/>
+              </a:p>
+            </p:txBody>
+          </p:sp>
+        </mc:Choice>
+        <mc:Fallback>
+          <p:sp>
+            <p:nvSpPr>
+              <p:cNvPr id="8" name="テキスト ボックス 7">
+                <a:extLst>
+                  <a:ext uri="{FF2B5EF4-FFF2-40B4-BE49-F238E27FC236}">
+                    <a16:creationId xmlns:a16="http://schemas.microsoft.com/office/drawing/2014/main" id="{82743C78-CCC5-AF67-7FA3-FB19FC4CE315}"/>
+                  </a:ext>
+                </a:extLst>
+              </p:cNvPr>
+              <p:cNvSpPr txBox="1">
+                <a:spLocks noRot="1" noChangeAspect="1" noMove="1" noResize="1" noEditPoints="1" noAdjustHandles="1" noChangeArrowheads="1" noChangeShapeType="1" noTextEdit="1"/>
+              </p:cNvSpPr>
+              <p:nvPr/>
+            </p:nvSpPr>
+            <p:spPr>
+              <a:xfrm>
+                <a:off x="4794575" y="3656663"/>
+                <a:ext cx="3442096" cy="1134349"/>
+              </a:xfrm>
+              <a:prstGeom prst="rect">
+                <a:avLst/>
+              </a:prstGeom>
+              <a:blipFill>
+                <a:blip r:embed="rId6"/>
+                <a:stretch>
+                  <a:fillRect/>
+                </a:stretch>
+              </a:blipFill>
+            </p:spPr>
+            <p:txBody>
+              <a:bodyPr/>
+              <a:lstStyle/>
+              <a:p>
+                <a:r>
+                  <a:rPr lang="ja-JP" altLang="en-US">
+                    <a:noFill/>
+                  </a:rPr>
+                  <a:t> </a:t>
+                </a:r>
+              </a:p>
+            </p:txBody>
+          </p:sp>
+        </mc:Fallback>
+      </mc:AlternateContent>
+      <p:sp>
+        <p:nvSpPr>
+          <p:cNvPr id="9" name="テキスト ボックス 8">
+            <a:extLst>
+              <a:ext uri="{FF2B5EF4-FFF2-40B4-BE49-F238E27FC236}">
+                <a16:creationId xmlns:a16="http://schemas.microsoft.com/office/drawing/2014/main" id="{8D7F5315-A83E-99AA-CA42-7E603EB8FDAB}"/>
+              </a:ext>
+            </a:extLst>
+          </p:cNvPr>
+          <p:cNvSpPr txBox="1"/>
+          <p:nvPr/>
+        </p:nvSpPr>
+        <p:spPr>
+          <a:xfrm>
+            <a:off x="4746684" y="5082086"/>
+            <a:ext cx="3901190" cy="461665"/>
+          </a:xfrm>
+          <a:prstGeom prst="rect">
+            <a:avLst/>
+          </a:prstGeom>
+          <a:noFill/>
+        </p:spPr>
+        <p:txBody>
+          <a:bodyPr wrap="square" rtlCol="0">
+            <a:spAutoFit/>
+          </a:bodyPr>
+          <a:lstStyle/>
+          <a:p>
+            <a:r>
+              <a:rPr kumimoji="1" lang="en-US" altLang="ja-JP" sz="2400" dirty="0"/>
+              <a:t>λ</a:t>
+            </a:r>
+            <a:r>
+              <a:rPr kumimoji="1" lang="ja-JP" altLang="en-US" sz="2400" dirty="0"/>
+              <a:t>：</a:t>
+            </a:r>
+            <a:r>
+              <a:rPr kumimoji="1" lang="en-US" altLang="ja-JP" sz="2400" dirty="0"/>
+              <a:t>L</a:t>
+            </a:r>
+            <a:r>
+              <a:rPr lang="ja-JP" altLang="en-US" sz="2400" dirty="0"/>
+              <a:t>の最大値の固有値</a:t>
+            </a:r>
+            <a:endParaRPr kumimoji="1" lang="ja-JP" altLang="en-US" sz="2400" dirty="0"/>
+          </a:p>
+        </p:txBody>
+      </p:sp>
+      <mc:AlternateContent xmlns:mc="http://schemas.openxmlformats.org/markup-compatibility/2006" xmlns:a14="http://schemas.microsoft.com/office/drawing/2010/main">
+        <mc:Choice Requires="a14">
+          <p:sp>
+            <p:nvSpPr>
+              <p:cNvPr id="11" name="テキスト ボックス 10">
+                <a:extLst>
+                  <a:ext uri="{FF2B5EF4-FFF2-40B4-BE49-F238E27FC236}">
+                    <a16:creationId xmlns:a16="http://schemas.microsoft.com/office/drawing/2014/main" id="{91F6000A-2981-630B-26D5-FD240ACA7A1A}"/>
+                  </a:ext>
+                </a:extLst>
+              </p:cNvPr>
+              <p:cNvSpPr txBox="1"/>
+              <p:nvPr/>
+            </p:nvSpPr>
+            <p:spPr>
+              <a:xfrm>
+                <a:off x="7643731" y="4513795"/>
+                <a:ext cx="4482060" cy="2204578"/>
+              </a:xfrm>
+              <a:prstGeom prst="rect">
+                <a:avLst/>
+              </a:prstGeom>
+              <a:noFill/>
+              <a:ln w="38100">
+                <a:solidFill>
+                  <a:srgbClr val="FF0000"/>
+                </a:solidFill>
+              </a:ln>
+            </p:spPr>
+            <p:txBody>
+              <a:bodyPr wrap="square">
+                <a:spAutoFit/>
+              </a:bodyPr>
+              <a:lstStyle/>
+              <a:p>
+                <a:pPr marL="0" indent="0" algn="ctr">
+                  <a:buNone/>
+                </a:pPr>
+                <a14:m>
+                  <m:oMathPara xmlns:m="http://schemas.openxmlformats.org/officeDocument/2006/math">
+                    <m:oMathParaPr>
+                      <m:jc m:val="centerGroup"/>
+                    </m:oMathParaPr>
+                    <m:oMath xmlns:m="http://schemas.openxmlformats.org/officeDocument/2006/math">
+                      <m:r>
+                        <a:rPr kumimoji="1" lang="en-US" altLang="ja-JP" sz="3600" b="0" i="1" smtClean="0">
+                          <a:latin typeface="Cambria Math" panose="02040503050406030204" pitchFamily="18" charset="0"/>
+                        </a:rPr>
+                        <m:t>𝑥</m:t>
+                      </m:r>
+                      <m:r>
+                        <a:rPr kumimoji="1" lang="en-US" altLang="ja-JP" sz="3600" b="0" i="1" smtClean="0">
+                          <a:latin typeface="Cambria Math" panose="02040503050406030204" pitchFamily="18" charset="0"/>
+                        </a:rPr>
+                        <m:t>∗</m:t>
+                      </m:r>
+                      <m:r>
+                        <a:rPr kumimoji="1" lang="en-US" altLang="ja-JP" sz="3600" b="0" i="1" smtClean="0">
+                          <a:latin typeface="Cambria Math" panose="02040503050406030204" pitchFamily="18" charset="0"/>
+                        </a:rPr>
+                        <m:t>𝑔</m:t>
+                      </m:r>
+                      <m:r>
+                        <a:rPr kumimoji="1" lang="en-US" altLang="ja-JP" sz="3600" b="0" i="1" smtClean="0">
+                          <a:latin typeface="Cambria Math" panose="02040503050406030204" pitchFamily="18" charset="0"/>
+                        </a:rPr>
+                        <m:t>=</m:t>
+                      </m:r>
+                      <m:r>
+                        <a:rPr kumimoji="1" lang="en-US" altLang="ja-JP" sz="3600" b="0" i="1" smtClean="0">
+                          <a:latin typeface="Cambria Math" panose="02040503050406030204" pitchFamily="18" charset="0"/>
+                        </a:rPr>
+                        <m:t>𝑄</m:t>
+                      </m:r>
+                      <m:sSub>
+                        <m:sSubPr>
+                          <m:ctrlPr>
+                            <a:rPr kumimoji="1" lang="en-US" altLang="ja-JP" sz="3600" b="0" i="1" smtClean="0">
+                              <a:latin typeface="Cambria Math" panose="02040503050406030204" pitchFamily="18" charset="0"/>
+                            </a:rPr>
+                          </m:ctrlPr>
+                        </m:sSubPr>
+                        <m:e>
+                          <m:r>
+                            <a:rPr kumimoji="1" lang="en-US" altLang="ja-JP" sz="3600" b="0" i="1" smtClean="0">
+                              <a:latin typeface="Cambria Math" panose="02040503050406030204" pitchFamily="18" charset="0"/>
+                            </a:rPr>
+                            <m:t>𝑔</m:t>
+                          </m:r>
+                        </m:e>
+                        <m:sub>
+                          <m:r>
+                            <a:rPr kumimoji="1" lang="en-US" altLang="ja-JP" sz="3600" b="0" i="1" smtClean="0">
+                              <a:latin typeface="Cambria Math" panose="02040503050406030204" pitchFamily="18" charset="0"/>
+                            </a:rPr>
+                            <m:t>𝜃</m:t>
+                          </m:r>
+                        </m:sub>
+                      </m:sSub>
+                      <m:sSup>
+                        <m:sSupPr>
+                          <m:ctrlPr>
+                            <a:rPr kumimoji="1" lang="en-US" altLang="ja-JP" sz="3600" b="0" i="1" smtClean="0">
+                              <a:latin typeface="Cambria Math" panose="02040503050406030204" pitchFamily="18" charset="0"/>
+                              <a:ea typeface="Cambria Math" panose="02040503050406030204" pitchFamily="18" charset="0"/>
+                            </a:rPr>
+                          </m:ctrlPr>
+                        </m:sSupPr>
+                        <m:e>
+                          <m:r>
+                            <a:rPr kumimoji="1" lang="en-US" altLang="ja-JP" sz="3600" b="0" i="1" smtClean="0">
+                              <a:latin typeface="Cambria Math" panose="02040503050406030204" pitchFamily="18" charset="0"/>
+                              <a:ea typeface="Cambria Math" panose="02040503050406030204" pitchFamily="18" charset="0"/>
+                            </a:rPr>
+                            <m:t>𝑄</m:t>
+                          </m:r>
+                        </m:e>
+                        <m:sup>
+                          <m:r>
+                            <a:rPr kumimoji="1" lang="en-US" altLang="ja-JP" sz="3600" b="0" i="1" smtClean="0">
+                              <a:latin typeface="Cambria Math" panose="02040503050406030204" pitchFamily="18" charset="0"/>
+                              <a:ea typeface="Cambria Math" panose="02040503050406030204" pitchFamily="18" charset="0"/>
+                            </a:rPr>
+                            <m:t>𝑇</m:t>
+                          </m:r>
+                        </m:sup>
+                      </m:sSup>
+                      <m:r>
+                        <a:rPr kumimoji="1" lang="en-US" altLang="ja-JP" sz="3600" b="0" i="1" smtClean="0">
+                          <a:latin typeface="Cambria Math" panose="02040503050406030204" pitchFamily="18" charset="0"/>
+                          <a:ea typeface="Cambria Math" panose="02040503050406030204" pitchFamily="18" charset="0"/>
+                        </a:rPr>
+                        <m:t>𝑥</m:t>
+                      </m:r>
+                    </m:oMath>
+                    <m:oMath xmlns:m="http://schemas.openxmlformats.org/officeDocument/2006/math">
+                      <m:r>
+                        <a:rPr kumimoji="1" lang="en-US" altLang="ja-JP" sz="3600" b="0" i="0" smtClean="0">
+                          <a:latin typeface="Cambria Math" panose="02040503050406030204" pitchFamily="18" charset="0"/>
+                          <a:ea typeface="Cambria Math" panose="02040503050406030204" pitchFamily="18" charset="0"/>
+                        </a:rPr>
+                        <m:t>           </m:t>
+                      </m:r>
+                      <m:r>
+                        <a:rPr kumimoji="1" lang="en-US" altLang="ja-JP" sz="3600" b="0" i="1" smtClean="0">
+                          <a:latin typeface="Cambria Math" panose="02040503050406030204" pitchFamily="18" charset="0"/>
+                          <a:ea typeface="Cambria Math" panose="02040503050406030204" pitchFamily="18" charset="0"/>
+                        </a:rPr>
+                        <m:t>=</m:t>
+                      </m:r>
+                      <m:nary>
+                        <m:naryPr>
+                          <m:chr m:val="∑"/>
+                          <m:ctrlPr>
+                            <a:rPr kumimoji="1" lang="en-US" altLang="ja-JP" sz="3600" b="0" i="1" smtClean="0">
+                              <a:latin typeface="Cambria Math" panose="02040503050406030204" pitchFamily="18" charset="0"/>
+                              <a:ea typeface="Cambria Math" panose="02040503050406030204" pitchFamily="18" charset="0"/>
+                            </a:rPr>
+                          </m:ctrlPr>
+                        </m:naryPr>
+                        <m:sub>
+                          <m:r>
+                            <m:rPr>
+                              <m:brk m:alnAt="23"/>
+                            </m:rPr>
+                            <a:rPr kumimoji="1" lang="en-US" altLang="ja-JP" sz="3600" b="0" i="1" smtClean="0">
+                              <a:latin typeface="Cambria Math" panose="02040503050406030204" pitchFamily="18" charset="0"/>
+                              <a:ea typeface="Cambria Math" panose="02040503050406030204" pitchFamily="18" charset="0"/>
+                            </a:rPr>
+                            <m:t>𝑘</m:t>
+                          </m:r>
+                          <m:r>
+                            <a:rPr kumimoji="1" lang="en-US" altLang="ja-JP" sz="3600" b="0" i="1" smtClean="0">
+                              <a:latin typeface="Cambria Math" panose="02040503050406030204" pitchFamily="18" charset="0"/>
+                              <a:ea typeface="Cambria Math" panose="02040503050406030204" pitchFamily="18" charset="0"/>
+                            </a:rPr>
+                            <m:t>=0</m:t>
+                          </m:r>
+                        </m:sub>
+                        <m:sup>
+                          <m:r>
+                            <a:rPr kumimoji="1" lang="en-US" altLang="ja-JP" sz="3600" b="0" i="1" smtClean="0">
+                              <a:latin typeface="Cambria Math" panose="02040503050406030204" pitchFamily="18" charset="0"/>
+                              <a:ea typeface="Cambria Math" panose="02040503050406030204" pitchFamily="18" charset="0"/>
+                            </a:rPr>
+                            <m:t>𝐾</m:t>
+                          </m:r>
+                        </m:sup>
+                        <m:e>
+                          <m:sSub>
+                            <m:sSubPr>
+                              <m:ctrlPr>
+                                <a:rPr kumimoji="1" lang="en-US" altLang="ja-JP" sz="3600" b="0" i="1" smtClean="0">
+                                  <a:latin typeface="Cambria Math" panose="02040503050406030204" pitchFamily="18" charset="0"/>
+                                  <a:ea typeface="Cambria Math" panose="02040503050406030204" pitchFamily="18" charset="0"/>
+                                </a:rPr>
+                              </m:ctrlPr>
+                            </m:sSubPr>
+                            <m:e>
+                              <m:r>
+                                <a:rPr kumimoji="1" lang="en-US" altLang="ja-JP" sz="3600" b="0" i="1" smtClean="0">
+                                  <a:latin typeface="Cambria Math" panose="02040503050406030204" pitchFamily="18" charset="0"/>
+                                  <a:ea typeface="Cambria Math" panose="02040503050406030204" pitchFamily="18" charset="0"/>
+                                </a:rPr>
+                                <m:t>𝜃</m:t>
+                              </m:r>
+                            </m:e>
+                            <m:sub>
+                              <m:r>
+                                <a:rPr kumimoji="1" lang="en-US" altLang="ja-JP" sz="3600" b="0" i="1" smtClean="0">
+                                  <a:latin typeface="Cambria Math" panose="02040503050406030204" pitchFamily="18" charset="0"/>
+                                  <a:ea typeface="Cambria Math" panose="02040503050406030204" pitchFamily="18" charset="0"/>
+                                </a:rPr>
+                                <m:t>𝑘</m:t>
+                              </m:r>
+                            </m:sub>
+                          </m:sSub>
+                          <m:sSub>
+                            <m:sSubPr>
+                              <m:ctrlPr>
+                                <a:rPr kumimoji="1" lang="en-US" altLang="ja-JP" sz="3600" b="0" i="1" smtClean="0">
+                                  <a:latin typeface="Cambria Math" panose="02040503050406030204" pitchFamily="18" charset="0"/>
+                                  <a:ea typeface="Cambria Math" panose="02040503050406030204" pitchFamily="18" charset="0"/>
+                                </a:rPr>
+                              </m:ctrlPr>
+                            </m:sSubPr>
+                            <m:e>
+                              <m:r>
+                                <a:rPr kumimoji="1" lang="en-US" altLang="ja-JP" sz="3600" b="0" i="1" smtClean="0">
+                                  <a:latin typeface="Cambria Math" panose="02040503050406030204" pitchFamily="18" charset="0"/>
+                                  <a:ea typeface="Cambria Math" panose="02040503050406030204" pitchFamily="18" charset="0"/>
+                                </a:rPr>
+                                <m:t>𝑇</m:t>
+                              </m:r>
+                            </m:e>
+                            <m:sub>
+                              <m:r>
+                                <a:rPr kumimoji="1" lang="en-US" altLang="ja-JP" sz="3600" b="0" i="1" smtClean="0">
+                                  <a:latin typeface="Cambria Math" panose="02040503050406030204" pitchFamily="18" charset="0"/>
+                                  <a:ea typeface="Cambria Math" panose="02040503050406030204" pitchFamily="18" charset="0"/>
+                                </a:rPr>
+                                <m:t>𝑘</m:t>
+                              </m:r>
+                            </m:sub>
+                          </m:sSub>
+                          <m:r>
+                            <a:rPr kumimoji="1" lang="en-US" altLang="ja-JP" sz="3600" b="0" i="1" smtClean="0">
+                              <a:latin typeface="Cambria Math" panose="02040503050406030204" pitchFamily="18" charset="0"/>
+                              <a:ea typeface="Cambria Math" panose="02040503050406030204" pitchFamily="18" charset="0"/>
+                            </a:rPr>
+                            <m:t>(</m:t>
+                          </m:r>
+                          <m:acc>
+                            <m:accPr>
+                              <m:chr m:val="̌"/>
+                              <m:ctrlPr>
+                                <a:rPr kumimoji="1" lang="en-US" altLang="ja-JP" sz="3600" b="0" i="1" smtClean="0">
+                                  <a:latin typeface="Cambria Math" panose="02040503050406030204" pitchFamily="18" charset="0"/>
+                                  <a:ea typeface="Cambria Math" panose="02040503050406030204" pitchFamily="18" charset="0"/>
+                                </a:rPr>
+                              </m:ctrlPr>
+                            </m:accPr>
+                            <m:e>
+                              <m:r>
+                                <a:rPr kumimoji="1" lang="en-US" altLang="ja-JP" sz="3600" b="0" i="1" smtClean="0">
+                                  <a:latin typeface="Cambria Math" panose="02040503050406030204" pitchFamily="18" charset="0"/>
+                                  <a:ea typeface="Cambria Math" panose="02040503050406030204" pitchFamily="18" charset="0"/>
+                                </a:rPr>
+                                <m:t>𝐿</m:t>
+                              </m:r>
+                            </m:e>
+                          </m:acc>
+                        </m:e>
+                      </m:nary>
+                      <m:r>
+                        <a:rPr kumimoji="1" lang="en-US" altLang="ja-JP" sz="3600" b="0" i="1" smtClean="0">
+                          <a:latin typeface="Cambria Math" panose="02040503050406030204" pitchFamily="18" charset="0"/>
+                          <a:ea typeface="Cambria Math" panose="02040503050406030204" pitchFamily="18" charset="0"/>
+                        </a:rPr>
+                        <m:t>)</m:t>
+                      </m:r>
+                      <m:r>
+                        <a:rPr kumimoji="1" lang="en-US" altLang="ja-JP" sz="3600" b="0" i="1" smtClean="0">
+                          <a:latin typeface="Cambria Math" panose="02040503050406030204" pitchFamily="18" charset="0"/>
+                          <a:ea typeface="Cambria Math" panose="02040503050406030204" pitchFamily="18" charset="0"/>
+                        </a:rPr>
+                        <m:t>𝑥</m:t>
+                      </m:r>
+                    </m:oMath>
+                  </m:oMathPara>
+                </a14:m>
+                <a:endParaRPr kumimoji="1" lang="ja-JP" altLang="en-US" sz="3600" dirty="0"/>
+              </a:p>
+            </p:txBody>
+          </p:sp>
+        </mc:Choice>
+        <mc:Fallback xmlns="">
+          <p:sp>
+            <p:nvSpPr>
+              <p:cNvPr id="11" name="テキスト ボックス 10">
+                <a:extLst>
+                  <a:ext uri="{FF2B5EF4-FFF2-40B4-BE49-F238E27FC236}">
+                    <a16:creationId xmlns:a16="http://schemas.microsoft.com/office/drawing/2014/main" id="{91F6000A-2981-630B-26D5-FD240ACA7A1A}"/>
+                  </a:ext>
+                </a:extLst>
+              </p:cNvPr>
+              <p:cNvSpPr txBox="1">
+                <a:spLocks noRot="1" noChangeAspect="1" noMove="1" noResize="1" noEditPoints="1" noAdjustHandles="1" noChangeArrowheads="1" noChangeShapeType="1" noTextEdit="1"/>
+              </p:cNvSpPr>
+              <p:nvPr/>
+            </p:nvSpPr>
+            <p:spPr>
+              <a:xfrm>
+                <a:off x="7643731" y="4513795"/>
+                <a:ext cx="4482060" cy="2204578"/>
+              </a:xfrm>
+              <a:prstGeom prst="rect">
+                <a:avLst/>
+              </a:prstGeom>
+              <a:blipFill>
+                <a:blip r:embed="rId7"/>
+                <a:stretch>
+                  <a:fillRect/>
+                </a:stretch>
+              </a:blipFill>
+              <a:ln w="38100">
+                <a:solidFill>
+                  <a:srgbClr val="FF0000"/>
+                </a:solidFill>
+              </a:ln>
+            </p:spPr>
+            <p:txBody>
+              <a:bodyPr/>
+              <a:lstStyle/>
+              <a:p>
+                <a:r>
+                  <a:rPr lang="ja-JP" altLang="en-US">
+                    <a:noFill/>
+                  </a:rPr>
+                  <a:t> </a:t>
+                </a:r>
+              </a:p>
+            </p:txBody>
+          </p:sp>
+        </mc:Fallback>
+      </mc:AlternateContent>
+    </p:spTree>
+    <p:extLst>
+      <p:ext uri="{BB962C8B-B14F-4D97-AF65-F5344CB8AC3E}">
+        <p14:creationId xmlns:p14="http://schemas.microsoft.com/office/powerpoint/2010/main" val="318084686"/>
+      </p:ext>
+    </p:extLst>
+  </p:cSld>
+  <p:clrMapOvr>
+    <a:masterClrMapping/>
+  </p:clrMapOvr>
+</p:sld>
+</file>
+
+<file path=ppt/slides/slide13.xml><?xml version="1.0" encoding="utf-8"?>
+<p:sld xmlns:a="http://schemas.openxmlformats.org/drawingml/2006/main" xmlns:r="http://schemas.openxmlformats.org/officeDocument/2006/relationships" xmlns:p="http://schemas.openxmlformats.org/presentationml/2006/main">
+  <p:cSld>
+    <p:spTree>
+      <p:nvGrpSpPr>
+        <p:cNvPr id="1" name=""/>
+        <p:cNvGrpSpPr/>
+        <p:nvPr/>
+      </p:nvGrpSpPr>
+      <p:grpSpPr>
+        <a:xfrm>
+          <a:off x="0" y="0"/>
+          <a:ext cx="0" cy="0"/>
+          <a:chOff x="0" y="0"/>
+          <a:chExt cx="0" cy="0"/>
+        </a:xfrm>
+      </p:grpSpPr>
+      <p:sp>
+        <p:nvSpPr>
+          <p:cNvPr id="2" name="タイトル 1">
+            <a:extLst>
+              <a:ext uri="{FF2B5EF4-FFF2-40B4-BE49-F238E27FC236}">
+                <a16:creationId xmlns:a16="http://schemas.microsoft.com/office/drawing/2014/main" id="{61E4F36E-E42F-2FB0-9B2E-39679ECFAB36}"/>
+              </a:ext>
+            </a:extLst>
+          </p:cNvPr>
+          <p:cNvSpPr>
+            <a:spLocks noGrp="1"/>
+          </p:cNvSpPr>
+          <p:nvPr>
+            <p:ph type="title"/>
+          </p:nvPr>
+        </p:nvSpPr>
+        <p:spPr>
+          <a:xfrm>
+            <a:off x="0" y="-146939"/>
+            <a:ext cx="10515600" cy="1325563"/>
+          </a:xfrm>
+        </p:spPr>
+        <p:txBody>
+          <a:bodyPr/>
+          <a:lstStyle/>
+          <a:p>
+            <a:r>
+              <a:rPr kumimoji="1" lang="en-US" altLang="ja-JP" dirty="0"/>
+              <a:t>Graph</a:t>
+            </a:r>
+            <a:r>
+              <a:rPr lang="ja-JP" altLang="en-US" dirty="0"/>
+              <a:t> </a:t>
+            </a:r>
+            <a:r>
+              <a:rPr lang="en-US" altLang="ja-JP" dirty="0"/>
+              <a:t>Convolutional</a:t>
+            </a:r>
+            <a:r>
+              <a:rPr lang="ja-JP" altLang="en-US" dirty="0"/>
+              <a:t> </a:t>
+            </a:r>
+            <a:r>
+              <a:rPr lang="en-US" altLang="ja-JP" dirty="0"/>
+              <a:t>Networks</a:t>
+            </a:r>
+            <a:endParaRPr kumimoji="1" lang="ja-JP" altLang="en-US" dirty="0"/>
+          </a:p>
+        </p:txBody>
+      </p:sp>
+      <p:sp>
+        <p:nvSpPr>
+          <p:cNvPr id="3" name="コンテンツ プレースホルダー 2">
+            <a:extLst>
+              <a:ext uri="{FF2B5EF4-FFF2-40B4-BE49-F238E27FC236}">
+                <a16:creationId xmlns:a16="http://schemas.microsoft.com/office/drawing/2014/main" id="{CCAFEF24-A1F6-676E-91DF-F9133B5657ED}"/>
+              </a:ext>
+            </a:extLst>
+          </p:cNvPr>
+          <p:cNvSpPr>
+            <a:spLocks noGrp="1"/>
+          </p:cNvSpPr>
+          <p:nvPr>
+            <p:ph idx="1"/>
+          </p:nvPr>
+        </p:nvSpPr>
+        <p:spPr>
+          <a:xfrm>
+            <a:off x="161544" y="892937"/>
+            <a:ext cx="10515600" cy="4351338"/>
+          </a:xfrm>
+        </p:spPr>
+        <p:txBody>
+          <a:bodyPr>
+            <a:normAutofit/>
+          </a:bodyPr>
+          <a:lstStyle/>
+          <a:p>
+            <a:r>
+              <a:rPr kumimoji="1" lang="en-US" altLang="ja-JP" sz="4000" dirty="0"/>
+              <a:t>1</a:t>
+            </a:r>
+            <a:r>
+              <a:rPr kumimoji="1" lang="ja-JP" altLang="en-US" sz="4000" dirty="0"/>
+              <a:t>次のチェビシェフの近似</a:t>
+            </a:r>
+            <a:endParaRPr kumimoji="1" lang="en-US" altLang="ja-JP" sz="4000" dirty="0"/>
+          </a:p>
+          <a:p>
+            <a:r>
+              <a:rPr lang="en-US" altLang="ja-JP" sz="4000" dirty="0" err="1"/>
+              <a:t>λmax</a:t>
+            </a:r>
+            <a:r>
+              <a:rPr lang="en-US" altLang="ja-JP" sz="4000" dirty="0"/>
+              <a:t>=2</a:t>
+            </a:r>
+            <a:r>
+              <a:rPr lang="ja-JP" altLang="en-US" sz="4000" dirty="0"/>
+              <a:t>による式の単純化</a:t>
+            </a:r>
+            <a:endParaRPr lang="en-US" altLang="ja-JP" sz="4000" dirty="0"/>
+          </a:p>
+          <a:p>
+            <a:r>
+              <a:rPr lang="ja-JP" altLang="en-US" sz="4000" dirty="0"/>
+              <a:t>パラメーター数の減少</a:t>
+            </a:r>
+            <a:endParaRPr lang="en-US" altLang="ja-JP" sz="4000" dirty="0"/>
+          </a:p>
+          <a:p>
+            <a:r>
+              <a:rPr lang="en-US" altLang="ja-JP" sz="4000" dirty="0"/>
+              <a:t>renormalization trick</a:t>
+            </a:r>
+          </a:p>
+        </p:txBody>
+      </p:sp>
+      <mc:AlternateContent xmlns:mc="http://schemas.openxmlformats.org/markup-compatibility/2006" xmlns:a14="http://schemas.microsoft.com/office/drawing/2010/main">
+        <mc:Choice Requires="a14">
+          <p:sp>
+            <p:nvSpPr>
+              <p:cNvPr id="4" name="テキスト ボックス 3">
+                <a:extLst>
+                  <a:ext uri="{FF2B5EF4-FFF2-40B4-BE49-F238E27FC236}">
+                    <a16:creationId xmlns:a16="http://schemas.microsoft.com/office/drawing/2014/main" id="{F3CBD3B8-5125-B3AC-F6E6-CA6F29360A32}"/>
+                  </a:ext>
+                </a:extLst>
+              </p:cNvPr>
+              <p:cNvSpPr txBox="1"/>
+              <p:nvPr/>
+            </p:nvSpPr>
+            <p:spPr>
+              <a:xfrm>
+                <a:off x="7626096" y="76335"/>
+                <a:ext cx="4404360" cy="1650580"/>
+              </a:xfrm>
+              <a:prstGeom prst="rect">
+                <a:avLst/>
+              </a:prstGeom>
+              <a:noFill/>
+              <a:ln w="38100">
+                <a:solidFill>
+                  <a:srgbClr val="FF0000"/>
+                </a:solidFill>
+              </a:ln>
+            </p:spPr>
+            <p:txBody>
+              <a:bodyPr wrap="square">
+                <a:spAutoFit/>
+              </a:bodyPr>
+              <a:lstStyle/>
+              <a:p>
+                <a:pPr marL="0" indent="0" algn="ctr">
+                  <a:buNone/>
+                </a:pPr>
+                <a14:m>
+                  <m:oMathPara xmlns:m="http://schemas.openxmlformats.org/officeDocument/2006/math">
+                    <m:oMathParaPr>
+                      <m:jc m:val="centerGroup"/>
+                    </m:oMathParaPr>
+                    <m:oMath xmlns:m="http://schemas.openxmlformats.org/officeDocument/2006/math">
+                      <m:r>
+                        <a:rPr kumimoji="1" lang="en-US" altLang="ja-JP" sz="3600" b="0" i="1" smtClean="0">
+                          <a:latin typeface="Cambria Math" panose="02040503050406030204" pitchFamily="18" charset="0"/>
+                        </a:rPr>
+                        <m:t>𝑥</m:t>
+                      </m:r>
+                      <m:r>
+                        <a:rPr kumimoji="1" lang="en-US" altLang="ja-JP" sz="3600" b="0" i="1" smtClean="0">
+                          <a:latin typeface="Cambria Math" panose="02040503050406030204" pitchFamily="18" charset="0"/>
+                        </a:rPr>
+                        <m:t>∗</m:t>
+                      </m:r>
+                      <m:r>
+                        <a:rPr kumimoji="1" lang="en-US" altLang="ja-JP" sz="3600" b="0" i="1" smtClean="0">
+                          <a:latin typeface="Cambria Math" panose="02040503050406030204" pitchFamily="18" charset="0"/>
+                        </a:rPr>
+                        <m:t>𝑔</m:t>
+                      </m:r>
+                      <m:r>
+                        <a:rPr kumimoji="1" lang="en-US" altLang="ja-JP" sz="3600" b="0" i="1" smtClean="0">
+                          <a:latin typeface="Cambria Math" panose="02040503050406030204" pitchFamily="18" charset="0"/>
+                          <a:ea typeface="Cambria Math" panose="02040503050406030204" pitchFamily="18" charset="0"/>
+                        </a:rPr>
+                        <m:t>=</m:t>
+                      </m:r>
+                      <m:nary>
+                        <m:naryPr>
+                          <m:chr m:val="∑"/>
+                          <m:ctrlPr>
+                            <a:rPr kumimoji="1" lang="en-US" altLang="ja-JP" sz="3600" b="0" i="1" smtClean="0">
+                              <a:latin typeface="Cambria Math" panose="02040503050406030204" pitchFamily="18" charset="0"/>
+                              <a:ea typeface="Cambria Math" panose="02040503050406030204" pitchFamily="18" charset="0"/>
+                            </a:rPr>
+                          </m:ctrlPr>
+                        </m:naryPr>
+                        <m:sub>
+                          <m:r>
+                            <m:rPr>
+                              <m:brk m:alnAt="23"/>
+                            </m:rPr>
+                            <a:rPr kumimoji="1" lang="en-US" altLang="ja-JP" sz="3600" b="0" i="1" smtClean="0">
+                              <a:latin typeface="Cambria Math" panose="02040503050406030204" pitchFamily="18" charset="0"/>
+                              <a:ea typeface="Cambria Math" panose="02040503050406030204" pitchFamily="18" charset="0"/>
+                            </a:rPr>
+                            <m:t>𝑘</m:t>
+                          </m:r>
+                          <m:r>
+                            <a:rPr kumimoji="1" lang="en-US" altLang="ja-JP" sz="3600" b="0" i="1" smtClean="0">
+                              <a:latin typeface="Cambria Math" panose="02040503050406030204" pitchFamily="18" charset="0"/>
+                              <a:ea typeface="Cambria Math" panose="02040503050406030204" pitchFamily="18" charset="0"/>
+                            </a:rPr>
+                            <m:t>=0</m:t>
+                          </m:r>
+                        </m:sub>
+                        <m:sup>
+                          <m:r>
+                            <a:rPr kumimoji="1" lang="en-US" altLang="ja-JP" sz="3600" b="0" i="1" smtClean="0">
+                              <a:latin typeface="Cambria Math" panose="02040503050406030204" pitchFamily="18" charset="0"/>
+                              <a:ea typeface="Cambria Math" panose="02040503050406030204" pitchFamily="18" charset="0"/>
+                            </a:rPr>
+                            <m:t>𝐾</m:t>
+                          </m:r>
+                        </m:sup>
+                        <m:e>
+                          <m:sSub>
+                            <m:sSubPr>
+                              <m:ctrlPr>
+                                <a:rPr kumimoji="1" lang="en-US" altLang="ja-JP" sz="3600" b="0" i="1" smtClean="0">
+                                  <a:latin typeface="Cambria Math" panose="02040503050406030204" pitchFamily="18" charset="0"/>
+                                  <a:ea typeface="Cambria Math" panose="02040503050406030204" pitchFamily="18" charset="0"/>
+                                </a:rPr>
+                              </m:ctrlPr>
+                            </m:sSubPr>
+                            <m:e>
+                              <m:r>
+                                <a:rPr kumimoji="1" lang="en-US" altLang="ja-JP" sz="3600" b="0" i="1" smtClean="0">
+                                  <a:latin typeface="Cambria Math" panose="02040503050406030204" pitchFamily="18" charset="0"/>
+                                  <a:ea typeface="Cambria Math" panose="02040503050406030204" pitchFamily="18" charset="0"/>
+                                </a:rPr>
+                                <m:t>𝜃</m:t>
+                              </m:r>
+                            </m:e>
+                            <m:sub>
+                              <m:r>
+                                <a:rPr kumimoji="1" lang="en-US" altLang="ja-JP" sz="3600" b="0" i="1" smtClean="0">
+                                  <a:latin typeface="Cambria Math" panose="02040503050406030204" pitchFamily="18" charset="0"/>
+                                  <a:ea typeface="Cambria Math" panose="02040503050406030204" pitchFamily="18" charset="0"/>
+                                </a:rPr>
+                                <m:t>𝑘</m:t>
+                              </m:r>
+                            </m:sub>
+                          </m:sSub>
+                          <m:sSub>
+                            <m:sSubPr>
+                              <m:ctrlPr>
+                                <a:rPr kumimoji="1" lang="en-US" altLang="ja-JP" sz="3600" b="0" i="1" smtClean="0">
+                                  <a:latin typeface="Cambria Math" panose="02040503050406030204" pitchFamily="18" charset="0"/>
+                                  <a:ea typeface="Cambria Math" panose="02040503050406030204" pitchFamily="18" charset="0"/>
+                                </a:rPr>
+                              </m:ctrlPr>
+                            </m:sSubPr>
+                            <m:e>
+                              <m:r>
+                                <a:rPr kumimoji="1" lang="en-US" altLang="ja-JP" sz="3600" b="0" i="1" smtClean="0">
+                                  <a:latin typeface="Cambria Math" panose="02040503050406030204" pitchFamily="18" charset="0"/>
+                                  <a:ea typeface="Cambria Math" panose="02040503050406030204" pitchFamily="18" charset="0"/>
+                                </a:rPr>
+                                <m:t>𝑇</m:t>
+                              </m:r>
+                            </m:e>
+                            <m:sub>
+                              <m:r>
+                                <a:rPr kumimoji="1" lang="en-US" altLang="ja-JP" sz="3600" b="0" i="1" smtClean="0">
+                                  <a:latin typeface="Cambria Math" panose="02040503050406030204" pitchFamily="18" charset="0"/>
+                                  <a:ea typeface="Cambria Math" panose="02040503050406030204" pitchFamily="18" charset="0"/>
+                                </a:rPr>
+                                <m:t>𝑘</m:t>
+                              </m:r>
+                            </m:sub>
+                          </m:sSub>
+                          <m:r>
+                            <a:rPr kumimoji="1" lang="en-US" altLang="ja-JP" sz="3600" b="0" i="1" smtClean="0">
+                              <a:latin typeface="Cambria Math" panose="02040503050406030204" pitchFamily="18" charset="0"/>
+                              <a:ea typeface="Cambria Math" panose="02040503050406030204" pitchFamily="18" charset="0"/>
+                            </a:rPr>
+                            <m:t>(</m:t>
+                          </m:r>
+                          <m:acc>
+                            <m:accPr>
+                              <m:chr m:val="̌"/>
+                              <m:ctrlPr>
+                                <a:rPr kumimoji="1" lang="en-US" altLang="ja-JP" sz="3600" b="0" i="1" smtClean="0">
+                                  <a:latin typeface="Cambria Math" panose="02040503050406030204" pitchFamily="18" charset="0"/>
+                                  <a:ea typeface="Cambria Math" panose="02040503050406030204" pitchFamily="18" charset="0"/>
+                                </a:rPr>
+                              </m:ctrlPr>
+                            </m:accPr>
+                            <m:e>
+                              <m:r>
+                                <a:rPr kumimoji="1" lang="en-US" altLang="ja-JP" sz="3600" b="0" i="1" smtClean="0">
+                                  <a:latin typeface="Cambria Math" panose="02040503050406030204" pitchFamily="18" charset="0"/>
+                                  <a:ea typeface="Cambria Math" panose="02040503050406030204" pitchFamily="18" charset="0"/>
+                                </a:rPr>
+                                <m:t>𝐿</m:t>
+                              </m:r>
+                            </m:e>
+                          </m:acc>
+                        </m:e>
+                      </m:nary>
+                      <m:r>
+                        <a:rPr kumimoji="1" lang="en-US" altLang="ja-JP" sz="3600" b="0" i="1" smtClean="0">
+                          <a:latin typeface="Cambria Math" panose="02040503050406030204" pitchFamily="18" charset="0"/>
+                          <a:ea typeface="Cambria Math" panose="02040503050406030204" pitchFamily="18" charset="0"/>
+                        </a:rPr>
+                        <m:t>)</m:t>
+                      </m:r>
+                      <m:r>
+                        <a:rPr kumimoji="1" lang="en-US" altLang="ja-JP" sz="3600" b="0" i="1" smtClean="0">
+                          <a:latin typeface="Cambria Math" panose="02040503050406030204" pitchFamily="18" charset="0"/>
+                          <a:ea typeface="Cambria Math" panose="02040503050406030204" pitchFamily="18" charset="0"/>
+                        </a:rPr>
+                        <m:t>𝑥</m:t>
+                      </m:r>
+                    </m:oMath>
+                  </m:oMathPara>
+                </a14:m>
+                <a:endParaRPr kumimoji="1" lang="ja-JP" altLang="en-US" sz="3600" dirty="0"/>
+              </a:p>
+            </p:txBody>
+          </p:sp>
+        </mc:Choice>
+        <mc:Fallback xmlns="">
+          <p:sp>
+            <p:nvSpPr>
+              <p:cNvPr id="4" name="テキスト ボックス 3">
+                <a:extLst>
+                  <a:ext uri="{FF2B5EF4-FFF2-40B4-BE49-F238E27FC236}">
+                    <a16:creationId xmlns:a16="http://schemas.microsoft.com/office/drawing/2014/main" id="{F3CBD3B8-5125-B3AC-F6E6-CA6F29360A32}"/>
+                  </a:ext>
+                </a:extLst>
+              </p:cNvPr>
+              <p:cNvSpPr txBox="1">
+                <a:spLocks noRot="1" noChangeAspect="1" noMove="1" noResize="1" noEditPoints="1" noAdjustHandles="1" noChangeArrowheads="1" noChangeShapeType="1" noTextEdit="1"/>
+              </p:cNvSpPr>
+              <p:nvPr/>
+            </p:nvSpPr>
+            <p:spPr>
+              <a:xfrm>
+                <a:off x="7626096" y="76335"/>
+                <a:ext cx="4404360" cy="1650580"/>
+              </a:xfrm>
+              <a:prstGeom prst="rect">
+                <a:avLst/>
+              </a:prstGeom>
+              <a:blipFill>
+                <a:blip r:embed="rId2"/>
+                <a:stretch>
+                  <a:fillRect/>
+                </a:stretch>
+              </a:blipFill>
+              <a:ln w="38100">
+                <a:solidFill>
+                  <a:srgbClr val="FF0000"/>
+                </a:solidFill>
+              </a:ln>
+            </p:spPr>
+            <p:txBody>
+              <a:bodyPr/>
+              <a:lstStyle/>
+              <a:p>
+                <a:r>
+                  <a:rPr lang="ja-JP" altLang="en-US">
+                    <a:noFill/>
+                  </a:rPr>
+                  <a:t> </a:t>
+                </a:r>
+              </a:p>
+            </p:txBody>
+          </p:sp>
+        </mc:Fallback>
+      </mc:AlternateContent>
+      <mc:AlternateContent xmlns:mc="http://schemas.openxmlformats.org/markup-compatibility/2006">
+        <mc:Choice xmlns:a14="http://schemas.microsoft.com/office/drawing/2010/main" Requires="a14">
+          <p:sp>
+            <p:nvSpPr>
+              <p:cNvPr id="5" name="テキスト ボックス 4">
+                <a:extLst>
+                  <a:ext uri="{FF2B5EF4-FFF2-40B4-BE49-F238E27FC236}">
+                    <a16:creationId xmlns:a16="http://schemas.microsoft.com/office/drawing/2014/main" id="{B4395670-10A7-089F-FC15-9D58AB619416}"/>
+                  </a:ext>
+                </a:extLst>
+              </p:cNvPr>
+              <p:cNvSpPr txBox="1"/>
+              <p:nvPr/>
+            </p:nvSpPr>
+            <p:spPr>
+              <a:xfrm>
+                <a:off x="8297691" y="1679374"/>
+                <a:ext cx="3038460" cy="1008353"/>
+              </a:xfrm>
+              <a:prstGeom prst="rect">
+                <a:avLst/>
+              </a:prstGeom>
+              <a:noFill/>
+            </p:spPr>
+            <p:txBody>
+              <a:bodyPr wrap="none" lIns="0" tIns="0" rIns="0" bIns="0" rtlCol="0">
+                <a:spAutoFit/>
+              </a:bodyPr>
+              <a:lstStyle/>
+              <a:p>
+                <a:pPr/>
+                <a14:m>
+                  <m:oMathPara xmlns:m="http://schemas.openxmlformats.org/officeDocument/2006/math">
+                    <m:oMathParaPr>
+                      <m:jc m:val="centerGroup"/>
+                    </m:oMathParaPr>
+                    <m:oMath xmlns:m="http://schemas.openxmlformats.org/officeDocument/2006/math">
+                      <m:acc>
+                        <m:accPr>
+                          <m:chr m:val="̌"/>
+                          <m:ctrlPr>
+                            <a:rPr kumimoji="1" lang="ja-JP" altLang="en-US" sz="3200" i="1" smtClean="0">
+                              <a:latin typeface="Cambria Math" panose="02040503050406030204" pitchFamily="18" charset="0"/>
+                            </a:rPr>
+                          </m:ctrlPr>
+                        </m:accPr>
+                        <m:e>
+                          <m:r>
+                            <a:rPr kumimoji="1" lang="en-US" altLang="ja-JP" sz="3200" b="0" i="1" smtClean="0">
+                              <a:latin typeface="Cambria Math" panose="02040503050406030204" pitchFamily="18" charset="0"/>
+                            </a:rPr>
+                            <m:t>𝐿</m:t>
+                          </m:r>
+                        </m:e>
+                      </m:acc>
+                      <m:r>
+                        <a:rPr kumimoji="1" lang="en-US" altLang="ja-JP" sz="3200" b="0" i="1" smtClean="0">
+                          <a:latin typeface="Cambria Math" panose="02040503050406030204" pitchFamily="18" charset="0"/>
+                        </a:rPr>
+                        <m:t>=</m:t>
+                      </m:r>
+                      <m:f>
+                        <m:fPr>
+                          <m:ctrlPr>
+                            <a:rPr kumimoji="1" lang="en-US" altLang="ja-JP" sz="3200" b="0" i="1" smtClean="0">
+                              <a:latin typeface="Cambria Math" panose="02040503050406030204" pitchFamily="18" charset="0"/>
+                              <a:ea typeface="Cambria Math" panose="02040503050406030204" pitchFamily="18" charset="0"/>
+                            </a:rPr>
+                          </m:ctrlPr>
+                        </m:fPr>
+                        <m:num>
+                          <m:r>
+                            <a:rPr kumimoji="1" lang="en-US" altLang="ja-JP" sz="3200" b="0" i="1" smtClean="0">
+                              <a:latin typeface="Cambria Math" panose="02040503050406030204" pitchFamily="18" charset="0"/>
+                            </a:rPr>
+                            <m:t>2</m:t>
+                          </m:r>
+                        </m:num>
+                        <m:den>
+                          <m:sSub>
+                            <m:sSubPr>
+                              <m:ctrlPr>
+                                <a:rPr kumimoji="1" lang="en-US" altLang="ja-JP" sz="3200" b="0" i="1" smtClean="0">
+                                  <a:latin typeface="Cambria Math" panose="02040503050406030204" pitchFamily="18" charset="0"/>
+                                  <a:ea typeface="Cambria Math" panose="02040503050406030204" pitchFamily="18" charset="0"/>
+                                </a:rPr>
+                              </m:ctrlPr>
+                            </m:sSubPr>
+                            <m:e>
+                              <m:r>
+                                <a:rPr kumimoji="1" lang="en-US" altLang="ja-JP" sz="3200" b="0" i="1" smtClean="0">
+                                  <a:latin typeface="Cambria Math" panose="02040503050406030204" pitchFamily="18" charset="0"/>
+                                  <a:ea typeface="Cambria Math" panose="02040503050406030204" pitchFamily="18" charset="0"/>
+                                </a:rPr>
+                                <m:t>𝜆</m:t>
+                              </m:r>
+                            </m:e>
+                            <m:sub>
+                              <m:func>
+                                <m:funcPr>
+                                  <m:ctrlPr>
+                                    <a:rPr kumimoji="1" lang="en-US" altLang="ja-JP" sz="3200" b="0" i="1" smtClean="0">
+                                      <a:latin typeface="Cambria Math" panose="02040503050406030204" pitchFamily="18" charset="0"/>
+                                      <a:ea typeface="Cambria Math" panose="02040503050406030204" pitchFamily="18" charset="0"/>
+                                    </a:rPr>
+                                  </m:ctrlPr>
+                                </m:funcPr>
+                                <m:fName>
+                                  <m:r>
+                                    <m:rPr>
+                                      <m:sty m:val="p"/>
+                                    </m:rPr>
+                                    <a:rPr kumimoji="1" lang="en-US" altLang="ja-JP" sz="3200" b="0" i="0" smtClean="0">
+                                      <a:latin typeface="Cambria Math" panose="02040503050406030204" pitchFamily="18" charset="0"/>
+                                      <a:ea typeface="Cambria Math" panose="02040503050406030204" pitchFamily="18" charset="0"/>
+                                    </a:rPr>
+                                    <m:t>max</m:t>
+                                  </m:r>
+                                </m:fName>
+                                <m:e/>
+                              </m:func>
+                            </m:sub>
+                          </m:sSub>
+                        </m:den>
+                      </m:f>
+                      <m:r>
+                        <a:rPr kumimoji="1" lang="en-US" altLang="ja-JP" sz="3200" b="0" i="1" smtClean="0">
+                          <a:latin typeface="Cambria Math" panose="02040503050406030204" pitchFamily="18" charset="0"/>
+                          <a:ea typeface="Cambria Math" panose="02040503050406030204" pitchFamily="18" charset="0"/>
+                        </a:rPr>
+                        <m:t>ℒ</m:t>
+                      </m:r>
+                      <m:r>
+                        <a:rPr kumimoji="1" lang="en-US" altLang="ja-JP" sz="3200" b="0" i="1" smtClean="0">
+                          <a:latin typeface="Cambria Math" panose="02040503050406030204" pitchFamily="18" charset="0"/>
+                          <a:ea typeface="Cambria Math" panose="02040503050406030204" pitchFamily="18" charset="0"/>
+                        </a:rPr>
+                        <m:t>−</m:t>
+                      </m:r>
+                      <m:r>
+                        <a:rPr kumimoji="1" lang="en-US" altLang="ja-JP" sz="3200" b="0" i="1" smtClean="0">
+                          <a:latin typeface="Cambria Math" panose="02040503050406030204" pitchFamily="18" charset="0"/>
+                          <a:ea typeface="Cambria Math" panose="02040503050406030204" pitchFamily="18" charset="0"/>
+                        </a:rPr>
+                        <m:t>𝐼</m:t>
+                      </m:r>
+                    </m:oMath>
+                  </m:oMathPara>
+                </a14:m>
+                <a:endParaRPr kumimoji="1" lang="ja-JP" altLang="en-US" sz="1600" dirty="0"/>
+              </a:p>
+            </p:txBody>
+          </p:sp>
+        </mc:Choice>
+        <mc:Fallback>
+          <p:sp>
+            <p:nvSpPr>
+              <p:cNvPr id="5" name="テキスト ボックス 4">
+                <a:extLst>
+                  <a:ext uri="{FF2B5EF4-FFF2-40B4-BE49-F238E27FC236}">
+                    <a16:creationId xmlns:a16="http://schemas.microsoft.com/office/drawing/2014/main" id="{B4395670-10A7-089F-FC15-9D58AB619416}"/>
+                  </a:ext>
+                </a:extLst>
+              </p:cNvPr>
+              <p:cNvSpPr txBox="1">
+                <a:spLocks noRot="1" noChangeAspect="1" noMove="1" noResize="1" noEditPoints="1" noAdjustHandles="1" noChangeArrowheads="1" noChangeShapeType="1" noTextEdit="1"/>
+              </p:cNvSpPr>
+              <p:nvPr/>
+            </p:nvSpPr>
+            <p:spPr>
+              <a:xfrm>
+                <a:off x="8297691" y="1679374"/>
+                <a:ext cx="3038460" cy="1008353"/>
+              </a:xfrm>
+              <a:prstGeom prst="rect">
+                <a:avLst/>
+              </a:prstGeom>
+              <a:blipFill>
+                <a:blip r:embed="rId3"/>
+                <a:stretch>
+                  <a:fillRect/>
+                </a:stretch>
+              </a:blipFill>
+            </p:spPr>
+            <p:txBody>
+              <a:bodyPr/>
+              <a:lstStyle/>
+              <a:p>
+                <a:r>
+                  <a:rPr lang="ja-JP" altLang="en-US">
+                    <a:noFill/>
+                  </a:rPr>
+                  <a:t> </a:t>
+                </a:r>
+              </a:p>
+            </p:txBody>
+          </p:sp>
+        </mc:Fallback>
+      </mc:AlternateContent>
+      <mc:AlternateContent xmlns:mc="http://schemas.openxmlformats.org/markup-compatibility/2006">
+        <mc:Choice xmlns:a14="http://schemas.microsoft.com/office/drawing/2010/main" Requires="a14">
+          <p:sp>
+            <p:nvSpPr>
+              <p:cNvPr id="6" name="テキスト ボックス 5">
+                <a:extLst>
+                  <a:ext uri="{FF2B5EF4-FFF2-40B4-BE49-F238E27FC236}">
+                    <a16:creationId xmlns:a16="http://schemas.microsoft.com/office/drawing/2014/main" id="{9573FD36-56BE-DB68-13D8-57FFC53B48C5}"/>
+                  </a:ext>
+                </a:extLst>
+              </p:cNvPr>
+              <p:cNvSpPr txBox="1"/>
+              <p:nvPr/>
+            </p:nvSpPr>
+            <p:spPr>
+              <a:xfrm>
+                <a:off x="7500421" y="2890270"/>
+                <a:ext cx="4661854" cy="1064459"/>
+              </a:xfrm>
+              <a:prstGeom prst="rect">
+                <a:avLst/>
+              </a:prstGeom>
+              <a:noFill/>
+            </p:spPr>
+            <p:txBody>
+              <a:bodyPr wrap="none" lIns="0" tIns="0" rIns="0" bIns="0" rtlCol="0">
+                <a:spAutoFit/>
+              </a:bodyPr>
+              <a:lstStyle/>
+              <a:p>
+                <a:pPr/>
+                <a14:m>
+                  <m:oMathPara xmlns:m="http://schemas.openxmlformats.org/officeDocument/2006/math">
+                    <m:oMathParaPr>
+                      <m:jc m:val="centerGroup"/>
+                    </m:oMathParaPr>
+                    <m:oMath xmlns:m="http://schemas.openxmlformats.org/officeDocument/2006/math">
+                      <m:sSub>
+                        <m:sSubPr>
+                          <m:ctrlPr>
+                            <a:rPr kumimoji="1" lang="en-US" altLang="ja-JP" sz="3200" b="0" i="1" smtClean="0">
+                              <a:latin typeface="Cambria Math" panose="02040503050406030204" pitchFamily="18" charset="0"/>
+                            </a:rPr>
+                          </m:ctrlPr>
+                        </m:sSubPr>
+                        <m:e>
+                          <m:r>
+                            <a:rPr kumimoji="1" lang="en-US" altLang="ja-JP" sz="3200" b="0" i="1" smtClean="0">
+                              <a:latin typeface="Cambria Math" panose="02040503050406030204" pitchFamily="18" charset="0"/>
+                            </a:rPr>
+                            <m:t>𝑇</m:t>
+                          </m:r>
+                        </m:e>
+                        <m:sub>
+                          <m:r>
+                            <a:rPr kumimoji="1" lang="en-US" altLang="ja-JP" sz="3200" b="0" i="1" smtClean="0">
+                              <a:latin typeface="Cambria Math" panose="02040503050406030204" pitchFamily="18" charset="0"/>
+                            </a:rPr>
+                            <m:t>𝑘</m:t>
+                          </m:r>
+                        </m:sub>
+                      </m:sSub>
+                      <m:d>
+                        <m:dPr>
+                          <m:ctrlPr>
+                            <a:rPr kumimoji="1" lang="en-US" altLang="ja-JP" sz="3200" b="0" i="1" smtClean="0">
+                              <a:latin typeface="Cambria Math" panose="02040503050406030204" pitchFamily="18" charset="0"/>
+                            </a:rPr>
+                          </m:ctrlPr>
+                        </m:dPr>
+                        <m:e>
+                          <m:acc>
+                            <m:accPr>
+                              <m:chr m:val="̌"/>
+                              <m:ctrlPr>
+                                <a:rPr kumimoji="1" lang="en-US" altLang="ja-JP" sz="3200" b="0" i="1" smtClean="0">
+                                  <a:latin typeface="Cambria Math" panose="02040503050406030204" pitchFamily="18" charset="0"/>
+                                </a:rPr>
+                              </m:ctrlPr>
+                            </m:accPr>
+                            <m:e>
+                              <m:r>
+                                <a:rPr kumimoji="1" lang="en-US" altLang="ja-JP" sz="3200" b="0" i="1" smtClean="0">
+                                  <a:latin typeface="Cambria Math" panose="02040503050406030204" pitchFamily="18" charset="0"/>
+                                </a:rPr>
+                                <m:t>𝐿</m:t>
+                              </m:r>
+                            </m:e>
+                          </m:acc>
+                        </m:e>
+                      </m:d>
+                      <m:r>
+                        <a:rPr kumimoji="1" lang="en-US" altLang="ja-JP" sz="3200" b="0" i="1" smtClean="0">
+                          <a:latin typeface="Cambria Math" panose="02040503050406030204" pitchFamily="18" charset="0"/>
+                        </a:rPr>
+                        <m:t>=2</m:t>
+                      </m:r>
+                      <m:acc>
+                        <m:accPr>
+                          <m:chr m:val="̌"/>
+                          <m:ctrlPr>
+                            <a:rPr kumimoji="1" lang="en-US" altLang="ja-JP" sz="3200" b="0" i="1" smtClean="0">
+                              <a:latin typeface="Cambria Math" panose="02040503050406030204" pitchFamily="18" charset="0"/>
+                            </a:rPr>
+                          </m:ctrlPr>
+                        </m:accPr>
+                        <m:e>
+                          <m:r>
+                            <a:rPr kumimoji="1" lang="en-US" altLang="ja-JP" sz="3200" b="0" i="1" smtClean="0">
+                              <a:latin typeface="Cambria Math" panose="02040503050406030204" pitchFamily="18" charset="0"/>
+                            </a:rPr>
+                            <m:t>𝐿</m:t>
+                          </m:r>
+                        </m:e>
+                      </m:acc>
+                      <m:acc>
+                        <m:accPr>
+                          <m:chr m:val="̌"/>
+                          <m:ctrlPr>
+                            <a:rPr kumimoji="1" lang="en-US" altLang="ja-JP" sz="3200" b="0" i="1" smtClean="0">
+                              <a:latin typeface="Cambria Math" panose="02040503050406030204" pitchFamily="18" charset="0"/>
+                            </a:rPr>
+                          </m:ctrlPr>
+                        </m:accPr>
+                        <m:e>
+                          <m:sSub>
+                            <m:sSubPr>
+                              <m:ctrlPr>
+                                <a:rPr kumimoji="1" lang="en-US" altLang="ja-JP" sz="3200" b="0" i="1" smtClean="0">
+                                  <a:latin typeface="Cambria Math" panose="02040503050406030204" pitchFamily="18" charset="0"/>
+                                </a:rPr>
+                              </m:ctrlPr>
+                            </m:sSubPr>
+                            <m:e>
+                              <m:r>
+                                <a:rPr kumimoji="1" lang="en-US" altLang="ja-JP" sz="3200" b="0" i="1" smtClean="0">
+                                  <a:latin typeface="Cambria Math" panose="02040503050406030204" pitchFamily="18" charset="0"/>
+                                </a:rPr>
+                                <m:t>𝑥</m:t>
+                              </m:r>
+                            </m:e>
+                            <m:sub>
+                              <m:r>
+                                <a:rPr kumimoji="1" lang="en-US" altLang="ja-JP" sz="3200" b="0" i="1" smtClean="0">
+                                  <a:latin typeface="Cambria Math" panose="02040503050406030204" pitchFamily="18" charset="0"/>
+                                </a:rPr>
+                                <m:t>𝑘</m:t>
+                              </m:r>
+                              <m:r>
+                                <a:rPr kumimoji="1" lang="en-US" altLang="ja-JP" sz="3200" b="0" i="1" smtClean="0">
+                                  <a:latin typeface="Cambria Math" panose="02040503050406030204" pitchFamily="18" charset="0"/>
+                                </a:rPr>
+                                <m:t>−1</m:t>
+                              </m:r>
+                            </m:sub>
+                          </m:sSub>
+                        </m:e>
+                      </m:acc>
+                      <m:r>
+                        <a:rPr kumimoji="1" lang="en-US" altLang="ja-JP" sz="3200" b="0" i="1" smtClean="0">
+                          <a:latin typeface="Cambria Math" panose="02040503050406030204" pitchFamily="18" charset="0"/>
+                        </a:rPr>
+                        <m:t> −</m:t>
+                      </m:r>
+                      <m:acc>
+                        <m:accPr>
+                          <m:chr m:val="̌"/>
+                          <m:ctrlPr>
+                            <a:rPr kumimoji="1" lang="en-US" altLang="ja-JP" sz="3200" b="0" i="1" smtClean="0">
+                              <a:latin typeface="Cambria Math" panose="02040503050406030204" pitchFamily="18" charset="0"/>
+                            </a:rPr>
+                          </m:ctrlPr>
+                        </m:accPr>
+                        <m:e>
+                          <m:sSub>
+                            <m:sSubPr>
+                              <m:ctrlPr>
+                                <a:rPr kumimoji="1" lang="en-US" altLang="ja-JP" sz="3200" b="0" i="1" smtClean="0">
+                                  <a:latin typeface="Cambria Math" panose="02040503050406030204" pitchFamily="18" charset="0"/>
+                                </a:rPr>
+                              </m:ctrlPr>
+                            </m:sSubPr>
+                            <m:e>
+                              <m:r>
+                                <a:rPr kumimoji="1" lang="en-US" altLang="ja-JP" sz="3200" b="0" i="1" smtClean="0">
+                                  <a:latin typeface="Cambria Math" panose="02040503050406030204" pitchFamily="18" charset="0"/>
+                                </a:rPr>
+                                <m:t>𝑥</m:t>
+                              </m:r>
+                            </m:e>
+                            <m:sub>
+                              <m:r>
+                                <a:rPr kumimoji="1" lang="en-US" altLang="ja-JP" sz="3200" b="0" i="1" smtClean="0">
+                                  <a:latin typeface="Cambria Math" panose="02040503050406030204" pitchFamily="18" charset="0"/>
+                                </a:rPr>
+                                <m:t>𝑘</m:t>
+                              </m:r>
+                              <m:r>
+                                <a:rPr kumimoji="1" lang="en-US" altLang="ja-JP" sz="3200" b="0" i="1" smtClean="0">
+                                  <a:latin typeface="Cambria Math" panose="02040503050406030204" pitchFamily="18" charset="0"/>
+                                </a:rPr>
+                                <m:t>−2</m:t>
+                              </m:r>
+                            </m:sub>
+                          </m:sSub>
+                        </m:e>
+                      </m:acc>
+                    </m:oMath>
+                  </m:oMathPara>
+                </a14:m>
+                <a:br>
+                  <a:rPr kumimoji="1" lang="en-US" altLang="ja-JP" sz="3200" b="0" dirty="0"/>
+                </a:br>
+                <a14:m>
+                  <m:oMath xmlns:m="http://schemas.openxmlformats.org/officeDocument/2006/math">
+                    <m:sSub>
+                      <m:sSubPr>
+                        <m:ctrlPr>
+                          <a:rPr kumimoji="1" lang="en-US" altLang="ja-JP" sz="3200" b="0" i="1" smtClean="0">
+                            <a:latin typeface="Cambria Math" panose="02040503050406030204" pitchFamily="18" charset="0"/>
+                          </a:rPr>
+                        </m:ctrlPr>
+                      </m:sSubPr>
+                      <m:e>
+                        <m:acc>
+                          <m:accPr>
+                            <m:chr m:val="̌"/>
+                            <m:ctrlPr>
+                              <a:rPr kumimoji="1" lang="en-US" altLang="ja-JP" sz="3200" b="0" i="1" smtClean="0">
+                                <a:latin typeface="Cambria Math" panose="02040503050406030204" pitchFamily="18" charset="0"/>
+                              </a:rPr>
+                            </m:ctrlPr>
+                          </m:accPr>
+                          <m:e>
+                            <m:r>
+                              <a:rPr kumimoji="1" lang="en-US" altLang="ja-JP" sz="3200" b="0" i="1" smtClean="0">
+                                <a:latin typeface="Cambria Math" panose="02040503050406030204" pitchFamily="18" charset="0"/>
+                              </a:rPr>
+                              <m:t>𝑥</m:t>
+                            </m:r>
+                          </m:e>
+                        </m:acc>
+                      </m:e>
+                      <m:sub>
+                        <m:r>
+                          <a:rPr kumimoji="1" lang="en-US" altLang="ja-JP" sz="3200" b="0" i="1" smtClean="0">
+                            <a:latin typeface="Cambria Math" panose="02040503050406030204" pitchFamily="18" charset="0"/>
+                          </a:rPr>
+                          <m:t>0</m:t>
+                        </m:r>
+                      </m:sub>
+                    </m:sSub>
+                    <m:r>
+                      <a:rPr kumimoji="1" lang="en-US" altLang="ja-JP" sz="3200" b="0" i="1" smtClean="0">
+                        <a:latin typeface="Cambria Math" panose="02040503050406030204" pitchFamily="18" charset="0"/>
+                      </a:rPr>
+                      <m:t>=</m:t>
+                    </m:r>
+                    <m:r>
+                      <a:rPr kumimoji="1" lang="en-US" altLang="ja-JP" sz="3200" b="0" i="1" smtClean="0">
+                        <a:latin typeface="Cambria Math" panose="02040503050406030204" pitchFamily="18" charset="0"/>
+                      </a:rPr>
+                      <m:t>𝑥</m:t>
+                    </m:r>
+                    <m:r>
+                      <a:rPr kumimoji="1" lang="en-US" altLang="ja-JP" sz="3200" b="0" i="1" smtClean="0">
+                        <a:latin typeface="Cambria Math" panose="02040503050406030204" pitchFamily="18" charset="0"/>
+                      </a:rPr>
+                      <m:t>,</m:t>
+                    </m:r>
+                    <m:sSub>
+                      <m:sSubPr>
+                        <m:ctrlPr>
+                          <a:rPr kumimoji="1" lang="en-US" altLang="ja-JP" sz="3200" b="0" i="1" smtClean="0">
+                            <a:latin typeface="Cambria Math" panose="02040503050406030204" pitchFamily="18" charset="0"/>
+                          </a:rPr>
+                        </m:ctrlPr>
+                      </m:sSubPr>
+                      <m:e>
+                        <m:acc>
+                          <m:accPr>
+                            <m:chr m:val="̌"/>
+                            <m:ctrlPr>
+                              <a:rPr kumimoji="1" lang="en-US" altLang="ja-JP" sz="3200" b="0" i="1" smtClean="0">
+                                <a:latin typeface="Cambria Math" panose="02040503050406030204" pitchFamily="18" charset="0"/>
+                              </a:rPr>
+                            </m:ctrlPr>
+                          </m:accPr>
+                          <m:e>
+                            <m:r>
+                              <a:rPr kumimoji="1" lang="en-US" altLang="ja-JP" sz="3200" b="0" i="1" smtClean="0">
+                                <a:latin typeface="Cambria Math" panose="02040503050406030204" pitchFamily="18" charset="0"/>
+                              </a:rPr>
+                              <m:t>𝑥</m:t>
+                            </m:r>
+                          </m:e>
+                        </m:acc>
+                      </m:e>
+                      <m:sub>
+                        <m:r>
+                          <a:rPr kumimoji="1" lang="en-US" altLang="ja-JP" sz="3200" b="0" i="1" smtClean="0">
+                            <a:latin typeface="Cambria Math" panose="02040503050406030204" pitchFamily="18" charset="0"/>
+                          </a:rPr>
+                          <m:t>1</m:t>
+                        </m:r>
+                      </m:sub>
+                    </m:sSub>
+                    <m:r>
+                      <a:rPr kumimoji="1" lang="en-US" altLang="ja-JP" sz="3200" b="0" i="1" smtClean="0">
+                        <a:latin typeface="Cambria Math" panose="02040503050406030204" pitchFamily="18" charset="0"/>
+                      </a:rPr>
+                      <m:t>=</m:t>
+                    </m:r>
+                    <m:acc>
+                      <m:accPr>
+                        <m:chr m:val="̌"/>
+                        <m:ctrlPr>
+                          <a:rPr kumimoji="1" lang="en-US" altLang="ja-JP" sz="3200" b="0" i="1" smtClean="0">
+                            <a:latin typeface="Cambria Math" panose="02040503050406030204" pitchFamily="18" charset="0"/>
+                          </a:rPr>
+                        </m:ctrlPr>
+                      </m:accPr>
+                      <m:e>
+                        <m:r>
+                          <a:rPr kumimoji="1" lang="en-US" altLang="ja-JP" sz="3200" b="0" i="1" smtClean="0">
+                            <a:latin typeface="Cambria Math" panose="02040503050406030204" pitchFamily="18" charset="0"/>
+                          </a:rPr>
+                          <m:t>𝐿</m:t>
+                        </m:r>
+                      </m:e>
+                    </m:acc>
+                    <m:r>
+                      <a:rPr kumimoji="1" lang="en-US" altLang="ja-JP" sz="3200" b="0" i="1" smtClean="0">
+                        <a:latin typeface="Cambria Math" panose="02040503050406030204" pitchFamily="18" charset="0"/>
+                      </a:rPr>
+                      <m:t>𝑥</m:t>
+                    </m:r>
+                    <m:r>
+                      <a:rPr kumimoji="1" lang="en-US" altLang="ja-JP" sz="3200" b="0" i="1" smtClean="0">
+                        <a:latin typeface="Cambria Math" panose="02040503050406030204" pitchFamily="18" charset="0"/>
+                      </a:rPr>
+                      <m:t> </m:t>
+                    </m:r>
+                  </m:oMath>
+                </a14:m>
+                <a:r>
+                  <a:rPr kumimoji="1" lang="ja-JP" altLang="en-US" sz="3200" dirty="0"/>
+                  <a:t>　漸化式</a:t>
+                </a:r>
+              </a:p>
+            </p:txBody>
+          </p:sp>
+        </mc:Choice>
+        <mc:Fallback>
+          <p:sp>
+            <p:nvSpPr>
+              <p:cNvPr id="6" name="テキスト ボックス 5">
+                <a:extLst>
+                  <a:ext uri="{FF2B5EF4-FFF2-40B4-BE49-F238E27FC236}">
+                    <a16:creationId xmlns:a16="http://schemas.microsoft.com/office/drawing/2014/main" id="{9573FD36-56BE-DB68-13D8-57FFC53B48C5}"/>
+                  </a:ext>
+                </a:extLst>
+              </p:cNvPr>
+              <p:cNvSpPr txBox="1">
+                <a:spLocks noRot="1" noChangeAspect="1" noMove="1" noResize="1" noEditPoints="1" noAdjustHandles="1" noChangeArrowheads="1" noChangeShapeType="1" noTextEdit="1"/>
+              </p:cNvSpPr>
+              <p:nvPr/>
+            </p:nvSpPr>
+            <p:spPr>
+              <a:xfrm>
+                <a:off x="7500421" y="2890270"/>
+                <a:ext cx="4661854" cy="1064459"/>
+              </a:xfrm>
+              <a:prstGeom prst="rect">
+                <a:avLst/>
+              </a:prstGeom>
+              <a:blipFill>
+                <a:blip r:embed="rId4"/>
+                <a:stretch>
+                  <a:fillRect b="-22857"/>
+                </a:stretch>
+              </a:blipFill>
+            </p:spPr>
+            <p:txBody>
+              <a:bodyPr/>
+              <a:lstStyle/>
+              <a:p>
+                <a:r>
+                  <a:rPr lang="ja-JP" altLang="en-US">
+                    <a:noFill/>
+                  </a:rPr>
+                  <a:t> </a:t>
+                </a:r>
+              </a:p>
+            </p:txBody>
+          </p:sp>
+        </mc:Fallback>
+      </mc:AlternateContent>
+      <mc:AlternateContent xmlns:mc="http://schemas.openxmlformats.org/markup-compatibility/2006">
+        <mc:Choice xmlns:a14="http://schemas.microsoft.com/office/drawing/2010/main" Requires="a14">
+          <p:sp>
+            <p:nvSpPr>
+              <p:cNvPr id="7" name="テキスト ボックス 6">
+                <a:extLst>
+                  <a:ext uri="{FF2B5EF4-FFF2-40B4-BE49-F238E27FC236}">
+                    <a16:creationId xmlns:a16="http://schemas.microsoft.com/office/drawing/2014/main" id="{C8268806-65FC-7B62-C909-4D1D46AFE250}"/>
+                  </a:ext>
+                </a:extLst>
+              </p:cNvPr>
+              <p:cNvSpPr txBox="1"/>
+              <p:nvPr/>
+            </p:nvSpPr>
+            <p:spPr>
+              <a:xfrm>
+                <a:off x="161544" y="3404057"/>
+                <a:ext cx="9866876" cy="3428054"/>
+              </a:xfrm>
+              <a:prstGeom prst="rect">
+                <a:avLst/>
+              </a:prstGeom>
+              <a:noFill/>
+            </p:spPr>
+            <p:txBody>
+              <a:bodyPr wrap="square" lIns="0" tIns="0" rIns="0" bIns="0" rtlCol="0">
+                <a:spAutoFit/>
+              </a:bodyPr>
+              <a:lstStyle/>
+              <a:p>
+                <a:pPr/>
+                <a14:m>
+                  <m:oMathPara xmlns:m="http://schemas.openxmlformats.org/officeDocument/2006/math">
+                    <m:oMathParaPr>
+                      <m:jc m:val="left"/>
+                    </m:oMathParaPr>
+                    <m:oMath xmlns:m="http://schemas.openxmlformats.org/officeDocument/2006/math">
+                      <m:sSup>
+                        <m:sSupPr>
+                          <m:ctrlPr>
+                            <a:rPr kumimoji="1" lang="en-US" altLang="ja-JP" sz="3600" b="0" i="1" smtClean="0">
+                              <a:latin typeface="Cambria Math" panose="02040503050406030204" pitchFamily="18" charset="0"/>
+                            </a:rPr>
+                          </m:ctrlPr>
+                        </m:sSupPr>
+                        <m:e>
+                          <m:r>
+                            <a:rPr kumimoji="1" lang="en-US" altLang="ja-JP" sz="3600" b="0" i="1" smtClean="0">
+                              <a:latin typeface="Cambria Math" panose="02040503050406030204" pitchFamily="18" charset="0"/>
+                            </a:rPr>
+                            <m:t>𝑥</m:t>
+                          </m:r>
+                        </m:e>
+                        <m:sup>
+                          <m:r>
+                            <a:rPr kumimoji="1" lang="en-US" altLang="ja-JP" sz="3600" b="0" i="1" smtClean="0">
+                              <a:latin typeface="Cambria Math" panose="02040503050406030204" pitchFamily="18" charset="0"/>
+                            </a:rPr>
+                            <m:t>′</m:t>
+                          </m:r>
+                        </m:sup>
+                      </m:sSup>
+                      <m:r>
+                        <a:rPr kumimoji="1" lang="en-US" altLang="ja-JP" sz="3600" b="0" i="1" smtClean="0">
+                          <a:latin typeface="Cambria Math" panose="02040503050406030204" pitchFamily="18" charset="0"/>
+                        </a:rPr>
+                        <m:t>=</m:t>
+                      </m:r>
+                      <m:sSubSup>
+                        <m:sSubSupPr>
+                          <m:ctrlPr>
+                            <a:rPr kumimoji="1" lang="en-US" altLang="ja-JP" sz="3600" b="0" i="1" smtClean="0">
+                              <a:latin typeface="Cambria Math" panose="02040503050406030204" pitchFamily="18" charset="0"/>
+                            </a:rPr>
+                          </m:ctrlPr>
+                        </m:sSubSupPr>
+                        <m:e>
+                          <m:r>
+                            <a:rPr kumimoji="1" lang="en-US" altLang="ja-JP" sz="3600" b="0" i="1" smtClean="0">
+                              <a:latin typeface="Cambria Math" panose="02040503050406030204" pitchFamily="18" charset="0"/>
+                            </a:rPr>
+                            <m:t>𝜃</m:t>
+                          </m:r>
+                        </m:e>
+                        <m:sub>
+                          <m:r>
+                            <a:rPr kumimoji="1" lang="en-US" altLang="ja-JP" sz="3600" b="0" i="1" smtClean="0">
+                              <a:latin typeface="Cambria Math" panose="02040503050406030204" pitchFamily="18" charset="0"/>
+                            </a:rPr>
+                            <m:t>0</m:t>
+                          </m:r>
+                        </m:sub>
+                        <m:sup>
+                          <m:r>
+                            <a:rPr kumimoji="1" lang="en-US" altLang="ja-JP" sz="3600" b="0" i="1" smtClean="0">
+                              <a:latin typeface="Cambria Math" panose="02040503050406030204" pitchFamily="18" charset="0"/>
+                            </a:rPr>
+                            <m:t>′</m:t>
+                          </m:r>
+                        </m:sup>
+                      </m:sSubSup>
+                      <m:r>
+                        <a:rPr kumimoji="1" lang="en-US" altLang="ja-JP" sz="3600" b="0" i="1" smtClean="0">
+                          <a:latin typeface="Cambria Math" panose="02040503050406030204" pitchFamily="18" charset="0"/>
+                        </a:rPr>
+                        <m:t>𝑥</m:t>
+                      </m:r>
+                      <m:r>
+                        <a:rPr kumimoji="1" lang="en-US" altLang="ja-JP" sz="3600" b="0" i="1" smtClean="0">
+                          <a:latin typeface="Cambria Math" panose="02040503050406030204" pitchFamily="18" charset="0"/>
+                        </a:rPr>
+                        <m:t>+</m:t>
+                      </m:r>
+                      <m:sSubSup>
+                        <m:sSubSupPr>
+                          <m:ctrlPr>
+                            <a:rPr kumimoji="1" lang="en-US" altLang="ja-JP" sz="3600" b="0" i="1" smtClean="0">
+                              <a:latin typeface="Cambria Math" panose="02040503050406030204" pitchFamily="18" charset="0"/>
+                            </a:rPr>
+                          </m:ctrlPr>
+                        </m:sSubSupPr>
+                        <m:e>
+                          <m:r>
+                            <a:rPr kumimoji="1" lang="en-US" altLang="ja-JP" sz="3600" b="0" i="1" smtClean="0">
+                              <a:latin typeface="Cambria Math" panose="02040503050406030204" pitchFamily="18" charset="0"/>
+                            </a:rPr>
+                            <m:t>𝜃</m:t>
+                          </m:r>
+                        </m:e>
+                        <m:sub>
+                          <m:r>
+                            <a:rPr kumimoji="1" lang="en-US" altLang="ja-JP" sz="3600" b="0" i="1" smtClean="0">
+                              <a:latin typeface="Cambria Math" panose="02040503050406030204" pitchFamily="18" charset="0"/>
+                            </a:rPr>
+                            <m:t>1</m:t>
+                          </m:r>
+                        </m:sub>
+                        <m:sup>
+                          <m:r>
+                            <a:rPr kumimoji="1" lang="en-US" altLang="ja-JP" sz="3600" b="0" i="1" smtClean="0">
+                              <a:latin typeface="Cambria Math" panose="02040503050406030204" pitchFamily="18" charset="0"/>
+                            </a:rPr>
+                            <m:t>′</m:t>
+                          </m:r>
+                        </m:sup>
+                      </m:sSubSup>
+                      <m:d>
+                        <m:dPr>
+                          <m:ctrlPr>
+                            <a:rPr kumimoji="1" lang="en-US" altLang="ja-JP" sz="3600" b="0" i="1" smtClean="0">
+                              <a:latin typeface="Cambria Math" panose="02040503050406030204" pitchFamily="18" charset="0"/>
+                            </a:rPr>
+                          </m:ctrlPr>
+                        </m:dPr>
+                        <m:e>
+                          <m:r>
+                            <a:rPr kumimoji="1" lang="en-US" altLang="ja-JP" sz="3600" b="0" i="1" smtClean="0">
+                              <a:latin typeface="Cambria Math" panose="02040503050406030204" pitchFamily="18" charset="0"/>
+                              <a:ea typeface="Cambria Math" panose="02040503050406030204" pitchFamily="18" charset="0"/>
+                            </a:rPr>
+                            <m:t>ℒ</m:t>
+                          </m:r>
+                          <m:r>
+                            <a:rPr kumimoji="1" lang="en-US" altLang="ja-JP" sz="3600" b="0" i="1" smtClean="0">
+                              <a:latin typeface="Cambria Math" panose="02040503050406030204" pitchFamily="18" charset="0"/>
+                            </a:rPr>
+                            <m:t>−</m:t>
+                          </m:r>
+                          <m:r>
+                            <a:rPr kumimoji="1" lang="en-US" altLang="ja-JP" sz="3600" b="0" i="1" smtClean="0">
+                              <a:latin typeface="Cambria Math" panose="02040503050406030204" pitchFamily="18" charset="0"/>
+                            </a:rPr>
+                            <m:t>𝐼</m:t>
+                          </m:r>
+                        </m:e>
+                      </m:d>
+                      <m:r>
+                        <a:rPr kumimoji="1" lang="en-US" altLang="ja-JP" sz="3600" b="0" i="1" smtClean="0">
+                          <a:latin typeface="Cambria Math" panose="02040503050406030204" pitchFamily="18" charset="0"/>
+                        </a:rPr>
+                        <m:t>𝑥</m:t>
+                      </m:r>
+                    </m:oMath>
+                  </m:oMathPara>
+                </a14:m>
+                <a:br>
+                  <a:rPr kumimoji="1" lang="en-US" altLang="ja-JP" sz="3600" b="0" i="1" dirty="0">
+                    <a:latin typeface="Cambria Math" panose="02040503050406030204" pitchFamily="18" charset="0"/>
+                  </a:rPr>
+                </a:br>
+                <a:r>
+                  <a:rPr kumimoji="1" lang="en-US" altLang="ja-JP" sz="3600" b="0" i="1" dirty="0">
+                    <a:latin typeface="Cambria Math" panose="02040503050406030204" pitchFamily="18" charset="0"/>
+                  </a:rPr>
+                  <a:t>       </a:t>
+                </a:r>
+                <a14:m>
+                  <m:oMath xmlns:m="http://schemas.openxmlformats.org/officeDocument/2006/math">
+                    <m:r>
+                      <a:rPr kumimoji="1" lang="en-US" altLang="ja-JP" sz="3600" b="0" i="1" smtClean="0">
+                        <a:latin typeface="Cambria Math" panose="02040503050406030204" pitchFamily="18" charset="0"/>
+                      </a:rPr>
+                      <m:t>=</m:t>
+                    </m:r>
+                    <m:sSubSup>
+                      <m:sSubSupPr>
+                        <m:ctrlPr>
+                          <a:rPr kumimoji="1" lang="en-US" altLang="ja-JP" sz="3600" b="0" i="1" smtClean="0">
+                            <a:latin typeface="Cambria Math" panose="02040503050406030204" pitchFamily="18" charset="0"/>
+                          </a:rPr>
+                        </m:ctrlPr>
+                      </m:sSubSupPr>
+                      <m:e>
+                        <m:r>
+                          <a:rPr kumimoji="1" lang="en-US" altLang="ja-JP" sz="3600" b="0" i="1" smtClean="0">
+                            <a:latin typeface="Cambria Math" panose="02040503050406030204" pitchFamily="18" charset="0"/>
+                          </a:rPr>
+                          <m:t>𝜃</m:t>
+                        </m:r>
+                      </m:e>
+                      <m:sub>
+                        <m:r>
+                          <a:rPr kumimoji="1" lang="en-US" altLang="ja-JP" sz="3600" b="0" i="1" smtClean="0">
+                            <a:latin typeface="Cambria Math" panose="02040503050406030204" pitchFamily="18" charset="0"/>
+                          </a:rPr>
+                          <m:t>0</m:t>
+                        </m:r>
+                      </m:sub>
+                      <m:sup>
+                        <m:r>
+                          <a:rPr kumimoji="1" lang="en-US" altLang="ja-JP" sz="3600" b="0" i="1" smtClean="0">
+                            <a:latin typeface="Cambria Math" panose="02040503050406030204" pitchFamily="18" charset="0"/>
+                          </a:rPr>
+                          <m:t>′</m:t>
+                        </m:r>
+                      </m:sup>
+                    </m:sSubSup>
+                    <m:r>
+                      <a:rPr kumimoji="1" lang="en-US" altLang="ja-JP" sz="3600" b="0" i="1" smtClean="0">
+                        <a:latin typeface="Cambria Math" panose="02040503050406030204" pitchFamily="18" charset="0"/>
+                      </a:rPr>
+                      <m:t>𝑥</m:t>
+                    </m:r>
+                    <m:r>
+                      <a:rPr kumimoji="1" lang="en-US" altLang="ja-JP" sz="3600" b="0" i="1" smtClean="0">
+                        <a:latin typeface="Cambria Math" panose="02040503050406030204" pitchFamily="18" charset="0"/>
+                      </a:rPr>
+                      <m:t>−</m:t>
+                    </m:r>
+                    <m:sSubSup>
+                      <m:sSubSupPr>
+                        <m:ctrlPr>
+                          <a:rPr kumimoji="1" lang="en-US" altLang="ja-JP" sz="3600" b="0" i="1" smtClean="0">
+                            <a:latin typeface="Cambria Math" panose="02040503050406030204" pitchFamily="18" charset="0"/>
+                          </a:rPr>
+                        </m:ctrlPr>
+                      </m:sSubSupPr>
+                      <m:e>
+                        <m:r>
+                          <a:rPr kumimoji="1" lang="en-US" altLang="ja-JP" sz="3600" b="0" i="1" smtClean="0">
+                            <a:latin typeface="Cambria Math" panose="02040503050406030204" pitchFamily="18" charset="0"/>
+                          </a:rPr>
+                          <m:t>𝜃</m:t>
+                        </m:r>
+                      </m:e>
+                      <m:sub>
+                        <m:r>
+                          <a:rPr kumimoji="1" lang="en-US" altLang="ja-JP" sz="3600" b="0" i="1" smtClean="0">
+                            <a:latin typeface="Cambria Math" panose="02040503050406030204" pitchFamily="18" charset="0"/>
+                          </a:rPr>
+                          <m:t>1</m:t>
+                        </m:r>
+                      </m:sub>
+                      <m:sup>
+                        <m:r>
+                          <a:rPr kumimoji="1" lang="en-US" altLang="ja-JP" sz="3600" b="0" i="1" smtClean="0">
+                            <a:latin typeface="Cambria Math" panose="02040503050406030204" pitchFamily="18" charset="0"/>
+                          </a:rPr>
+                          <m:t>′</m:t>
+                        </m:r>
+                      </m:sup>
+                    </m:sSubSup>
+                    <m:sSup>
+                      <m:sSupPr>
+                        <m:ctrlPr>
+                          <a:rPr kumimoji="1" lang="en-US" altLang="ja-JP" sz="3600" b="0" i="1" smtClean="0">
+                            <a:latin typeface="Cambria Math" panose="02040503050406030204" pitchFamily="18" charset="0"/>
+                          </a:rPr>
+                        </m:ctrlPr>
+                      </m:sSupPr>
+                      <m:e>
+                        <m:r>
+                          <a:rPr kumimoji="1" lang="en-US" altLang="ja-JP" sz="3600" b="0" i="1" smtClean="0">
+                            <a:latin typeface="Cambria Math" panose="02040503050406030204" pitchFamily="18" charset="0"/>
+                          </a:rPr>
+                          <m:t>𝐷</m:t>
+                        </m:r>
+                      </m:e>
+                      <m:sup>
+                        <m:r>
+                          <a:rPr kumimoji="1" lang="en-US" altLang="ja-JP" sz="3600" b="0" i="1" smtClean="0">
+                            <a:latin typeface="Cambria Math" panose="02040503050406030204" pitchFamily="18" charset="0"/>
+                          </a:rPr>
+                          <m:t>−</m:t>
+                        </m:r>
+                        <m:f>
+                          <m:fPr>
+                            <m:ctrlPr>
+                              <a:rPr kumimoji="1" lang="en-US" altLang="ja-JP" sz="3600" b="0" i="1" smtClean="0">
+                                <a:latin typeface="Cambria Math" panose="02040503050406030204" pitchFamily="18" charset="0"/>
+                              </a:rPr>
+                            </m:ctrlPr>
+                          </m:fPr>
+                          <m:num>
+                            <m:r>
+                              <a:rPr kumimoji="1" lang="en-US" altLang="ja-JP" sz="3600" b="0" i="1" smtClean="0">
+                                <a:latin typeface="Cambria Math" panose="02040503050406030204" pitchFamily="18" charset="0"/>
+                              </a:rPr>
+                              <m:t>1</m:t>
+                            </m:r>
+                          </m:num>
+                          <m:den>
+                            <m:r>
+                              <a:rPr kumimoji="1" lang="en-US" altLang="ja-JP" sz="3600" b="0" i="1" smtClean="0">
+                                <a:latin typeface="Cambria Math" panose="02040503050406030204" pitchFamily="18" charset="0"/>
+                              </a:rPr>
+                              <m:t>2</m:t>
+                            </m:r>
+                          </m:den>
+                        </m:f>
+                      </m:sup>
+                    </m:sSup>
+                    <m:r>
+                      <a:rPr kumimoji="1" lang="en-US" altLang="ja-JP" sz="3600" b="0" i="1" smtClean="0">
+                        <a:latin typeface="Cambria Math" panose="02040503050406030204" pitchFamily="18" charset="0"/>
+                      </a:rPr>
+                      <m:t>𝐴</m:t>
+                    </m:r>
+                    <m:sSup>
+                      <m:sSupPr>
+                        <m:ctrlPr>
+                          <a:rPr kumimoji="1" lang="en-US" altLang="ja-JP" sz="3600" b="0" i="1" smtClean="0">
+                            <a:latin typeface="Cambria Math" panose="02040503050406030204" pitchFamily="18" charset="0"/>
+                          </a:rPr>
+                        </m:ctrlPr>
+                      </m:sSupPr>
+                      <m:e>
+                        <m:r>
+                          <a:rPr kumimoji="1" lang="en-US" altLang="ja-JP" sz="3600" b="0" i="1" smtClean="0">
+                            <a:latin typeface="Cambria Math" panose="02040503050406030204" pitchFamily="18" charset="0"/>
+                          </a:rPr>
+                          <m:t>𝐷</m:t>
+                        </m:r>
+                      </m:e>
+                      <m:sup>
+                        <m:r>
+                          <a:rPr kumimoji="1" lang="en-US" altLang="ja-JP" sz="3600" b="0" i="1" smtClean="0">
+                            <a:latin typeface="Cambria Math" panose="02040503050406030204" pitchFamily="18" charset="0"/>
+                          </a:rPr>
+                          <m:t>−</m:t>
+                        </m:r>
+                        <m:f>
+                          <m:fPr>
+                            <m:ctrlPr>
+                              <a:rPr kumimoji="1" lang="en-US" altLang="ja-JP" sz="3600" b="0" i="1" smtClean="0">
+                                <a:latin typeface="Cambria Math" panose="02040503050406030204" pitchFamily="18" charset="0"/>
+                              </a:rPr>
+                            </m:ctrlPr>
+                          </m:fPr>
+                          <m:num>
+                            <m:r>
+                              <a:rPr kumimoji="1" lang="en-US" altLang="ja-JP" sz="3600" b="0" i="1" smtClean="0">
+                                <a:latin typeface="Cambria Math" panose="02040503050406030204" pitchFamily="18" charset="0"/>
+                              </a:rPr>
+                              <m:t>1</m:t>
+                            </m:r>
+                          </m:num>
+                          <m:den>
+                            <m:r>
+                              <a:rPr kumimoji="1" lang="en-US" altLang="ja-JP" sz="3600" b="0" i="1" smtClean="0">
+                                <a:latin typeface="Cambria Math" panose="02040503050406030204" pitchFamily="18" charset="0"/>
+                              </a:rPr>
+                              <m:t>2</m:t>
+                            </m:r>
+                          </m:den>
+                        </m:f>
+                      </m:sup>
+                    </m:sSup>
+                    <m:r>
+                      <a:rPr kumimoji="1" lang="en-US" altLang="ja-JP" sz="3600" b="0" i="1" smtClean="0">
+                        <a:latin typeface="Cambria Math" panose="02040503050406030204" pitchFamily="18" charset="0"/>
+                      </a:rPr>
+                      <m:t>𝑥</m:t>
+                    </m:r>
+                  </m:oMath>
+                </a14:m>
+                <a:endParaRPr kumimoji="1" lang="en-US" altLang="ja-JP" sz="3600" dirty="0"/>
+              </a:p>
+              <a:p>
+                <a14:m>
+                  <m:oMath xmlns:m="http://schemas.openxmlformats.org/officeDocument/2006/math">
+                    <m:sSub>
+                      <m:sSubPr>
+                        <m:ctrlPr>
+                          <a:rPr kumimoji="1" lang="en-US" altLang="ja-JP" sz="3600" b="0" i="1" smtClean="0">
+                            <a:latin typeface="Cambria Math" panose="02040503050406030204" pitchFamily="18" charset="0"/>
+                          </a:rPr>
+                        </m:ctrlPr>
+                      </m:sSubPr>
+                      <m:e>
+                        <m:r>
+                          <a:rPr kumimoji="1" lang="en-US" altLang="ja-JP" sz="3600" b="0" i="1" smtClean="0">
+                            <a:latin typeface="Cambria Math" panose="02040503050406030204" pitchFamily="18" charset="0"/>
+                          </a:rPr>
+                          <m:t>𝜃</m:t>
+                        </m:r>
+                      </m:e>
+                      <m:sub>
+                        <m:r>
+                          <a:rPr kumimoji="1" lang="en-US" altLang="ja-JP" sz="3600" b="0" i="1" smtClean="0">
+                            <a:latin typeface="Cambria Math" panose="02040503050406030204" pitchFamily="18" charset="0"/>
+                          </a:rPr>
+                          <m:t>0</m:t>
+                        </m:r>
+                      </m:sub>
+                    </m:sSub>
+                    <m:r>
+                      <a:rPr kumimoji="1" lang="en-US" altLang="ja-JP" sz="3600" b="0" i="1" smtClean="0">
+                        <a:latin typeface="Cambria Math" panose="02040503050406030204" pitchFamily="18" charset="0"/>
+                      </a:rPr>
+                      <m:t>=</m:t>
+                    </m:r>
+                    <m:sSub>
+                      <m:sSubPr>
+                        <m:ctrlPr>
+                          <a:rPr kumimoji="1" lang="en-US" altLang="ja-JP" sz="3600" b="0" i="1" smtClean="0">
+                            <a:latin typeface="Cambria Math" panose="02040503050406030204" pitchFamily="18" charset="0"/>
+                          </a:rPr>
+                        </m:ctrlPr>
+                      </m:sSubPr>
+                      <m:e>
+                        <m:r>
+                          <a:rPr kumimoji="1" lang="en-US" altLang="ja-JP" sz="3600" b="0" i="1" smtClean="0">
+                            <a:latin typeface="Cambria Math" panose="02040503050406030204" pitchFamily="18" charset="0"/>
+                          </a:rPr>
+                          <m:t>𝜃</m:t>
+                        </m:r>
+                      </m:e>
+                      <m:sub>
+                        <m:r>
+                          <a:rPr kumimoji="1" lang="en-US" altLang="ja-JP" sz="3600" b="0" i="1" smtClean="0">
+                            <a:latin typeface="Cambria Math" panose="02040503050406030204" pitchFamily="18" charset="0"/>
+                          </a:rPr>
+                          <m:t>1</m:t>
+                        </m:r>
+                      </m:sub>
+                    </m:sSub>
+                  </m:oMath>
+                </a14:m>
+                <a:r>
+                  <a:rPr kumimoji="1" lang="ja-JP" altLang="en-US" sz="3600" dirty="0"/>
+                  <a:t>とする</a:t>
+                </a:r>
+                <a:endParaRPr kumimoji="1" lang="en-US" altLang="ja-JP" sz="3600" dirty="0"/>
+              </a:p>
+              <a:p>
+                <a:pPr/>
+                <a:r>
+                  <a:rPr kumimoji="1" lang="en-US" altLang="ja-JP" sz="3600" b="0" dirty="0"/>
+                  <a:t>      </a:t>
+                </a:r>
+                <a14:m>
+                  <m:oMath xmlns:m="http://schemas.openxmlformats.org/officeDocument/2006/math">
+                    <m:r>
+                      <a:rPr kumimoji="1" lang="en-US" altLang="ja-JP" sz="3600" b="0" i="1" smtClean="0">
+                        <a:latin typeface="Cambria Math" panose="02040503050406030204" pitchFamily="18" charset="0"/>
+                      </a:rPr>
+                      <m:t>=</m:t>
+                    </m:r>
+                    <m:r>
+                      <a:rPr kumimoji="1" lang="en-US" altLang="ja-JP" sz="3600" b="0" i="1" smtClean="0">
+                        <a:latin typeface="Cambria Math" panose="02040503050406030204" pitchFamily="18" charset="0"/>
+                      </a:rPr>
+                      <m:t>𝜃</m:t>
+                    </m:r>
+                    <m:d>
+                      <m:dPr>
+                        <m:ctrlPr>
+                          <a:rPr kumimoji="1" lang="en-US" altLang="ja-JP" sz="3600" b="0" i="1" smtClean="0">
+                            <a:latin typeface="Cambria Math" panose="02040503050406030204" pitchFamily="18" charset="0"/>
+                          </a:rPr>
+                        </m:ctrlPr>
+                      </m:dPr>
+                      <m:e>
+                        <m:r>
+                          <a:rPr kumimoji="1" lang="en-US" altLang="ja-JP" sz="3600" b="0" i="1" smtClean="0">
+                            <a:latin typeface="Cambria Math" panose="02040503050406030204" pitchFamily="18" charset="0"/>
+                          </a:rPr>
+                          <m:t>𝐼</m:t>
+                        </m:r>
+                        <m:r>
+                          <a:rPr kumimoji="1" lang="en-US" altLang="ja-JP" sz="3600" b="0" i="1" smtClean="0">
+                            <a:latin typeface="Cambria Math" panose="02040503050406030204" pitchFamily="18" charset="0"/>
+                          </a:rPr>
+                          <m:t>+</m:t>
+                        </m:r>
+                        <m:sSup>
+                          <m:sSupPr>
+                            <m:ctrlPr>
+                              <a:rPr kumimoji="1" lang="en-US" altLang="ja-JP" sz="3600" b="0" i="1" smtClean="0">
+                                <a:latin typeface="Cambria Math" panose="02040503050406030204" pitchFamily="18" charset="0"/>
+                              </a:rPr>
+                            </m:ctrlPr>
+                          </m:sSupPr>
+                          <m:e>
+                            <m:r>
+                              <a:rPr kumimoji="1" lang="en-US" altLang="ja-JP" sz="3600" b="0" i="1" smtClean="0">
+                                <a:latin typeface="Cambria Math" panose="02040503050406030204" pitchFamily="18" charset="0"/>
+                              </a:rPr>
+                              <m:t>𝐷</m:t>
+                            </m:r>
+                          </m:e>
+                          <m:sup>
+                            <m:r>
+                              <a:rPr kumimoji="1" lang="en-US" altLang="ja-JP" sz="3600" b="0" i="1" smtClean="0">
+                                <a:latin typeface="Cambria Math" panose="02040503050406030204" pitchFamily="18" charset="0"/>
+                              </a:rPr>
+                              <m:t>−</m:t>
+                            </m:r>
+                            <m:f>
+                              <m:fPr>
+                                <m:ctrlPr>
+                                  <a:rPr kumimoji="1" lang="en-US" altLang="ja-JP" sz="3600" b="0" i="1" smtClean="0">
+                                    <a:latin typeface="Cambria Math" panose="02040503050406030204" pitchFamily="18" charset="0"/>
+                                  </a:rPr>
+                                </m:ctrlPr>
+                              </m:fPr>
+                              <m:num>
+                                <m:r>
+                                  <a:rPr kumimoji="1" lang="en-US" altLang="ja-JP" sz="3600" b="0" i="1" smtClean="0">
+                                    <a:latin typeface="Cambria Math" panose="02040503050406030204" pitchFamily="18" charset="0"/>
+                                  </a:rPr>
+                                  <m:t>1</m:t>
+                                </m:r>
+                              </m:num>
+                              <m:den>
+                                <m:r>
+                                  <a:rPr kumimoji="1" lang="en-US" altLang="ja-JP" sz="3600" b="0" i="1" smtClean="0">
+                                    <a:latin typeface="Cambria Math" panose="02040503050406030204" pitchFamily="18" charset="0"/>
+                                  </a:rPr>
+                                  <m:t>2</m:t>
+                                </m:r>
+                              </m:den>
+                            </m:f>
+                          </m:sup>
+                        </m:sSup>
+                        <m:r>
+                          <a:rPr kumimoji="1" lang="en-US" altLang="ja-JP" sz="3600" b="0" i="1" smtClean="0">
+                            <a:latin typeface="Cambria Math" panose="02040503050406030204" pitchFamily="18" charset="0"/>
+                          </a:rPr>
+                          <m:t>𝐴</m:t>
+                        </m:r>
+                        <m:sSup>
+                          <m:sSupPr>
+                            <m:ctrlPr>
+                              <a:rPr kumimoji="1" lang="en-US" altLang="ja-JP" sz="3600" b="0" i="1" smtClean="0">
+                                <a:latin typeface="Cambria Math" panose="02040503050406030204" pitchFamily="18" charset="0"/>
+                              </a:rPr>
+                            </m:ctrlPr>
+                          </m:sSupPr>
+                          <m:e>
+                            <m:r>
+                              <a:rPr kumimoji="1" lang="en-US" altLang="ja-JP" sz="3600" b="0" i="1" smtClean="0">
+                                <a:latin typeface="Cambria Math" panose="02040503050406030204" pitchFamily="18" charset="0"/>
+                              </a:rPr>
+                              <m:t>𝐷</m:t>
+                            </m:r>
+                          </m:e>
+                          <m:sup>
+                            <m:r>
+                              <a:rPr kumimoji="1" lang="en-US" altLang="ja-JP" sz="3600" b="0" i="1" smtClean="0">
+                                <a:latin typeface="Cambria Math" panose="02040503050406030204" pitchFamily="18" charset="0"/>
+                              </a:rPr>
+                              <m:t>−</m:t>
+                            </m:r>
+                            <m:f>
+                              <m:fPr>
+                                <m:ctrlPr>
+                                  <a:rPr kumimoji="1" lang="en-US" altLang="ja-JP" sz="3600" b="0" i="1" smtClean="0">
+                                    <a:latin typeface="Cambria Math" panose="02040503050406030204" pitchFamily="18" charset="0"/>
+                                  </a:rPr>
+                                </m:ctrlPr>
+                              </m:fPr>
+                              <m:num>
+                                <m:r>
+                                  <a:rPr kumimoji="1" lang="en-US" altLang="ja-JP" sz="3600" b="0" i="1" smtClean="0">
+                                    <a:latin typeface="Cambria Math" panose="02040503050406030204" pitchFamily="18" charset="0"/>
+                                  </a:rPr>
+                                  <m:t>1</m:t>
+                                </m:r>
+                              </m:num>
+                              <m:den>
+                                <m:r>
+                                  <a:rPr kumimoji="1" lang="en-US" altLang="ja-JP" sz="3600" b="0" i="1" smtClean="0">
+                                    <a:latin typeface="Cambria Math" panose="02040503050406030204" pitchFamily="18" charset="0"/>
+                                  </a:rPr>
+                                  <m:t>2</m:t>
+                                </m:r>
+                              </m:den>
+                            </m:f>
+                          </m:sup>
+                        </m:sSup>
+                      </m:e>
+                    </m:d>
+                    <m:r>
+                      <a:rPr kumimoji="1" lang="en-US" altLang="ja-JP" sz="3600" b="0" i="1" smtClean="0">
+                        <a:latin typeface="Cambria Math" panose="02040503050406030204" pitchFamily="18" charset="0"/>
+                      </a:rPr>
+                      <m:t>𝑥</m:t>
+                    </m:r>
+                  </m:oMath>
+                </a14:m>
+                <a:endParaRPr kumimoji="1" lang="en-US" altLang="ja-JP" sz="3600" b="0" i="1" dirty="0">
+                  <a:latin typeface="Cambria Math" panose="02040503050406030204" pitchFamily="18" charset="0"/>
+                </a:endParaRPr>
+              </a:p>
+              <a:p>
+                <a:pPr/>
+                <a14:m>
+                  <m:oMathPara xmlns:m="http://schemas.openxmlformats.org/officeDocument/2006/math">
+                    <m:oMathParaPr>
+                      <m:jc m:val="left"/>
+                    </m:oMathParaPr>
+                    <m:oMath xmlns:m="http://schemas.openxmlformats.org/officeDocument/2006/math">
+                      <m:r>
+                        <a:rPr kumimoji="1" lang="en-US" altLang="ja-JP" sz="3600" b="0" i="1" smtClean="0">
+                          <a:latin typeface="Cambria Math" panose="02040503050406030204" pitchFamily="18" charset="0"/>
+                        </a:rPr>
+                        <m:t>𝐼</m:t>
+                      </m:r>
+                      <m:r>
+                        <a:rPr kumimoji="1" lang="en-US" altLang="ja-JP" sz="3600" b="0" i="1" smtClean="0">
+                          <a:latin typeface="Cambria Math" panose="02040503050406030204" pitchFamily="18" charset="0"/>
+                        </a:rPr>
+                        <m:t>+</m:t>
+                      </m:r>
+                      <m:sSup>
+                        <m:sSupPr>
+                          <m:ctrlPr>
+                            <a:rPr kumimoji="1" lang="en-US" altLang="ja-JP" sz="3600" b="0" i="1" smtClean="0">
+                              <a:latin typeface="Cambria Math" panose="02040503050406030204" pitchFamily="18" charset="0"/>
+                            </a:rPr>
+                          </m:ctrlPr>
+                        </m:sSupPr>
+                        <m:e>
+                          <m:r>
+                            <a:rPr kumimoji="1" lang="en-US" altLang="ja-JP" sz="3600" b="0" i="1" smtClean="0">
+                              <a:latin typeface="Cambria Math" panose="02040503050406030204" pitchFamily="18" charset="0"/>
+                            </a:rPr>
+                            <m:t>𝐷</m:t>
+                          </m:r>
+                        </m:e>
+                        <m:sup>
+                          <m:r>
+                            <a:rPr kumimoji="1" lang="en-US" altLang="ja-JP" sz="3600" b="0" i="1" smtClean="0">
+                              <a:latin typeface="Cambria Math" panose="02040503050406030204" pitchFamily="18" charset="0"/>
+                            </a:rPr>
+                            <m:t>−</m:t>
+                          </m:r>
+                          <m:f>
+                            <m:fPr>
+                              <m:ctrlPr>
+                                <a:rPr kumimoji="1" lang="en-US" altLang="ja-JP" sz="3600" b="0" i="1" smtClean="0">
+                                  <a:latin typeface="Cambria Math" panose="02040503050406030204" pitchFamily="18" charset="0"/>
+                                </a:rPr>
+                              </m:ctrlPr>
+                            </m:fPr>
+                            <m:num>
+                              <m:r>
+                                <a:rPr kumimoji="1" lang="en-US" altLang="ja-JP" sz="3600" b="0" i="1" smtClean="0">
+                                  <a:latin typeface="Cambria Math" panose="02040503050406030204" pitchFamily="18" charset="0"/>
+                                </a:rPr>
+                                <m:t>1</m:t>
+                              </m:r>
+                            </m:num>
+                            <m:den>
+                              <m:r>
+                                <a:rPr kumimoji="1" lang="en-US" altLang="ja-JP" sz="3600" b="0" i="1" smtClean="0">
+                                  <a:latin typeface="Cambria Math" panose="02040503050406030204" pitchFamily="18" charset="0"/>
+                                </a:rPr>
+                                <m:t>2</m:t>
+                              </m:r>
+                            </m:den>
+                          </m:f>
+                        </m:sup>
+                      </m:sSup>
+                      <m:r>
+                        <a:rPr kumimoji="1" lang="en-US" altLang="ja-JP" sz="3600" b="0" i="1" smtClean="0">
+                          <a:latin typeface="Cambria Math" panose="02040503050406030204" pitchFamily="18" charset="0"/>
+                        </a:rPr>
+                        <m:t>𝐴</m:t>
+                      </m:r>
+                      <m:sSup>
+                        <m:sSupPr>
+                          <m:ctrlPr>
+                            <a:rPr kumimoji="1" lang="en-US" altLang="ja-JP" sz="3600" b="0" i="1" smtClean="0">
+                              <a:latin typeface="Cambria Math" panose="02040503050406030204" pitchFamily="18" charset="0"/>
+                            </a:rPr>
+                          </m:ctrlPr>
+                        </m:sSupPr>
+                        <m:e>
+                          <m:r>
+                            <a:rPr kumimoji="1" lang="en-US" altLang="ja-JP" sz="3600" b="0" i="1" smtClean="0">
+                              <a:latin typeface="Cambria Math" panose="02040503050406030204" pitchFamily="18" charset="0"/>
+                            </a:rPr>
+                            <m:t>𝐷</m:t>
+                          </m:r>
+                        </m:e>
+                        <m:sup>
+                          <m:r>
+                            <a:rPr kumimoji="1" lang="en-US" altLang="ja-JP" sz="3600" b="0" i="1" smtClean="0">
+                              <a:latin typeface="Cambria Math" panose="02040503050406030204" pitchFamily="18" charset="0"/>
+                            </a:rPr>
+                            <m:t>−</m:t>
+                          </m:r>
+                          <m:f>
+                            <m:fPr>
+                              <m:ctrlPr>
+                                <a:rPr kumimoji="1" lang="en-US" altLang="ja-JP" sz="3600" b="0" i="1" smtClean="0">
+                                  <a:latin typeface="Cambria Math" panose="02040503050406030204" pitchFamily="18" charset="0"/>
+                                </a:rPr>
+                              </m:ctrlPr>
+                            </m:fPr>
+                            <m:num>
+                              <m:r>
+                                <a:rPr kumimoji="1" lang="en-US" altLang="ja-JP" sz="3600" b="0" i="1" smtClean="0">
+                                  <a:latin typeface="Cambria Math" panose="02040503050406030204" pitchFamily="18" charset="0"/>
+                                </a:rPr>
+                                <m:t>1</m:t>
+                              </m:r>
+                            </m:num>
+                            <m:den>
+                              <m:r>
+                                <a:rPr kumimoji="1" lang="en-US" altLang="ja-JP" sz="3600" b="0" i="1" smtClean="0">
+                                  <a:latin typeface="Cambria Math" panose="02040503050406030204" pitchFamily="18" charset="0"/>
+                                </a:rPr>
+                                <m:t>2</m:t>
+                              </m:r>
+                            </m:den>
+                          </m:f>
+                        </m:sup>
+                      </m:sSup>
+                      <m:r>
+                        <a:rPr kumimoji="1" lang="en-US" altLang="ja-JP" sz="3600" b="0" i="1" smtClean="0">
+                          <a:latin typeface="Cambria Math" panose="02040503050406030204" pitchFamily="18" charset="0"/>
+                          <a:ea typeface="Cambria Math" panose="02040503050406030204" pitchFamily="18" charset="0"/>
+                        </a:rPr>
+                        <m:t>→</m:t>
+                      </m:r>
+                      <m:sSup>
+                        <m:sSupPr>
+                          <m:ctrlPr>
+                            <a:rPr kumimoji="1" lang="en-US" altLang="ja-JP" sz="3600" b="0" i="1" smtClean="0">
+                              <a:latin typeface="Cambria Math" panose="02040503050406030204" pitchFamily="18" charset="0"/>
+                              <a:ea typeface="Cambria Math" panose="02040503050406030204" pitchFamily="18" charset="0"/>
+                            </a:rPr>
+                          </m:ctrlPr>
+                        </m:sSupPr>
+                        <m:e>
+                          <m:acc>
+                            <m:accPr>
+                              <m:chr m:val="̌"/>
+                              <m:ctrlPr>
+                                <a:rPr kumimoji="1" lang="en-US" altLang="ja-JP" sz="3600" b="0" i="1" smtClean="0">
+                                  <a:latin typeface="Cambria Math" panose="02040503050406030204" pitchFamily="18" charset="0"/>
+                                  <a:ea typeface="Cambria Math" panose="02040503050406030204" pitchFamily="18" charset="0"/>
+                                </a:rPr>
+                              </m:ctrlPr>
+                            </m:accPr>
+                            <m:e>
+                              <m:r>
+                                <a:rPr kumimoji="1" lang="en-US" altLang="ja-JP" sz="3600" b="0" i="1" smtClean="0">
+                                  <a:latin typeface="Cambria Math" panose="02040503050406030204" pitchFamily="18" charset="0"/>
+                                  <a:ea typeface="Cambria Math" panose="02040503050406030204" pitchFamily="18" charset="0"/>
+                                </a:rPr>
+                                <m:t>𝐷</m:t>
+                              </m:r>
+                            </m:e>
+                          </m:acc>
+                        </m:e>
+                        <m:sup>
+                          <m:r>
+                            <a:rPr kumimoji="1" lang="en-US" altLang="ja-JP" sz="3600" b="0" i="1" smtClean="0">
+                              <a:latin typeface="Cambria Math" panose="02040503050406030204" pitchFamily="18" charset="0"/>
+                            </a:rPr>
+                            <m:t>−</m:t>
+                          </m:r>
+                          <m:f>
+                            <m:fPr>
+                              <m:ctrlPr>
+                                <a:rPr kumimoji="1" lang="en-US" altLang="ja-JP" sz="3600" b="0" i="1" smtClean="0">
+                                  <a:latin typeface="Cambria Math" panose="02040503050406030204" pitchFamily="18" charset="0"/>
+                                </a:rPr>
+                              </m:ctrlPr>
+                            </m:fPr>
+                            <m:num>
+                              <m:r>
+                                <a:rPr kumimoji="1" lang="en-US" altLang="ja-JP" sz="3600" b="0" i="1" smtClean="0">
+                                  <a:latin typeface="Cambria Math" panose="02040503050406030204" pitchFamily="18" charset="0"/>
+                                </a:rPr>
+                                <m:t>1</m:t>
+                              </m:r>
+                            </m:num>
+                            <m:den>
+                              <m:r>
+                                <a:rPr kumimoji="1" lang="en-US" altLang="ja-JP" sz="3600" b="0" i="1" smtClean="0">
+                                  <a:latin typeface="Cambria Math" panose="02040503050406030204" pitchFamily="18" charset="0"/>
+                                </a:rPr>
+                                <m:t>2</m:t>
+                              </m:r>
+                            </m:den>
+                          </m:f>
+                        </m:sup>
+                      </m:sSup>
+                      <m:acc>
+                        <m:accPr>
+                          <m:chr m:val="̌"/>
+                          <m:ctrlPr>
+                            <a:rPr kumimoji="1" lang="en-US" altLang="ja-JP" sz="3600" b="0" i="1" smtClean="0">
+                              <a:latin typeface="Cambria Math" panose="02040503050406030204" pitchFamily="18" charset="0"/>
+                            </a:rPr>
+                          </m:ctrlPr>
+                        </m:accPr>
+                        <m:e>
+                          <m:r>
+                            <a:rPr kumimoji="1" lang="en-US" altLang="ja-JP" sz="3600" b="0" i="1" smtClean="0">
+                              <a:latin typeface="Cambria Math" panose="02040503050406030204" pitchFamily="18" charset="0"/>
+                            </a:rPr>
+                            <m:t>𝐴</m:t>
+                          </m:r>
+                        </m:e>
+                      </m:acc>
+                      <m:sSup>
+                        <m:sSupPr>
+                          <m:ctrlPr>
+                            <a:rPr kumimoji="1" lang="en-US" altLang="ja-JP" sz="3600" b="0" i="1" smtClean="0">
+                              <a:latin typeface="Cambria Math" panose="02040503050406030204" pitchFamily="18" charset="0"/>
+                            </a:rPr>
+                          </m:ctrlPr>
+                        </m:sSupPr>
+                        <m:e>
+                          <m:acc>
+                            <m:accPr>
+                              <m:chr m:val="̌"/>
+                              <m:ctrlPr>
+                                <a:rPr kumimoji="1" lang="en-US" altLang="ja-JP" sz="3600" b="0" i="1" smtClean="0">
+                                  <a:latin typeface="Cambria Math" panose="02040503050406030204" pitchFamily="18" charset="0"/>
+                                </a:rPr>
+                              </m:ctrlPr>
+                            </m:accPr>
+                            <m:e>
+                              <m:r>
+                                <a:rPr kumimoji="1" lang="en-US" altLang="ja-JP" sz="3600" b="0" i="1" smtClean="0">
+                                  <a:latin typeface="Cambria Math" panose="02040503050406030204" pitchFamily="18" charset="0"/>
+                                </a:rPr>
+                                <m:t>𝐷</m:t>
+                              </m:r>
+                            </m:e>
+                          </m:acc>
+                        </m:e>
+                        <m:sup>
+                          <m:r>
+                            <a:rPr kumimoji="1" lang="en-US" altLang="ja-JP" sz="3600" b="0" i="1" smtClean="0">
+                              <a:latin typeface="Cambria Math" panose="02040503050406030204" pitchFamily="18" charset="0"/>
+                            </a:rPr>
+                            <m:t>−</m:t>
+                          </m:r>
+                          <m:f>
+                            <m:fPr>
+                              <m:ctrlPr>
+                                <a:rPr kumimoji="1" lang="en-US" altLang="ja-JP" sz="3600" b="0" i="1" smtClean="0">
+                                  <a:latin typeface="Cambria Math" panose="02040503050406030204" pitchFamily="18" charset="0"/>
+                                </a:rPr>
+                              </m:ctrlPr>
+                            </m:fPr>
+                            <m:num>
+                              <m:r>
+                                <a:rPr kumimoji="1" lang="en-US" altLang="ja-JP" sz="3600" b="0" i="1" smtClean="0">
+                                  <a:latin typeface="Cambria Math" panose="02040503050406030204" pitchFamily="18" charset="0"/>
+                                </a:rPr>
+                                <m:t>1</m:t>
+                              </m:r>
+                            </m:num>
+                            <m:den>
+                              <m:r>
+                                <a:rPr kumimoji="1" lang="en-US" altLang="ja-JP" sz="3600" b="0" i="1" smtClean="0">
+                                  <a:latin typeface="Cambria Math" panose="02040503050406030204" pitchFamily="18" charset="0"/>
+                                </a:rPr>
+                                <m:t>2</m:t>
+                              </m:r>
+                            </m:den>
+                          </m:f>
+                        </m:sup>
+                      </m:sSup>
+                    </m:oMath>
+                  </m:oMathPara>
+                </a14:m>
+                <a:endParaRPr kumimoji="1" lang="ja-JP" altLang="en-US" sz="3600" dirty="0"/>
+              </a:p>
+            </p:txBody>
+          </p:sp>
+        </mc:Choice>
+        <mc:Fallback>
+          <p:sp>
+            <p:nvSpPr>
+              <p:cNvPr id="7" name="テキスト ボックス 6">
+                <a:extLst>
+                  <a:ext uri="{FF2B5EF4-FFF2-40B4-BE49-F238E27FC236}">
+                    <a16:creationId xmlns:a16="http://schemas.microsoft.com/office/drawing/2014/main" id="{C8268806-65FC-7B62-C909-4D1D46AFE250}"/>
+                  </a:ext>
+                </a:extLst>
+              </p:cNvPr>
+              <p:cNvSpPr txBox="1">
+                <a:spLocks noRot="1" noChangeAspect="1" noMove="1" noResize="1" noEditPoints="1" noAdjustHandles="1" noChangeArrowheads="1" noChangeShapeType="1" noTextEdit="1"/>
+              </p:cNvSpPr>
+              <p:nvPr/>
+            </p:nvSpPr>
+            <p:spPr>
+              <a:xfrm>
+                <a:off x="161544" y="3404057"/>
+                <a:ext cx="9866876" cy="3428054"/>
+              </a:xfrm>
+              <a:prstGeom prst="rect">
+                <a:avLst/>
+              </a:prstGeom>
+              <a:blipFill>
+                <a:blip r:embed="rId5"/>
+                <a:stretch>
+                  <a:fillRect/>
+                </a:stretch>
+              </a:blipFill>
+            </p:spPr>
+            <p:txBody>
+              <a:bodyPr/>
+              <a:lstStyle/>
+              <a:p>
+                <a:r>
+                  <a:rPr lang="ja-JP" altLang="en-US">
+                    <a:noFill/>
+                  </a:rPr>
+                  <a:t> </a:t>
+                </a:r>
+              </a:p>
+            </p:txBody>
+          </p:sp>
+        </mc:Fallback>
+      </mc:AlternateContent>
+      <mc:AlternateContent xmlns:mc="http://schemas.openxmlformats.org/markup-compatibility/2006">
+        <mc:Choice xmlns:a14="http://schemas.microsoft.com/office/drawing/2010/main" Requires="a14">
+          <p:sp>
+            <p:nvSpPr>
+              <p:cNvPr id="8" name="テキスト ボックス 7">
+                <a:extLst>
+                  <a:ext uri="{FF2B5EF4-FFF2-40B4-BE49-F238E27FC236}">
+                    <a16:creationId xmlns:a16="http://schemas.microsoft.com/office/drawing/2014/main" id="{D3364467-6949-8ABF-FE19-F9E43BC1AC91}"/>
+                  </a:ext>
+                </a:extLst>
+              </p:cNvPr>
+              <p:cNvSpPr txBox="1"/>
+              <p:nvPr/>
+            </p:nvSpPr>
+            <p:spPr>
+              <a:xfrm>
+                <a:off x="7564716" y="3892486"/>
+                <a:ext cx="4449488" cy="841384"/>
+              </a:xfrm>
+              <a:prstGeom prst="rect">
+                <a:avLst/>
+              </a:prstGeom>
+              <a:noFill/>
+              <a:ln w="28575">
+                <a:noFill/>
+              </a:ln>
+            </p:spPr>
+            <p:txBody>
+              <a:bodyPr wrap="none" lIns="0" tIns="0" rIns="0" bIns="0" rtlCol="0">
+                <a:spAutoFit/>
+              </a:bodyPr>
+              <a:lstStyle/>
+              <a:p>
+                <a:pPr/>
+                <a14:m>
+                  <m:oMath xmlns:m="http://schemas.openxmlformats.org/officeDocument/2006/math">
+                    <m:r>
+                      <a:rPr kumimoji="1" lang="en-US" altLang="ja-JP" sz="4000" i="1" smtClean="0">
+                        <a:latin typeface="Cambria Math" panose="02040503050406030204" pitchFamily="18" charset="0"/>
+                        <a:ea typeface="Cambria Math" panose="02040503050406030204" pitchFamily="18" charset="0"/>
+                      </a:rPr>
+                      <m:t>ℒ</m:t>
+                    </m:r>
+                    <m:r>
+                      <a:rPr kumimoji="1" lang="en-US" altLang="ja-JP" sz="4000" b="0" i="1" smtClean="0">
+                        <a:latin typeface="Cambria Math" panose="02040503050406030204" pitchFamily="18" charset="0"/>
+                        <a:ea typeface="Cambria Math" panose="02040503050406030204" pitchFamily="18" charset="0"/>
+                      </a:rPr>
+                      <m:t>=</m:t>
+                    </m:r>
+                    <m:r>
+                      <a:rPr kumimoji="1" lang="en-US" altLang="ja-JP" sz="4000" b="0" i="1" smtClean="0">
+                        <a:latin typeface="Cambria Math" panose="02040503050406030204" pitchFamily="18" charset="0"/>
+                        <a:ea typeface="Cambria Math" panose="02040503050406030204" pitchFamily="18" charset="0"/>
+                      </a:rPr>
+                      <m:t>𝐼</m:t>
+                    </m:r>
+                    <m:r>
+                      <a:rPr kumimoji="1" lang="en-US" altLang="ja-JP" sz="4000" b="0" i="1" smtClean="0">
+                        <a:latin typeface="Cambria Math" panose="02040503050406030204" pitchFamily="18" charset="0"/>
+                        <a:ea typeface="Cambria Math" panose="02040503050406030204" pitchFamily="18" charset="0"/>
+                      </a:rPr>
+                      <m:t>−</m:t>
+                    </m:r>
+                    <m:sSup>
+                      <m:sSupPr>
+                        <m:ctrlPr>
+                          <a:rPr kumimoji="1" lang="en-US" altLang="ja-JP" sz="4000" b="0" i="1" smtClean="0">
+                            <a:latin typeface="Cambria Math" panose="02040503050406030204" pitchFamily="18" charset="0"/>
+                            <a:ea typeface="Cambria Math" panose="02040503050406030204" pitchFamily="18" charset="0"/>
+                          </a:rPr>
+                        </m:ctrlPr>
+                      </m:sSupPr>
+                      <m:e>
+                        <m:r>
+                          <a:rPr kumimoji="1" lang="en-US" altLang="ja-JP" sz="4000" b="0" i="1" smtClean="0">
+                            <a:latin typeface="Cambria Math" panose="02040503050406030204" pitchFamily="18" charset="0"/>
+                            <a:ea typeface="Cambria Math" panose="02040503050406030204" pitchFamily="18" charset="0"/>
+                          </a:rPr>
+                          <m:t>𝐷</m:t>
+                        </m:r>
+                      </m:e>
+                      <m:sup>
+                        <m:r>
+                          <a:rPr kumimoji="1" lang="en-US" altLang="ja-JP" sz="4000" b="0" i="1" smtClean="0">
+                            <a:latin typeface="Cambria Math" panose="02040503050406030204" pitchFamily="18" charset="0"/>
+                            <a:ea typeface="Cambria Math" panose="02040503050406030204" pitchFamily="18" charset="0"/>
+                          </a:rPr>
+                          <m:t>−</m:t>
+                        </m:r>
+                        <m:f>
+                          <m:fPr>
+                            <m:ctrlPr>
+                              <a:rPr kumimoji="1" lang="en-US" altLang="ja-JP" sz="4000" b="0" i="1" smtClean="0">
+                                <a:latin typeface="Cambria Math" panose="02040503050406030204" pitchFamily="18" charset="0"/>
+                                <a:ea typeface="Cambria Math" panose="02040503050406030204" pitchFamily="18" charset="0"/>
+                              </a:rPr>
+                            </m:ctrlPr>
+                          </m:fPr>
+                          <m:num>
+                            <m:r>
+                              <a:rPr kumimoji="1" lang="en-US" altLang="ja-JP" sz="4000" b="0" i="1" smtClean="0">
+                                <a:latin typeface="Cambria Math" panose="02040503050406030204" pitchFamily="18" charset="0"/>
+                                <a:ea typeface="Cambria Math" panose="02040503050406030204" pitchFamily="18" charset="0"/>
+                              </a:rPr>
+                              <m:t>1</m:t>
+                            </m:r>
+                          </m:num>
+                          <m:den>
+                            <m:r>
+                              <a:rPr kumimoji="1" lang="en-US" altLang="ja-JP" sz="4000" b="0" i="1" smtClean="0">
+                                <a:latin typeface="Cambria Math" panose="02040503050406030204" pitchFamily="18" charset="0"/>
+                                <a:ea typeface="Cambria Math" panose="02040503050406030204" pitchFamily="18" charset="0"/>
+                              </a:rPr>
+                              <m:t>2</m:t>
+                            </m:r>
+                          </m:den>
+                        </m:f>
+                      </m:sup>
+                    </m:sSup>
+                    <m:r>
+                      <a:rPr kumimoji="1" lang="en-US" altLang="ja-JP" sz="4000" b="0" i="1" smtClean="0">
+                        <a:latin typeface="Cambria Math" panose="02040503050406030204" pitchFamily="18" charset="0"/>
+                        <a:ea typeface="Cambria Math" panose="02040503050406030204" pitchFamily="18" charset="0"/>
+                      </a:rPr>
+                      <m:t>𝐴</m:t>
+                    </m:r>
+                    <m:sSup>
+                      <m:sSupPr>
+                        <m:ctrlPr>
+                          <a:rPr kumimoji="1" lang="en-US" altLang="ja-JP" sz="4000" b="0" i="1" smtClean="0">
+                            <a:latin typeface="Cambria Math" panose="02040503050406030204" pitchFamily="18" charset="0"/>
+                            <a:ea typeface="Cambria Math" panose="02040503050406030204" pitchFamily="18" charset="0"/>
+                          </a:rPr>
+                        </m:ctrlPr>
+                      </m:sSupPr>
+                      <m:e>
+                        <m:r>
+                          <a:rPr kumimoji="1" lang="en-US" altLang="ja-JP" sz="4000" b="0" i="1" smtClean="0">
+                            <a:latin typeface="Cambria Math" panose="02040503050406030204" pitchFamily="18" charset="0"/>
+                            <a:ea typeface="Cambria Math" panose="02040503050406030204" pitchFamily="18" charset="0"/>
+                          </a:rPr>
+                          <m:t>𝐷</m:t>
+                        </m:r>
+                      </m:e>
+                      <m:sup>
+                        <m:r>
+                          <a:rPr kumimoji="1" lang="en-US" altLang="ja-JP" sz="4000" b="0" i="1" smtClean="0">
+                            <a:latin typeface="Cambria Math" panose="02040503050406030204" pitchFamily="18" charset="0"/>
+                            <a:ea typeface="Cambria Math" panose="02040503050406030204" pitchFamily="18" charset="0"/>
+                          </a:rPr>
+                          <m:t>−</m:t>
+                        </m:r>
+                        <m:f>
+                          <m:fPr>
+                            <m:ctrlPr>
+                              <a:rPr kumimoji="1" lang="en-US" altLang="ja-JP" sz="4000" b="0" i="1" smtClean="0">
+                                <a:latin typeface="Cambria Math" panose="02040503050406030204" pitchFamily="18" charset="0"/>
+                                <a:ea typeface="Cambria Math" panose="02040503050406030204" pitchFamily="18" charset="0"/>
+                              </a:rPr>
+                            </m:ctrlPr>
+                          </m:fPr>
+                          <m:num>
+                            <m:r>
+                              <a:rPr kumimoji="1" lang="en-US" altLang="ja-JP" sz="4000" b="0" i="1" smtClean="0">
+                                <a:latin typeface="Cambria Math" panose="02040503050406030204" pitchFamily="18" charset="0"/>
+                                <a:ea typeface="Cambria Math" panose="02040503050406030204" pitchFamily="18" charset="0"/>
+                              </a:rPr>
+                              <m:t>1</m:t>
+                            </m:r>
+                          </m:num>
+                          <m:den>
+                            <m:r>
+                              <a:rPr kumimoji="1" lang="en-US" altLang="ja-JP" sz="4000" b="0" i="1" smtClean="0">
+                                <a:latin typeface="Cambria Math" panose="02040503050406030204" pitchFamily="18" charset="0"/>
+                                <a:ea typeface="Cambria Math" panose="02040503050406030204" pitchFamily="18" charset="0"/>
+                              </a:rPr>
+                              <m:t>2</m:t>
+                            </m:r>
+                          </m:den>
+                        </m:f>
+                      </m:sup>
+                    </m:sSup>
+                  </m:oMath>
+                </a14:m>
+                <a:r>
+                  <a:rPr kumimoji="1" lang="ja-JP" altLang="en-US" sz="2400" dirty="0"/>
+                  <a:t>より</a:t>
+                </a:r>
+              </a:p>
+            </p:txBody>
+          </p:sp>
+        </mc:Choice>
+        <mc:Fallback>
+          <p:sp>
+            <p:nvSpPr>
+              <p:cNvPr id="8" name="テキスト ボックス 7">
+                <a:extLst>
+                  <a:ext uri="{FF2B5EF4-FFF2-40B4-BE49-F238E27FC236}">
+                    <a16:creationId xmlns:a16="http://schemas.microsoft.com/office/drawing/2014/main" id="{D3364467-6949-8ABF-FE19-F9E43BC1AC91}"/>
+                  </a:ext>
+                </a:extLst>
+              </p:cNvPr>
+              <p:cNvSpPr txBox="1">
+                <a:spLocks noRot="1" noChangeAspect="1" noMove="1" noResize="1" noEditPoints="1" noAdjustHandles="1" noChangeArrowheads="1" noChangeShapeType="1" noTextEdit="1"/>
+              </p:cNvSpPr>
+              <p:nvPr/>
+            </p:nvSpPr>
+            <p:spPr>
+              <a:xfrm>
+                <a:off x="7564716" y="3892486"/>
+                <a:ext cx="4449488" cy="841384"/>
+              </a:xfrm>
+              <a:prstGeom prst="rect">
+                <a:avLst/>
+              </a:prstGeom>
+              <a:blipFill>
+                <a:blip r:embed="rId6"/>
+                <a:stretch>
+                  <a:fillRect l="-137" r="-3151" b="-17391"/>
+                </a:stretch>
+              </a:blipFill>
+              <a:ln w="28575">
+                <a:noFill/>
+              </a:ln>
+            </p:spPr>
+            <p:txBody>
+              <a:bodyPr/>
+              <a:lstStyle/>
+              <a:p>
+                <a:r>
+                  <a:rPr lang="ja-JP" altLang="en-US">
+                    <a:noFill/>
+                  </a:rPr>
+                  <a:t> </a:t>
+                </a:r>
+              </a:p>
+            </p:txBody>
+          </p:sp>
+        </mc:Fallback>
+      </mc:AlternateContent>
+      <mc:AlternateContent xmlns:mc="http://schemas.openxmlformats.org/markup-compatibility/2006">
+        <mc:Choice xmlns:a14="http://schemas.microsoft.com/office/drawing/2010/main" Requires="a14">
+          <p:sp>
+            <p:nvSpPr>
+              <p:cNvPr id="9" name="テキスト ボックス 8">
+                <a:extLst>
+                  <a:ext uri="{FF2B5EF4-FFF2-40B4-BE49-F238E27FC236}">
+                    <a16:creationId xmlns:a16="http://schemas.microsoft.com/office/drawing/2014/main" id="{834C419F-5596-A5B1-95CC-609495D4AB9A}"/>
+                  </a:ext>
+                </a:extLst>
+              </p:cNvPr>
+              <p:cNvSpPr txBox="1"/>
+              <p:nvPr/>
+            </p:nvSpPr>
+            <p:spPr>
+              <a:xfrm>
+                <a:off x="6460761" y="5118084"/>
+                <a:ext cx="5120390" cy="1393843"/>
+              </a:xfrm>
+              <a:prstGeom prst="rect">
+                <a:avLst/>
+              </a:prstGeom>
+              <a:noFill/>
+            </p:spPr>
+            <p:txBody>
+              <a:bodyPr wrap="square" lIns="0" tIns="0" rIns="0" bIns="0" rtlCol="0">
+                <a:spAutoFit/>
+              </a:bodyPr>
+              <a:lstStyle/>
+              <a:p>
+                <a14:m>
+                  <m:oMathPara xmlns:m="http://schemas.openxmlformats.org/officeDocument/2006/math">
+                    <m:oMathParaPr>
+                      <m:jc m:val="centerGroup"/>
+                    </m:oMathParaPr>
+                    <m:oMath xmlns:m="http://schemas.openxmlformats.org/officeDocument/2006/math">
+                      <m:sSup>
+                        <m:sSupPr>
+                          <m:ctrlPr>
+                            <a:rPr kumimoji="1" lang="en-US" altLang="ja-JP" sz="7200" b="0" i="1" smtClean="0">
+                              <a:solidFill>
+                                <a:srgbClr val="FF0000"/>
+                              </a:solidFill>
+                              <a:latin typeface="Cambria Math" panose="02040503050406030204" pitchFamily="18" charset="0"/>
+                            </a:rPr>
+                          </m:ctrlPr>
+                        </m:sSupPr>
+                        <m:e>
+                          <m:r>
+                            <a:rPr kumimoji="1" lang="en-US" altLang="ja-JP" sz="7200" b="0" i="1" smtClean="0">
+                              <a:solidFill>
+                                <a:srgbClr val="FF0000"/>
+                              </a:solidFill>
+                              <a:latin typeface="Cambria Math" panose="02040503050406030204" pitchFamily="18" charset="0"/>
+                            </a:rPr>
+                            <m:t>𝑥</m:t>
+                          </m:r>
+                        </m:e>
+                        <m:sup>
+                          <m:r>
+                            <a:rPr kumimoji="1" lang="en-US" altLang="ja-JP" sz="7200" b="0" i="1" smtClean="0">
+                              <a:solidFill>
+                                <a:srgbClr val="FF0000"/>
+                              </a:solidFill>
+                              <a:latin typeface="Cambria Math" panose="02040503050406030204" pitchFamily="18" charset="0"/>
+                            </a:rPr>
+                            <m:t>′</m:t>
+                          </m:r>
+                        </m:sup>
+                      </m:sSup>
+                      <m:r>
+                        <a:rPr kumimoji="1" lang="en-US" altLang="ja-JP" sz="7200" b="0" i="1" smtClean="0">
+                          <a:solidFill>
+                            <a:srgbClr val="FF0000"/>
+                          </a:solidFill>
+                          <a:latin typeface="Cambria Math" panose="02040503050406030204" pitchFamily="18" charset="0"/>
+                        </a:rPr>
+                        <m:t>=</m:t>
+                      </m:r>
+                      <m:sSup>
+                        <m:sSupPr>
+                          <m:ctrlPr>
+                            <a:rPr lang="en-US" altLang="ja-JP" sz="3600" i="1">
+                              <a:solidFill>
+                                <a:srgbClr val="FF0000"/>
+                              </a:solidFill>
+                              <a:latin typeface="Cambria Math" panose="02040503050406030204" pitchFamily="18" charset="0"/>
+                              <a:ea typeface="Cambria Math" panose="02040503050406030204" pitchFamily="18" charset="0"/>
+                            </a:rPr>
+                          </m:ctrlPr>
+                        </m:sSupPr>
+                        <m:e>
+                          <m:acc>
+                            <m:accPr>
+                              <m:chr m:val="̌"/>
+                              <m:ctrlPr>
+                                <a:rPr lang="en-US" altLang="ja-JP" sz="3600" i="1">
+                                  <a:solidFill>
+                                    <a:srgbClr val="FF0000"/>
+                                  </a:solidFill>
+                                  <a:latin typeface="Cambria Math" panose="02040503050406030204" pitchFamily="18" charset="0"/>
+                                  <a:ea typeface="Cambria Math" panose="02040503050406030204" pitchFamily="18" charset="0"/>
+                                </a:rPr>
+                              </m:ctrlPr>
+                            </m:accPr>
+                            <m:e>
+                              <m:r>
+                                <a:rPr lang="en-US" altLang="ja-JP" sz="3600" i="1">
+                                  <a:solidFill>
+                                    <a:srgbClr val="FF0000"/>
+                                  </a:solidFill>
+                                  <a:latin typeface="Cambria Math" panose="02040503050406030204" pitchFamily="18" charset="0"/>
+                                  <a:ea typeface="Cambria Math" panose="02040503050406030204" pitchFamily="18" charset="0"/>
+                                </a:rPr>
+                                <m:t>𝐷</m:t>
+                              </m:r>
+                            </m:e>
+                          </m:acc>
+                        </m:e>
+                        <m:sup>
+                          <m:r>
+                            <a:rPr lang="en-US" altLang="ja-JP" sz="3600" i="1">
+                              <a:solidFill>
+                                <a:srgbClr val="FF0000"/>
+                              </a:solidFill>
+                              <a:latin typeface="Cambria Math" panose="02040503050406030204" pitchFamily="18" charset="0"/>
+                            </a:rPr>
+                            <m:t>−</m:t>
+                          </m:r>
+                          <m:f>
+                            <m:fPr>
+                              <m:ctrlPr>
+                                <a:rPr lang="en-US" altLang="ja-JP" sz="3600" i="1">
+                                  <a:solidFill>
+                                    <a:srgbClr val="FF0000"/>
+                                  </a:solidFill>
+                                  <a:latin typeface="Cambria Math" panose="02040503050406030204" pitchFamily="18" charset="0"/>
+                                </a:rPr>
+                              </m:ctrlPr>
+                            </m:fPr>
+                            <m:num>
+                              <m:r>
+                                <a:rPr lang="en-US" altLang="ja-JP" sz="3600" i="1">
+                                  <a:solidFill>
+                                    <a:srgbClr val="FF0000"/>
+                                  </a:solidFill>
+                                  <a:latin typeface="Cambria Math" panose="02040503050406030204" pitchFamily="18" charset="0"/>
+                                </a:rPr>
+                                <m:t>1</m:t>
+                              </m:r>
+                            </m:num>
+                            <m:den>
+                              <m:r>
+                                <a:rPr lang="en-US" altLang="ja-JP" sz="3600" i="1">
+                                  <a:solidFill>
+                                    <a:srgbClr val="FF0000"/>
+                                  </a:solidFill>
+                                  <a:latin typeface="Cambria Math" panose="02040503050406030204" pitchFamily="18" charset="0"/>
+                                </a:rPr>
+                                <m:t>2</m:t>
+                              </m:r>
+                            </m:den>
+                          </m:f>
+                        </m:sup>
+                      </m:sSup>
+                      <m:acc>
+                        <m:accPr>
+                          <m:chr m:val="̌"/>
+                          <m:ctrlPr>
+                            <a:rPr lang="en-US" altLang="ja-JP" sz="3600" i="1">
+                              <a:solidFill>
+                                <a:srgbClr val="FF0000"/>
+                              </a:solidFill>
+                              <a:latin typeface="Cambria Math" panose="02040503050406030204" pitchFamily="18" charset="0"/>
+                            </a:rPr>
+                          </m:ctrlPr>
+                        </m:accPr>
+                        <m:e>
+                          <m:r>
+                            <a:rPr lang="en-US" altLang="ja-JP" sz="3600" i="1">
+                              <a:solidFill>
+                                <a:srgbClr val="FF0000"/>
+                              </a:solidFill>
+                              <a:latin typeface="Cambria Math" panose="02040503050406030204" pitchFamily="18" charset="0"/>
+                            </a:rPr>
+                            <m:t>𝐴</m:t>
+                          </m:r>
+                        </m:e>
+                      </m:acc>
+                      <m:sSup>
+                        <m:sSupPr>
+                          <m:ctrlPr>
+                            <a:rPr lang="en-US" altLang="ja-JP" sz="3600" i="1">
+                              <a:solidFill>
+                                <a:srgbClr val="FF0000"/>
+                              </a:solidFill>
+                              <a:latin typeface="Cambria Math" panose="02040503050406030204" pitchFamily="18" charset="0"/>
+                            </a:rPr>
+                          </m:ctrlPr>
+                        </m:sSupPr>
+                        <m:e>
+                          <m:acc>
+                            <m:accPr>
+                              <m:chr m:val="̌"/>
+                              <m:ctrlPr>
+                                <a:rPr lang="en-US" altLang="ja-JP" sz="3600" i="1">
+                                  <a:solidFill>
+                                    <a:srgbClr val="FF0000"/>
+                                  </a:solidFill>
+                                  <a:latin typeface="Cambria Math" panose="02040503050406030204" pitchFamily="18" charset="0"/>
+                                </a:rPr>
+                              </m:ctrlPr>
+                            </m:accPr>
+                            <m:e>
+                              <m:r>
+                                <a:rPr lang="en-US" altLang="ja-JP" sz="3600" i="1">
+                                  <a:solidFill>
+                                    <a:srgbClr val="FF0000"/>
+                                  </a:solidFill>
+                                  <a:latin typeface="Cambria Math" panose="02040503050406030204" pitchFamily="18" charset="0"/>
+                                </a:rPr>
+                                <m:t>𝐷</m:t>
+                              </m:r>
+                            </m:e>
+                          </m:acc>
+                        </m:e>
+                        <m:sup>
+                          <m:r>
+                            <a:rPr lang="en-US" altLang="ja-JP" sz="3600" i="1">
+                              <a:solidFill>
+                                <a:srgbClr val="FF0000"/>
+                              </a:solidFill>
+                              <a:latin typeface="Cambria Math" panose="02040503050406030204" pitchFamily="18" charset="0"/>
+                            </a:rPr>
+                            <m:t>−</m:t>
+                          </m:r>
+                          <m:f>
+                            <m:fPr>
+                              <m:ctrlPr>
+                                <a:rPr lang="en-US" altLang="ja-JP" sz="3600" i="1">
+                                  <a:solidFill>
+                                    <a:srgbClr val="FF0000"/>
+                                  </a:solidFill>
+                                  <a:latin typeface="Cambria Math" panose="02040503050406030204" pitchFamily="18" charset="0"/>
+                                </a:rPr>
+                              </m:ctrlPr>
+                            </m:fPr>
+                            <m:num>
+                              <m:r>
+                                <a:rPr lang="en-US" altLang="ja-JP" sz="3600" i="1">
+                                  <a:solidFill>
+                                    <a:srgbClr val="FF0000"/>
+                                  </a:solidFill>
+                                  <a:latin typeface="Cambria Math" panose="02040503050406030204" pitchFamily="18" charset="0"/>
+                                </a:rPr>
+                                <m:t>1</m:t>
+                              </m:r>
+                            </m:num>
+                            <m:den>
+                              <m:r>
+                                <a:rPr lang="en-US" altLang="ja-JP" sz="3600" i="1">
+                                  <a:solidFill>
+                                    <a:srgbClr val="FF0000"/>
+                                  </a:solidFill>
+                                  <a:latin typeface="Cambria Math" panose="02040503050406030204" pitchFamily="18" charset="0"/>
+                                </a:rPr>
+                                <m:t>2</m:t>
+                              </m:r>
+                            </m:den>
+                          </m:f>
+                        </m:sup>
+                      </m:sSup>
+                      <m:r>
+                        <a:rPr lang="en-US" altLang="ja-JP" sz="3600" b="0" i="1" smtClean="0">
+                          <a:solidFill>
+                            <a:srgbClr val="FF0000"/>
+                          </a:solidFill>
+                          <a:latin typeface="Cambria Math" panose="02040503050406030204" pitchFamily="18" charset="0"/>
+                        </a:rPr>
+                        <m:t>𝜃</m:t>
+                      </m:r>
+                      <m:r>
+                        <a:rPr lang="en-US" altLang="ja-JP" sz="3600" b="0" i="1" smtClean="0">
+                          <a:solidFill>
+                            <a:srgbClr val="FF0000"/>
+                          </a:solidFill>
+                          <a:latin typeface="Cambria Math" panose="02040503050406030204" pitchFamily="18" charset="0"/>
+                        </a:rPr>
+                        <m:t>𝑥</m:t>
+                      </m:r>
+                    </m:oMath>
+                  </m:oMathPara>
+                </a14:m>
+                <a:endParaRPr kumimoji="1" lang="ja-JP" altLang="en-US" dirty="0">
+                  <a:solidFill>
+                    <a:srgbClr val="FF0000"/>
+                  </a:solidFill>
+                </a:endParaRPr>
+              </a:p>
+            </p:txBody>
+          </p:sp>
+        </mc:Choice>
+        <mc:Fallback>
+          <p:sp>
+            <p:nvSpPr>
+              <p:cNvPr id="9" name="テキスト ボックス 8">
+                <a:extLst>
+                  <a:ext uri="{FF2B5EF4-FFF2-40B4-BE49-F238E27FC236}">
+                    <a16:creationId xmlns:a16="http://schemas.microsoft.com/office/drawing/2014/main" id="{834C419F-5596-A5B1-95CC-609495D4AB9A}"/>
+                  </a:ext>
+                </a:extLst>
+              </p:cNvPr>
+              <p:cNvSpPr txBox="1">
+                <a:spLocks noRot="1" noChangeAspect="1" noMove="1" noResize="1" noEditPoints="1" noAdjustHandles="1" noChangeArrowheads="1" noChangeShapeType="1" noTextEdit="1"/>
+              </p:cNvSpPr>
+              <p:nvPr/>
+            </p:nvSpPr>
+            <p:spPr>
+              <a:xfrm>
+                <a:off x="6460761" y="5118084"/>
+                <a:ext cx="5120390" cy="1393843"/>
+              </a:xfrm>
+              <a:prstGeom prst="rect">
+                <a:avLst/>
+              </a:prstGeom>
+              <a:blipFill>
+                <a:blip r:embed="rId7"/>
+                <a:stretch>
+                  <a:fillRect/>
+                </a:stretch>
+              </a:blipFill>
+            </p:spPr>
+            <p:txBody>
+              <a:bodyPr/>
+              <a:lstStyle/>
+              <a:p>
+                <a:r>
+                  <a:rPr lang="ja-JP" altLang="en-US">
+                    <a:noFill/>
+                  </a:rPr>
+                  <a:t> </a:t>
+                </a:r>
+              </a:p>
+            </p:txBody>
+          </p:sp>
+        </mc:Fallback>
+      </mc:AlternateContent>
+    </p:spTree>
+    <p:extLst>
+      <p:ext uri="{BB962C8B-B14F-4D97-AF65-F5344CB8AC3E}">
+        <p14:creationId xmlns:p14="http://schemas.microsoft.com/office/powerpoint/2010/main" val="1303089994"/>
+      </p:ext>
+    </p:extLst>
+  </p:cSld>
+  <p:clrMapOvr>
+    <a:masterClrMapping/>
+  </p:clrMapOvr>
+</p:sld>
+</file>
+
+<file path=ppt/slides/slide14.xml><?xml version="1.0" encoding="utf-8"?>
+<p:sld xmlns:a="http://schemas.openxmlformats.org/drawingml/2006/main" xmlns:r="http://schemas.openxmlformats.org/officeDocument/2006/relationships" xmlns:p="http://schemas.openxmlformats.org/presentationml/2006/main">
+  <p:cSld>
+    <p:spTree>
+      <p:nvGrpSpPr>
+        <p:cNvPr id="1" name=""/>
+        <p:cNvGrpSpPr/>
+        <p:nvPr/>
+      </p:nvGrpSpPr>
+      <p:grpSpPr>
+        <a:xfrm>
+          <a:off x="0" y="0"/>
+          <a:ext cx="0" cy="0"/>
+          <a:chOff x="0" y="0"/>
+          <a:chExt cx="0" cy="0"/>
+        </a:xfrm>
+      </p:grpSpPr>
+      <p:sp>
+        <p:nvSpPr>
+          <p:cNvPr id="2" name="タイトル 1">
+            <a:extLst>
+              <a:ext uri="{FF2B5EF4-FFF2-40B4-BE49-F238E27FC236}">
+                <a16:creationId xmlns:a16="http://schemas.microsoft.com/office/drawing/2014/main" id="{C53E67FD-8836-FC60-8459-1159B77DCC57}"/>
+              </a:ext>
+            </a:extLst>
+          </p:cNvPr>
+          <p:cNvSpPr>
+            <a:spLocks noGrp="1"/>
+          </p:cNvSpPr>
+          <p:nvPr>
+            <p:ph type="title"/>
+          </p:nvPr>
+        </p:nvSpPr>
+        <p:spPr/>
+        <p:txBody>
+          <a:bodyPr/>
+          <a:lstStyle/>
+          <a:p>
+            <a:r>
+              <a:rPr kumimoji="1" lang="ja-JP" altLang="en-US" dirty="0"/>
+              <a:t>今後について</a:t>
+            </a:r>
+          </a:p>
+        </p:txBody>
+      </p:sp>
+      <p:sp>
+        <p:nvSpPr>
+          <p:cNvPr id="3" name="コンテンツ プレースホルダー 2">
+            <a:extLst>
+              <a:ext uri="{FF2B5EF4-FFF2-40B4-BE49-F238E27FC236}">
+                <a16:creationId xmlns:a16="http://schemas.microsoft.com/office/drawing/2014/main" id="{73346468-C474-2745-413E-071C56445496}"/>
+              </a:ext>
+            </a:extLst>
+          </p:cNvPr>
+          <p:cNvSpPr>
+            <a:spLocks noGrp="1"/>
+          </p:cNvSpPr>
+          <p:nvPr>
+            <p:ph idx="1"/>
+          </p:nvPr>
+        </p:nvSpPr>
+        <p:spPr>
+          <a:xfrm>
+            <a:off x="838200" y="1825625"/>
+            <a:ext cx="8815466" cy="4351338"/>
+          </a:xfrm>
+        </p:spPr>
+        <p:txBody>
+          <a:bodyPr/>
+          <a:lstStyle/>
+          <a:p>
+            <a:r>
+              <a:rPr kumimoji="1" lang="en-US" altLang="ja-JP" dirty="0"/>
+              <a:t>Graph Neural Convolutional </a:t>
+            </a:r>
+            <a:r>
+              <a:rPr kumimoji="1" lang="ja-JP" altLang="en-US" dirty="0"/>
+              <a:t>が画像の畳み込みでも</a:t>
+            </a:r>
+            <a:endParaRPr kumimoji="1" lang="en-US" altLang="ja-JP" dirty="0"/>
+          </a:p>
+          <a:p>
+            <a:r>
+              <a:rPr kumimoji="1" lang="ja-JP" altLang="en-US" dirty="0"/>
+              <a:t>複雑なタスクについて</a:t>
+            </a:r>
+            <a:endParaRPr kumimoji="1" lang="en-US" altLang="ja-JP" dirty="0"/>
+          </a:p>
+          <a:p>
+            <a:r>
+              <a:rPr lang="ja-JP" altLang="en-US" dirty="0"/>
+              <a:t>層数を増やす</a:t>
+            </a:r>
+            <a:endParaRPr kumimoji="1" lang="ja-JP" altLang="en-US" dirty="0"/>
+          </a:p>
+        </p:txBody>
+      </p:sp>
+      <p:pic>
+        <p:nvPicPr>
+          <p:cNvPr id="5" name="図 4">
+            <a:extLst>
+              <a:ext uri="{FF2B5EF4-FFF2-40B4-BE49-F238E27FC236}">
+                <a16:creationId xmlns:a16="http://schemas.microsoft.com/office/drawing/2014/main" id="{1A6BEAE3-B85C-107B-1AB4-D473D808109F}"/>
+              </a:ext>
+            </a:extLst>
+          </p:cNvPr>
+          <p:cNvPicPr>
+            <a:picLocks noChangeAspect="1"/>
+          </p:cNvPicPr>
+          <p:nvPr/>
+        </p:nvPicPr>
+        <p:blipFill>
+          <a:blip r:embed="rId2"/>
+          <a:stretch>
+            <a:fillRect/>
+          </a:stretch>
+        </p:blipFill>
+        <p:spPr>
+          <a:xfrm>
+            <a:off x="7885838" y="2394960"/>
+            <a:ext cx="3535655" cy="4463040"/>
+          </a:xfrm>
+          <a:prstGeom prst="rect">
+            <a:avLst/>
+          </a:prstGeom>
+        </p:spPr>
+      </p:pic>
+    </p:spTree>
+    <p:extLst>
+      <p:ext uri="{BB962C8B-B14F-4D97-AF65-F5344CB8AC3E}">
+        <p14:creationId xmlns:p14="http://schemas.microsoft.com/office/powerpoint/2010/main" val="1333862686"/>
       </p:ext>
     </p:extLst>
   </p:cSld>
@@ -10241,8 +15671,8 @@
           </a:p>
         </p:txBody>
       </p:sp>
-      <mc:AlternateContent xmlns:mc="http://schemas.openxmlformats.org/markup-compatibility/2006">
-        <mc:Choice xmlns:a14="http://schemas.microsoft.com/office/drawing/2010/main" Requires="a14">
+      <mc:AlternateContent xmlns:mc="http://schemas.openxmlformats.org/markup-compatibility/2006" xmlns:a14="http://schemas.microsoft.com/office/drawing/2010/main">
+        <mc:Choice Requires="a14">
           <p:sp>
             <p:nvSpPr>
               <p:cNvPr id="16" name="テキスト ボックス 15">
@@ -10540,7 +15970,7 @@
             </p:txBody>
           </p:sp>
         </mc:Choice>
-        <mc:Fallback>
+        <mc:Fallback xmlns="">
           <p:sp>
             <p:nvSpPr>
               <p:cNvPr id="16" name="テキスト ボックス 15">
@@ -10585,8 +16015,8 @@
           </p:sp>
         </mc:Fallback>
       </mc:AlternateContent>
-      <mc:AlternateContent xmlns:mc="http://schemas.openxmlformats.org/markup-compatibility/2006">
-        <mc:Choice xmlns:a14="http://schemas.microsoft.com/office/drawing/2010/main" Requires="a14">
+      <mc:AlternateContent xmlns:mc="http://schemas.openxmlformats.org/markup-compatibility/2006" xmlns:a14="http://schemas.microsoft.com/office/drawing/2010/main">
+        <mc:Choice Requires="a14">
           <p:sp>
             <p:nvSpPr>
               <p:cNvPr id="17" name="テキスト ボックス 16">
@@ -10887,7 +16317,7 @@
             </p:txBody>
           </p:sp>
         </mc:Choice>
-        <mc:Fallback>
+        <mc:Fallback xmlns="">
           <p:sp>
             <p:nvSpPr>
               <p:cNvPr id="17" name="テキスト ボックス 16">
@@ -11006,8 +16436,8 @@
           </a:p>
         </p:txBody>
       </p:sp>
-      <mc:AlternateContent xmlns:mc="http://schemas.openxmlformats.org/markup-compatibility/2006">
-        <mc:Choice xmlns:a14="http://schemas.microsoft.com/office/drawing/2010/main" Requires="a14">
+      <mc:AlternateContent xmlns:mc="http://schemas.openxmlformats.org/markup-compatibility/2006" xmlns:a14="http://schemas.microsoft.com/office/drawing/2010/main">
+        <mc:Choice Requires="a14">
           <p:sp>
             <p:nvSpPr>
               <p:cNvPr id="21" name="テキスト ボックス 20">
@@ -11305,7 +16735,7 @@
             </p:txBody>
           </p:sp>
         </mc:Choice>
-        <mc:Fallback>
+        <mc:Fallback xmlns="">
           <p:sp>
             <p:nvSpPr>
               <p:cNvPr id="21" name="テキスト ボックス 20">
@@ -11387,8 +16817,8 @@
           </a:p>
         </p:txBody>
       </p:sp>
-      <mc:AlternateContent xmlns:mc="http://schemas.openxmlformats.org/markup-compatibility/2006">
-        <mc:Choice xmlns:a14="http://schemas.microsoft.com/office/drawing/2010/main" Requires="a14">
+      <mc:AlternateContent xmlns:mc="http://schemas.openxmlformats.org/markup-compatibility/2006" xmlns:a14="http://schemas.microsoft.com/office/drawing/2010/main">
+        <mc:Choice Requires="a14">
           <p:sp>
             <p:nvSpPr>
               <p:cNvPr id="23" name="テキスト ボックス 22">
@@ -11417,6 +16847,7 @@
               </a:bodyPr>
               <a:lstStyle/>
               <a:p>
+                <a:pPr/>
                 <a14:m>
                   <m:oMathPara xmlns:m="http://schemas.openxmlformats.org/officeDocument/2006/math">
                     <m:oMathParaPr>
@@ -11639,7 +17070,7 @@
             </p:txBody>
           </p:sp>
         </mc:Choice>
-        <mc:Fallback>
+        <mc:Fallback xmlns="">
           <p:sp>
             <p:nvSpPr>
               <p:cNvPr id="23" name="テキスト ボックス 22">
@@ -11684,8 +17115,8 @@
           </p:sp>
         </mc:Fallback>
       </mc:AlternateContent>
-      <mc:AlternateContent xmlns:mc="http://schemas.openxmlformats.org/markup-compatibility/2006">
-        <mc:Choice xmlns:a14="http://schemas.microsoft.com/office/drawing/2010/main" Requires="a14">
+      <mc:AlternateContent xmlns:mc="http://schemas.openxmlformats.org/markup-compatibility/2006" xmlns:a14="http://schemas.microsoft.com/office/drawing/2010/main">
+        <mc:Choice Requires="a14">
           <p:sp>
             <p:nvSpPr>
               <p:cNvPr id="24" name="テキスト ボックス 23">
@@ -11714,6 +17145,7 @@
               </a:bodyPr>
               <a:lstStyle/>
               <a:p>
+                <a:pPr/>
                 <a14:m>
                   <m:oMathPara xmlns:m="http://schemas.openxmlformats.org/officeDocument/2006/math">
                     <m:oMathParaPr>
@@ -11777,7 +17209,7 @@
             </p:txBody>
           </p:sp>
         </mc:Choice>
-        <mc:Fallback>
+        <mc:Fallback xmlns="">
           <p:sp>
             <p:nvSpPr>
               <p:cNvPr id="24" name="テキスト ボックス 23">
@@ -12423,8 +17855,8 @@
           </a:p>
         </p:txBody>
       </p:sp>
-      <mc:AlternateContent xmlns:mc="http://schemas.openxmlformats.org/markup-compatibility/2006">
-        <mc:Choice xmlns:a14="http://schemas.microsoft.com/office/drawing/2010/main" Requires="a14">
+      <mc:AlternateContent xmlns:mc="http://schemas.openxmlformats.org/markup-compatibility/2006" xmlns:a14="http://schemas.microsoft.com/office/drawing/2010/main">
+        <mc:Choice Requires="a14">
           <p:sp>
             <p:nvSpPr>
               <p:cNvPr id="3" name="コンテンツ プレースホルダー 2">
@@ -12600,7 +18032,7 @@
             </p:txBody>
           </p:sp>
         </mc:Choice>
-        <mc:Fallback>
+        <mc:Fallback xmlns="">
           <p:sp>
             <p:nvSpPr>
               <p:cNvPr id="3" name="コンテンツ プレースホルダー 2">
@@ -12644,8 +18076,8 @@
           </p:sp>
         </mc:Fallback>
       </mc:AlternateContent>
-      <mc:AlternateContent xmlns:mc="http://schemas.openxmlformats.org/markup-compatibility/2006">
-        <mc:Choice xmlns:a14="http://schemas.microsoft.com/office/drawing/2010/main" Requires="a14">
+      <mc:AlternateContent xmlns:mc="http://schemas.openxmlformats.org/markup-compatibility/2006" xmlns:a14="http://schemas.microsoft.com/office/drawing/2010/main">
+        <mc:Choice Requires="a14">
           <p:sp>
             <p:nvSpPr>
               <p:cNvPr id="4" name="テキスト ボックス 3">
@@ -12674,6 +18106,7 @@
               </a:bodyPr>
               <a:lstStyle/>
               <a:p>
+                <a:pPr/>
                 <a14:m>
                   <m:oMathPara xmlns:m="http://schemas.openxmlformats.org/officeDocument/2006/math">
                     <m:oMathParaPr>
@@ -12842,7 +18275,7 @@
             </p:txBody>
           </p:sp>
         </mc:Choice>
-        <mc:Fallback>
+        <mc:Fallback xmlns="">
           <p:sp>
             <p:nvSpPr>
               <p:cNvPr id="4" name="テキスト ボックス 3">
@@ -12887,8 +18320,8 @@
           </p:sp>
         </mc:Fallback>
       </mc:AlternateContent>
-      <mc:AlternateContent xmlns:mc="http://schemas.openxmlformats.org/markup-compatibility/2006">
-        <mc:Choice xmlns:a14="http://schemas.microsoft.com/office/drawing/2010/main" Requires="a14">
+      <mc:AlternateContent xmlns:mc="http://schemas.openxmlformats.org/markup-compatibility/2006" xmlns:a14="http://schemas.microsoft.com/office/drawing/2010/main">
+        <mc:Choice Requires="a14">
           <p:sp>
             <p:nvSpPr>
               <p:cNvPr id="6" name="テキスト ボックス 5">
@@ -13233,7 +18666,7 @@
             </p:txBody>
           </p:sp>
         </mc:Choice>
-        <mc:Fallback>
+        <mc:Fallback xmlns="">
           <p:sp>
             <p:nvSpPr>
               <p:cNvPr id="6" name="テキスト ボックス 5">
@@ -13278,8 +18711,8 @@
           </p:sp>
         </mc:Fallback>
       </mc:AlternateContent>
-      <mc:AlternateContent xmlns:mc="http://schemas.openxmlformats.org/markup-compatibility/2006">
-        <mc:Choice xmlns:a14="http://schemas.microsoft.com/office/drawing/2010/main" Requires="a14">
+      <mc:AlternateContent xmlns:mc="http://schemas.openxmlformats.org/markup-compatibility/2006" xmlns:a14="http://schemas.microsoft.com/office/drawing/2010/main">
+        <mc:Choice Requires="a14">
           <p:sp>
             <p:nvSpPr>
               <p:cNvPr id="8" name="テキスト ボックス 7">
@@ -13313,6 +18746,7 @@
               </a:bodyPr>
               <a:lstStyle/>
               <a:p>
+                <a:pPr/>
                 <a14:m>
                   <m:oMathPara xmlns:m="http://schemas.openxmlformats.org/officeDocument/2006/math">
                     <m:oMathParaPr>
@@ -13474,7 +18908,7 @@
             </p:txBody>
           </p:sp>
         </mc:Choice>
-        <mc:Fallback>
+        <mc:Fallback xmlns="">
           <p:sp>
             <p:nvSpPr>
               <p:cNvPr id="8" name="テキスト ボックス 7">
@@ -13541,7 +18975,7 @@
             <p:spPr>
               <a:xfrm>
                 <a:off x="-312245" y="3357202"/>
-                <a:ext cx="9655094" cy="2830327"/>
+                <a:ext cx="11524888" cy="2830327"/>
               </a:xfrm>
               <a:prstGeom prst="rect">
                 <a:avLst/>
@@ -13614,7 +19048,7 @@
                                   <a:rPr lang="en-US" altLang="ja-JP" sz="3200" i="1">
                                     <a:latin typeface="Cambria Math" panose="02040503050406030204" pitchFamily="18" charset="0"/>
                                   </a:rPr>
-                                  <m:t> -0.408</m:t>
+                                  <m:t> −0.408</m:t>
                                 </m:r>
                               </m:e>
                               <m:e>
@@ -13622,7 +19056,7 @@
                                   <a:rPr lang="en-US" altLang="ja-JP" sz="3200" i="1">
                                     <a:latin typeface="Cambria Math" panose="02040503050406030204" pitchFamily="18" charset="0"/>
                                   </a:rPr>
-                                  <m:t> -0.408</m:t>
+                                  <m:t> −0.408</m:t>
                                 </m:r>
                               </m:e>
                               <m:e>
@@ -13648,7 +19082,7 @@
                                   <a:rPr lang="en-US" altLang="ja-JP" sz="3200" i="1">
                                     <a:latin typeface="Cambria Math" panose="02040503050406030204" pitchFamily="18" charset="0"/>
                                   </a:rPr>
-                                  <m:t>-0.408</m:t>
+                                  <m:t>−0.408</m:t>
                                 </m:r>
                               </m:e>
                               <m:e>
@@ -13664,7 +19098,7 @@
                                   <a:rPr lang="en-US" altLang="ja-JP" sz="3200" i="1">
                                     <a:latin typeface="Cambria Math" panose="02040503050406030204" pitchFamily="18" charset="0"/>
                                   </a:rPr>
-                                  <m:t>-0.333</m:t>
+                                  <m:t>−0.333</m:t>
                                 </m:r>
                               </m:e>
                               <m:e>
@@ -13672,7 +19106,7 @@
                                   <a:rPr lang="en-US" altLang="ja-JP" sz="3200" i="1">
                                     <a:latin typeface="Cambria Math" panose="02040503050406030204" pitchFamily="18" charset="0"/>
                                   </a:rPr>
-                                  <m:t> -0.333</m:t>
+                                  <m:t> −0.333</m:t>
                                 </m:r>
                               </m:e>
                               <m:e>
@@ -13690,7 +19124,7 @@
                                   <a:rPr lang="en-US" altLang="ja-JP" sz="3200" i="1">
                                     <a:latin typeface="Cambria Math" panose="02040503050406030204" pitchFamily="18" charset="0"/>
                                   </a:rPr>
-                                  <m:t>-0.408</m:t>
+                                  <m:t>−0.408</m:t>
                                 </m:r>
                               </m:e>
                               <m:e>
@@ -13698,7 +19132,7 @@
                                   <a:rPr lang="en-US" altLang="ja-JP" sz="3200" i="1">
                                     <a:latin typeface="Cambria Math" panose="02040503050406030204" pitchFamily="18" charset="0"/>
                                   </a:rPr>
-                                  <m:t> -0.333</m:t>
+                                  <m:t> −0.333</m:t>
                                 </m:r>
                               </m:e>
                               <m:e>
@@ -13714,7 +19148,7 @@
                                   <a:rPr lang="en-US" altLang="ja-JP" sz="3200" i="1">
                                     <a:latin typeface="Cambria Math" panose="02040503050406030204" pitchFamily="18" charset="0"/>
                                   </a:rPr>
-                                  <m:t> -0.333</m:t>
+                                  <m:t> −0.333</m:t>
                                 </m:r>
                               </m:e>
                               <m:e>
@@ -13740,7 +19174,7 @@
                                   <a:rPr lang="en-US" altLang="ja-JP" sz="3200" i="1">
                                     <a:latin typeface="Cambria Math" panose="02040503050406030204" pitchFamily="18" charset="0"/>
                                   </a:rPr>
-                                  <m:t> -0.333</m:t>
+                                  <m:t> −0.333</m:t>
                                 </m:r>
                               </m:e>
                               <m:e>
@@ -13748,7 +19182,7 @@
                                   <a:rPr lang="en-US" altLang="ja-JP" sz="3200" i="1">
                                     <a:latin typeface="Cambria Math" panose="02040503050406030204" pitchFamily="18" charset="0"/>
                                   </a:rPr>
-                                  <m:t> -0.333</m:t>
+                                  <m:t> −0.333</m:t>
                                 </m:r>
                               </m:e>
                               <m:e>
@@ -13764,7 +19198,7 @@
                                   <a:rPr lang="en-US" altLang="ja-JP" sz="3200" i="1">
                                     <a:latin typeface="Cambria Math" panose="02040503050406030204" pitchFamily="18" charset="0"/>
                                   </a:rPr>
-                                  <m:t> -0.577</m:t>
+                                  <m:t> −0.577</m:t>
                                 </m:r>
                               </m:e>
                             </m:mr>
@@ -13798,7 +19232,7 @@
                                   <a:rPr lang="en-US" altLang="ja-JP" sz="3200" i="1">
                                     <a:latin typeface="Cambria Math" panose="02040503050406030204" pitchFamily="18" charset="0"/>
                                   </a:rPr>
-                                  <m:t> -0.577</m:t>
+                                  <m:t> −0.577</m:t>
                                 </m:r>
                               </m:e>
                               <m:e>
@@ -13842,7 +19276,7 @@
             <p:spPr>
               <a:xfrm>
                 <a:off x="-312245" y="3357202"/>
-                <a:ext cx="9655094" cy="2830327"/>
+                <a:ext cx="11524888" cy="2830327"/>
               </a:xfrm>
               <a:prstGeom prst="rect">
                 <a:avLst/>
@@ -14006,8 +19440,8 @@
             </p:nvSpPr>
             <p:spPr>
               <a:xfrm>
-                <a:off x="3026041" y="1047440"/>
-                <a:ext cx="9655094" cy="2830327"/>
+                <a:off x="2324468" y="1047440"/>
+                <a:ext cx="10356667" cy="2830327"/>
               </a:xfrm>
               <a:prstGeom prst="rect">
                 <a:avLst/>
@@ -14080,7 +19514,7 @@
                                   <a:rPr lang="en-US" altLang="ja-JP" sz="3200" i="1">
                                     <a:latin typeface="Cambria Math" panose="02040503050406030204" pitchFamily="18" charset="0"/>
                                   </a:rPr>
-                                  <m:t> -0.408</m:t>
+                                  <m:t> −0.408</m:t>
                                 </m:r>
                               </m:e>
                               <m:e>
@@ -14088,7 +19522,7 @@
                                   <a:rPr lang="en-US" altLang="ja-JP" sz="3200" i="1">
                                     <a:latin typeface="Cambria Math" panose="02040503050406030204" pitchFamily="18" charset="0"/>
                                   </a:rPr>
-                                  <m:t> -0.408</m:t>
+                                  <m:t> −0.408</m:t>
                                 </m:r>
                               </m:e>
                               <m:e>
@@ -14114,7 +19548,7 @@
                                   <a:rPr lang="en-US" altLang="ja-JP" sz="3200" i="1">
                                     <a:latin typeface="Cambria Math" panose="02040503050406030204" pitchFamily="18" charset="0"/>
                                   </a:rPr>
-                                  <m:t>-0.408</m:t>
+                                  <m:t>−0.408</m:t>
                                 </m:r>
                               </m:e>
                               <m:e>
@@ -14130,7 +19564,7 @@
                                   <a:rPr lang="en-US" altLang="ja-JP" sz="3200" i="1">
                                     <a:latin typeface="Cambria Math" panose="02040503050406030204" pitchFamily="18" charset="0"/>
                                   </a:rPr>
-                                  <m:t>-0.333</m:t>
+                                  <m:t>−0.333</m:t>
                                 </m:r>
                               </m:e>
                               <m:e>
@@ -14138,7 +19572,7 @@
                                   <a:rPr lang="en-US" altLang="ja-JP" sz="3200" i="1">
                                     <a:latin typeface="Cambria Math" panose="02040503050406030204" pitchFamily="18" charset="0"/>
                                   </a:rPr>
-                                  <m:t> -0.333</m:t>
+                                  <m:t> −0.333</m:t>
                                 </m:r>
                               </m:e>
                               <m:e>
@@ -14156,7 +19590,7 @@
                                   <a:rPr lang="en-US" altLang="ja-JP" sz="3200" i="1">
                                     <a:latin typeface="Cambria Math" panose="02040503050406030204" pitchFamily="18" charset="0"/>
                                   </a:rPr>
-                                  <m:t>-0.408</m:t>
+                                  <m:t>−0.408</m:t>
                                 </m:r>
                               </m:e>
                               <m:e>
@@ -14164,7 +19598,7 @@
                                   <a:rPr lang="en-US" altLang="ja-JP" sz="3200" i="1">
                                     <a:latin typeface="Cambria Math" panose="02040503050406030204" pitchFamily="18" charset="0"/>
                                   </a:rPr>
-                                  <m:t> -0.333</m:t>
+                                  <m:t> −0.333</m:t>
                                 </m:r>
                               </m:e>
                               <m:e>
@@ -14180,7 +19614,7 @@
                                   <a:rPr lang="en-US" altLang="ja-JP" sz="3200" i="1">
                                     <a:latin typeface="Cambria Math" panose="02040503050406030204" pitchFamily="18" charset="0"/>
                                   </a:rPr>
-                                  <m:t> -0.333</m:t>
+                                  <m:t> −0.333</m:t>
                                 </m:r>
                               </m:e>
                               <m:e>
@@ -14206,7 +19640,7 @@
                                   <a:rPr lang="en-US" altLang="ja-JP" sz="3200" i="1">
                                     <a:latin typeface="Cambria Math" panose="02040503050406030204" pitchFamily="18" charset="0"/>
                                   </a:rPr>
-                                  <m:t> -0.333</m:t>
+                                  <m:t> −0.333</m:t>
                                 </m:r>
                               </m:e>
                               <m:e>
@@ -14214,7 +19648,7 @@
                                   <a:rPr lang="en-US" altLang="ja-JP" sz="3200" i="1">
                                     <a:latin typeface="Cambria Math" panose="02040503050406030204" pitchFamily="18" charset="0"/>
                                   </a:rPr>
-                                  <m:t> -0.333</m:t>
+                                  <m:t> −0.333</m:t>
                                 </m:r>
                               </m:e>
                               <m:e>
@@ -14230,7 +19664,7 @@
                                   <a:rPr lang="en-US" altLang="ja-JP" sz="3200" i="1">
                                     <a:latin typeface="Cambria Math" panose="02040503050406030204" pitchFamily="18" charset="0"/>
                                   </a:rPr>
-                                  <m:t> -0.577</m:t>
+                                  <m:t> −0.577</m:t>
                                 </m:r>
                               </m:e>
                             </m:mr>
@@ -14264,7 +19698,7 @@
                                   <a:rPr lang="en-US" altLang="ja-JP" sz="3200" i="1">
                                     <a:latin typeface="Cambria Math" panose="02040503050406030204" pitchFamily="18" charset="0"/>
                                   </a:rPr>
-                                  <m:t> -0.577</m:t>
+                                  <m:t> −0.577</m:t>
                                 </m:r>
                               </m:e>
                               <m:e>
@@ -14307,8 +19741,8 @@
             </p:nvSpPr>
             <p:spPr>
               <a:xfrm>
-                <a:off x="3026041" y="1047440"/>
-                <a:ext cx="9655094" cy="2830327"/>
+                <a:off x="2324468" y="1047440"/>
+                <a:ext cx="10356667" cy="2830327"/>
               </a:xfrm>
               <a:prstGeom prst="rect">
                 <a:avLst/>

--- a/3/進捗報告_D4_3回目_2024_06_14_Graph Neural Network.pptx
+++ b/3/進捗報告_D4_3回目_2024_06_14_Graph Neural Network.pptx
@@ -141,7 +141,7 @@
   <pc:docChgLst>
     <pc:chgData name="g2121057" userId="037dc83c-fac4-4eea-acb3-34d3beafcde8" providerId="ADAL" clId="{0201BB2F-5427-4A5B-A26D-32DB62AD5D2C}"/>
     <pc:docChg chg="undo custSel addSld delSld modSld">
-      <pc:chgData name="g2121057" userId="037dc83c-fac4-4eea-acb3-34d3beafcde8" providerId="ADAL" clId="{0201BB2F-5427-4A5B-A26D-32DB62AD5D2C}" dt="2024-06-14T08:49:36.181" v="6421" actId="20577"/>
+      <pc:chgData name="g2121057" userId="037dc83c-fac4-4eea-acb3-34d3beafcde8" providerId="ADAL" clId="{0201BB2F-5427-4A5B-A26D-32DB62AD5D2C}" dt="2024-07-01T09:53:22.917" v="6422" actId="1076"/>
       <pc:docMkLst>
         <pc:docMk/>
       </pc:docMkLst>
@@ -496,7 +496,7 @@
         </pc:cxnChg>
       </pc:sldChg>
       <pc:sldChg chg="modSp add mod">
-        <pc:chgData name="g2121057" userId="037dc83c-fac4-4eea-acb3-34d3beafcde8" providerId="ADAL" clId="{0201BB2F-5427-4A5B-A26D-32DB62AD5D2C}" dt="2024-06-14T03:42:16.952" v="4090" actId="20577"/>
+        <pc:chgData name="g2121057" userId="037dc83c-fac4-4eea-acb3-34d3beafcde8" providerId="ADAL" clId="{0201BB2F-5427-4A5B-A26D-32DB62AD5D2C}" dt="2024-07-01T09:53:22.917" v="6422" actId="1076"/>
         <pc:sldMkLst>
           <pc:docMk/>
           <pc:sldMk cId="0" sldId="262"/>
@@ -550,7 +550,7 @@
           </ac:picMkLst>
         </pc:picChg>
         <pc:picChg chg="mod">
-          <ac:chgData name="g2121057" userId="037dc83c-fac4-4eea-acb3-34d3beafcde8" providerId="ADAL" clId="{0201BB2F-5427-4A5B-A26D-32DB62AD5D2C}" dt="2024-06-14T01:13:11.866" v="6" actId="1076"/>
+          <ac:chgData name="g2121057" userId="037dc83c-fac4-4eea-acb3-34d3beafcde8" providerId="ADAL" clId="{0201BB2F-5427-4A5B-A26D-32DB62AD5D2C}" dt="2024-07-01T09:53:22.917" v="6422" actId="1076"/>
           <ac:picMkLst>
             <pc:docMk/>
             <pc:sldMk cId="0" sldId="262"/>
@@ -1301,7 +1301,7 @@
           <a:p>
             <a:fld id="{B2218A74-1F65-45CB-9F2F-43EF8C659494}" type="datetimeFigureOut">
               <a:rPr kumimoji="1" lang="ja-JP" altLang="en-US" smtClean="0"/>
-              <a:t>2024/6/14</a:t>
+              <a:t>2024/7/1</a:t>
             </a:fld>
             <a:endParaRPr kumimoji="1" lang="ja-JP" altLang="en-US"/>
           </a:p>
@@ -2174,7 +2174,7 @@
           <a:p>
             <a:fld id="{D7D96287-E54A-4D35-8607-0CB0CF6D5DD9}" type="datetimeFigureOut">
               <a:rPr kumimoji="1" lang="ja-JP" altLang="en-US" smtClean="0"/>
-              <a:t>2024/6/14</a:t>
+              <a:t>2024/7/1</a:t>
             </a:fld>
             <a:endParaRPr kumimoji="1" lang="ja-JP" altLang="en-US"/>
           </a:p>
@@ -2404,7 +2404,7 @@
           <a:p>
             <a:fld id="{D7D96287-E54A-4D35-8607-0CB0CF6D5DD9}" type="datetimeFigureOut">
               <a:rPr kumimoji="1" lang="ja-JP" altLang="en-US" smtClean="0"/>
-              <a:t>2024/6/14</a:t>
+              <a:t>2024/7/1</a:t>
             </a:fld>
             <a:endParaRPr kumimoji="1" lang="ja-JP" altLang="en-US"/>
           </a:p>
@@ -2644,7 +2644,7 @@
           <a:p>
             <a:fld id="{D7D96287-E54A-4D35-8607-0CB0CF6D5DD9}" type="datetimeFigureOut">
               <a:rPr kumimoji="1" lang="ja-JP" altLang="en-US" smtClean="0"/>
-              <a:t>2024/6/14</a:t>
+              <a:t>2024/7/1</a:t>
             </a:fld>
             <a:endParaRPr kumimoji="1" lang="ja-JP" altLang="en-US"/>
           </a:p>
@@ -2876,7 +2876,7 @@
           <a:p>
             <a:fld id="{1D8BD707-D9CF-40AE-B4C6-C98DA3205C09}" type="datetimeFigureOut">
               <a:rPr lang="en-US"/>
-              <a:t>6/14/2024</a:t>
+              <a:t>7/1/2024</a:t>
             </a:fld>
             <a:endParaRPr lang="en-US"/>
           </a:p>
@@ -3095,7 +3095,7 @@
           <a:p>
             <a:fld id="{D7D96287-E54A-4D35-8607-0CB0CF6D5DD9}" type="datetimeFigureOut">
               <a:rPr kumimoji="1" lang="ja-JP" altLang="en-US" smtClean="0"/>
-              <a:t>2024/6/14</a:t>
+              <a:t>2024/7/1</a:t>
             </a:fld>
             <a:endParaRPr kumimoji="1" lang="ja-JP" altLang="en-US"/>
           </a:p>
@@ -3370,7 +3370,7 @@
           <a:p>
             <a:fld id="{D7D96287-E54A-4D35-8607-0CB0CF6D5DD9}" type="datetimeFigureOut">
               <a:rPr kumimoji="1" lang="ja-JP" altLang="en-US" smtClean="0"/>
-              <a:t>2024/6/14</a:t>
+              <a:t>2024/7/1</a:t>
             </a:fld>
             <a:endParaRPr kumimoji="1" lang="ja-JP" altLang="en-US"/>
           </a:p>
@@ -3699,7 +3699,7 @@
           <a:p>
             <a:fld id="{D7D96287-E54A-4D35-8607-0CB0CF6D5DD9}" type="datetimeFigureOut">
               <a:rPr kumimoji="1" lang="ja-JP" altLang="en-US" smtClean="0"/>
-              <a:t>2024/6/14</a:t>
+              <a:t>2024/7/1</a:t>
             </a:fld>
             <a:endParaRPr kumimoji="1" lang="ja-JP" altLang="en-US"/>
           </a:p>
@@ -4175,7 +4175,7 @@
           <a:p>
             <a:fld id="{D7D96287-E54A-4D35-8607-0CB0CF6D5DD9}" type="datetimeFigureOut">
               <a:rPr kumimoji="1" lang="ja-JP" altLang="en-US" smtClean="0"/>
-              <a:t>2024/6/14</a:t>
+              <a:t>2024/7/1</a:t>
             </a:fld>
             <a:endParaRPr kumimoji="1" lang="ja-JP" altLang="en-US"/>
           </a:p>
@@ -4316,7 +4316,7 @@
           <a:p>
             <a:fld id="{D7D96287-E54A-4D35-8607-0CB0CF6D5DD9}" type="datetimeFigureOut">
               <a:rPr kumimoji="1" lang="ja-JP" altLang="en-US" smtClean="0"/>
-              <a:t>2024/6/14</a:t>
+              <a:t>2024/7/1</a:t>
             </a:fld>
             <a:endParaRPr kumimoji="1" lang="ja-JP" altLang="en-US"/>
           </a:p>
@@ -4429,7 +4429,7 @@
           <a:p>
             <a:fld id="{D7D96287-E54A-4D35-8607-0CB0CF6D5DD9}" type="datetimeFigureOut">
               <a:rPr kumimoji="1" lang="ja-JP" altLang="en-US" smtClean="0"/>
-              <a:t>2024/6/14</a:t>
+              <a:t>2024/7/1</a:t>
             </a:fld>
             <a:endParaRPr kumimoji="1" lang="ja-JP" altLang="en-US"/>
           </a:p>
@@ -4772,7 +4772,7 @@
           <a:p>
             <a:fld id="{D7D96287-E54A-4D35-8607-0CB0CF6D5DD9}" type="datetimeFigureOut">
               <a:rPr kumimoji="1" lang="ja-JP" altLang="en-US" smtClean="0"/>
-              <a:t>2024/6/14</a:t>
+              <a:t>2024/7/1</a:t>
             </a:fld>
             <a:endParaRPr kumimoji="1" lang="ja-JP" altLang="en-US"/>
           </a:p>
@@ -5060,7 +5060,7 @@
           <a:p>
             <a:fld id="{D7D96287-E54A-4D35-8607-0CB0CF6D5DD9}" type="datetimeFigureOut">
               <a:rPr kumimoji="1" lang="ja-JP" altLang="en-US" smtClean="0"/>
-              <a:t>2024/6/14</a:t>
+              <a:t>2024/7/1</a:t>
             </a:fld>
             <a:endParaRPr kumimoji="1" lang="ja-JP" altLang="en-US"/>
           </a:p>
@@ -5333,7 +5333,7 @@
           <a:p>
             <a:fld id="{D7D96287-E54A-4D35-8607-0CB0CF6D5DD9}" type="datetimeFigureOut">
               <a:rPr kumimoji="1" lang="ja-JP" altLang="en-US" smtClean="0"/>
-              <a:t>2024/6/14</a:t>
+              <a:t>2024/7/1</a:t>
             </a:fld>
             <a:endParaRPr kumimoji="1" lang="ja-JP" altLang="en-US"/>
           </a:p>
@@ -5875,7 +5875,7 @@
         </p:blipFill>
         <p:spPr>
           <a:xfrm>
-            <a:off x="10322624" y="276217"/>
+            <a:off x="8912924" y="746372"/>
             <a:ext cx="1626488" cy="634784"/>
           </a:xfrm>
           <a:prstGeom prst="rect">
@@ -9465,8 +9465,8 @@
           </p:sp>
         </mc:Fallback>
       </mc:AlternateContent>
-      <mc:AlternateContent xmlns:mc="http://schemas.openxmlformats.org/markup-compatibility/2006">
-        <mc:Choice xmlns:a14="http://schemas.microsoft.com/office/drawing/2010/main" Requires="a14">
+      <mc:AlternateContent xmlns:mc="http://schemas.openxmlformats.org/markup-compatibility/2006" xmlns:a14="http://schemas.microsoft.com/office/drawing/2010/main">
+        <mc:Choice Requires="a14">
           <p:sp>
             <p:nvSpPr>
               <p:cNvPr id="8" name="テキスト ボックス 7">
@@ -9623,7 +9623,7 @@
             </p:txBody>
           </p:sp>
         </mc:Choice>
-        <mc:Fallback>
+        <mc:Fallback xmlns="">
           <p:sp>
             <p:nvSpPr>
               <p:cNvPr id="8" name="テキスト ボックス 7">
@@ -10475,8 +10475,8 @@
           </p:sp>
         </mc:Fallback>
       </mc:AlternateContent>
-      <mc:AlternateContent xmlns:mc="http://schemas.openxmlformats.org/markup-compatibility/2006">
-        <mc:Choice xmlns:a14="http://schemas.microsoft.com/office/drawing/2010/main" Requires="a14">
+      <mc:AlternateContent xmlns:mc="http://schemas.openxmlformats.org/markup-compatibility/2006" xmlns:a14="http://schemas.microsoft.com/office/drawing/2010/main">
+        <mc:Choice Requires="a14">
           <p:sp>
             <p:nvSpPr>
               <p:cNvPr id="5" name="テキスト ボックス 4">
@@ -10629,7 +10629,7 @@
             </p:txBody>
           </p:sp>
         </mc:Choice>
-        <mc:Fallback>
+        <mc:Fallback xmlns="">
           <p:sp>
             <p:nvSpPr>
               <p:cNvPr id="5" name="テキスト ボックス 4">
@@ -10674,8 +10674,8 @@
           </p:sp>
         </mc:Fallback>
       </mc:AlternateContent>
-      <mc:AlternateContent xmlns:mc="http://schemas.openxmlformats.org/markup-compatibility/2006">
-        <mc:Choice xmlns:a14="http://schemas.microsoft.com/office/drawing/2010/main" Requires="a14">
+      <mc:AlternateContent xmlns:mc="http://schemas.openxmlformats.org/markup-compatibility/2006" xmlns:a14="http://schemas.microsoft.com/office/drawing/2010/main">
+        <mc:Choice Requires="a14">
           <p:sp>
             <p:nvSpPr>
               <p:cNvPr id="6" name="テキスト ボックス 5">
@@ -11027,7 +11027,7 @@
             </p:txBody>
           </p:sp>
         </mc:Choice>
-        <mc:Fallback>
+        <mc:Fallback xmlns="">
           <p:sp>
             <p:nvSpPr>
               <p:cNvPr id="6" name="テキスト ボックス 5">
@@ -11072,8 +11072,8 @@
           </p:sp>
         </mc:Fallback>
       </mc:AlternateContent>
-      <mc:AlternateContent xmlns:mc="http://schemas.openxmlformats.org/markup-compatibility/2006">
-        <mc:Choice xmlns:a14="http://schemas.microsoft.com/office/drawing/2010/main" Requires="a14">
+      <mc:AlternateContent xmlns:mc="http://schemas.openxmlformats.org/markup-compatibility/2006" xmlns:a14="http://schemas.microsoft.com/office/drawing/2010/main">
+        <mc:Choice Requires="a14">
           <p:sp>
             <p:nvSpPr>
               <p:cNvPr id="7" name="テキスト ボックス 6">
@@ -11538,7 +11538,6 @@
                 <a:endParaRPr kumimoji="1" lang="en-US" altLang="ja-JP" sz="3600" dirty="0"/>
               </a:p>
               <a:p>
-                <a:pPr/>
                 <a:r>
                   <a:rPr kumimoji="1" lang="en-US" altLang="ja-JP" sz="3600" b="0" dirty="0"/>
                   <a:t>      </a:t>
@@ -11984,7 +11983,7 @@
             </p:txBody>
           </p:sp>
         </mc:Choice>
-        <mc:Fallback>
+        <mc:Fallback xmlns="">
           <p:sp>
             <p:nvSpPr>
               <p:cNvPr id="7" name="テキスト ボックス 6">
@@ -12029,8 +12028,8 @@
           </p:sp>
         </mc:Fallback>
       </mc:AlternateContent>
-      <mc:AlternateContent xmlns:mc="http://schemas.openxmlformats.org/markup-compatibility/2006">
-        <mc:Choice xmlns:a14="http://schemas.microsoft.com/office/drawing/2010/main" Requires="a14">
+      <mc:AlternateContent xmlns:mc="http://schemas.openxmlformats.org/markup-compatibility/2006" xmlns:a14="http://schemas.microsoft.com/office/drawing/2010/main">
+        <mc:Choice Requires="a14">
           <p:sp>
             <p:nvSpPr>
               <p:cNvPr id="8" name="テキスト ボックス 7">
@@ -12062,7 +12061,6 @@
               </a:bodyPr>
               <a:lstStyle/>
               <a:p>
-                <a:pPr/>
                 <a14:m>
                   <m:oMath xmlns:m="http://schemas.openxmlformats.org/officeDocument/2006/math">
                     <m:r>
@@ -12222,7 +12220,7 @@
             </p:txBody>
           </p:sp>
         </mc:Choice>
-        <mc:Fallback>
+        <mc:Fallback xmlns="">
           <p:sp>
             <p:nvSpPr>
               <p:cNvPr id="8" name="テキスト ボックス 7">
@@ -12270,8 +12268,8 @@
           </p:sp>
         </mc:Fallback>
       </mc:AlternateContent>
-      <mc:AlternateContent xmlns:mc="http://schemas.openxmlformats.org/markup-compatibility/2006">
-        <mc:Choice xmlns:a14="http://schemas.microsoft.com/office/drawing/2010/main" Requires="a14">
+      <mc:AlternateContent xmlns:mc="http://schemas.openxmlformats.org/markup-compatibility/2006" xmlns:a14="http://schemas.microsoft.com/office/drawing/2010/main">
+        <mc:Choice Requires="a14">
           <p:sp>
             <p:nvSpPr>
               <p:cNvPr id="9" name="テキスト ボックス 8">
@@ -12300,6 +12298,7 @@
               </a:bodyPr>
               <a:lstStyle/>
               <a:p>
+                <a:pPr/>
                 <a14:m>
                   <m:oMathPara xmlns:m="http://schemas.openxmlformats.org/officeDocument/2006/math">
                     <m:oMathParaPr>
@@ -12572,7 +12571,7 @@
             </p:txBody>
           </p:sp>
         </mc:Choice>
-        <mc:Fallback>
+        <mc:Fallback xmlns="">
           <p:sp>
             <p:nvSpPr>
               <p:cNvPr id="9" name="テキスト ボックス 8">
@@ -18958,8 +18957,8 @@
           </p:sp>
         </mc:Fallback>
       </mc:AlternateContent>
-      <mc:AlternateContent xmlns:mc="http://schemas.openxmlformats.org/markup-compatibility/2006">
-        <mc:Choice xmlns:a14="http://schemas.microsoft.com/office/drawing/2010/main" Requires="a14">
+      <mc:AlternateContent xmlns:mc="http://schemas.openxmlformats.org/markup-compatibility/2006" xmlns:a14="http://schemas.microsoft.com/office/drawing/2010/main">
+        <mc:Choice Requires="a14">
           <p:sp>
             <p:nvSpPr>
               <p:cNvPr id="9" name="テキスト ボックス 8">
@@ -19258,7 +19257,7 @@
             </p:txBody>
           </p:sp>
         </mc:Choice>
-        <mc:Fallback>
+        <mc:Fallback xmlns="">
           <p:sp>
             <p:nvSpPr>
               <p:cNvPr id="9" name="テキスト ボックス 8">
@@ -19424,8 +19423,8 @@
           </a:p>
         </p:txBody>
       </p:sp>
-      <mc:AlternateContent xmlns:mc="http://schemas.openxmlformats.org/markup-compatibility/2006">
-        <mc:Choice xmlns:a14="http://schemas.microsoft.com/office/drawing/2010/main" Requires="a14">
+      <mc:AlternateContent xmlns:mc="http://schemas.openxmlformats.org/markup-compatibility/2006" xmlns:a14="http://schemas.microsoft.com/office/drawing/2010/main">
+        <mc:Choice Requires="a14">
           <p:sp>
             <p:nvSpPr>
               <p:cNvPr id="4" name="テキスト ボックス 3">
@@ -19724,7 +19723,7 @@
             </p:txBody>
           </p:sp>
         </mc:Choice>
-        <mc:Fallback>
+        <mc:Fallback xmlns="">
           <p:sp>
             <p:nvSpPr>
               <p:cNvPr id="4" name="テキスト ボックス 3">
